--- a/MVC2023_EMA.pptx
+++ b/MVC2023_EMA.pptx
@@ -5,10 +5,10 @@
     <p:sldMasterId id="2147483660" r:id="rId1"/>
   </p:sldMasterIdLst>
   <p:notesMasterIdLst>
-    <p:notesMasterId r:id="rId25"/>
+    <p:notesMasterId r:id="rId28"/>
   </p:notesMasterIdLst>
   <p:handoutMasterIdLst>
-    <p:handoutMasterId r:id="rId26"/>
+    <p:handoutMasterId r:id="rId29"/>
   </p:handoutMasterIdLst>
   <p:sldIdLst>
     <p:sldId id="424" r:id="rId2"/>
@@ -29,11 +29,14 @@
     <p:sldId id="1040" r:id="rId17"/>
     <p:sldId id="496" r:id="rId18"/>
     <p:sldId id="1037" r:id="rId19"/>
-    <p:sldId id="497" r:id="rId20"/>
-    <p:sldId id="1039" r:id="rId21"/>
-    <p:sldId id="498" r:id="rId22"/>
-    <p:sldId id="1038" r:id="rId23"/>
-    <p:sldId id="500" r:id="rId24"/>
+    <p:sldId id="1043" r:id="rId20"/>
+    <p:sldId id="497" r:id="rId21"/>
+    <p:sldId id="1039" r:id="rId22"/>
+    <p:sldId id="498" r:id="rId23"/>
+    <p:sldId id="1041" r:id="rId24"/>
+    <p:sldId id="1042" r:id="rId25"/>
+    <p:sldId id="1038" r:id="rId26"/>
+    <p:sldId id="500" r:id="rId27"/>
   </p:sldIdLst>
   <p:sldSz cx="9144000" cy="6858000" type="screen4x3"/>
   <p:notesSz cx="6858000" cy="9144000"/>
@@ -175,9 +178,12 @@
         <p14:section name="Power distribution" id="{37064CC4-7E5D-4145-8C24-48EA3E33040E}">
           <p14:sldIdLst>
             <p14:sldId id="1037"/>
+            <p14:sldId id="1043"/>
             <p14:sldId id="497"/>
             <p14:sldId id="1039"/>
             <p14:sldId id="498"/>
+            <p14:sldId id="1041"/>
+            <p14:sldId id="1042"/>
           </p14:sldIdLst>
         </p14:section>
         <p14:section name="Conclusion" id="{9EB01235-1E84-4C31-B299-4339445052F5}">
@@ -293,7 +299,7 @@
           <a:p>
             <a:fld id="{0194D840-6635-4484-AF9C-9AB11FCFFE1E}" type="datetimeFigureOut">
               <a:rPr lang="zh-TW" altLang="en-US" smtClean="0"/>
-              <a:t>2023/2/2</a:t>
+              <a:t>2023/2/9</a:t>
             </a:fld>
             <a:endParaRPr lang="zh-TW" altLang="en-US"/>
           </a:p>
@@ -458,7 +464,7 @@
           <a:p>
             <a:fld id="{7A230692-F697-4DDE-9453-643AC803858B}" type="datetimeFigureOut">
               <a:rPr lang="zh-TW" altLang="en-US" smtClean="0"/>
-              <a:t>2023/2/2</a:t>
+              <a:t>2023/2/9</a:t>
             </a:fld>
             <a:endParaRPr lang="zh-TW" altLang="en-US"/>
           </a:p>
@@ -4315,8 +4321,8 @@
           </p:sp>
         </mc:Fallback>
       </mc:AlternateContent>
-      <mc:AlternateContent xmlns:mc="http://schemas.openxmlformats.org/markup-compatibility/2006">
-        <mc:Choice xmlns:a14="http://schemas.microsoft.com/office/drawing/2010/main" Requires="a14">
+      <mc:AlternateContent xmlns:mc="http://schemas.openxmlformats.org/markup-compatibility/2006" xmlns:a14="http://schemas.microsoft.com/office/drawing/2010/main">
+        <mc:Choice Requires="a14">
           <p:sp>
             <p:nvSpPr>
               <p:cNvPr id="69" name="TextBox 68">
@@ -4595,7 +4601,7 @@
             </p:txBody>
           </p:sp>
         </mc:Choice>
-        <mc:Fallback>
+        <mc:Fallback xmlns="">
           <p:sp>
             <p:nvSpPr>
               <p:cNvPr id="69" name="TextBox 68">
@@ -20575,6 +20581,749 @@
       </p:grpSpPr>
       <p:sp>
         <p:nvSpPr>
+          <p:cNvPr id="2" name="標題 1">
+            <a:extLst>
+              <a:ext uri="{FF2B5EF4-FFF2-40B4-BE49-F238E27FC236}">
+                <a16:creationId xmlns:a16="http://schemas.microsoft.com/office/drawing/2014/main" id="{E6F70E32-6F79-4ED7-ADAF-7EEF716D2599}"/>
+              </a:ext>
+            </a:extLst>
+          </p:cNvPr>
+          <p:cNvSpPr>
+            <a:spLocks noGrp="1"/>
+          </p:cNvSpPr>
+          <p:nvPr>
+            <p:ph type="title"/>
+          </p:nvPr>
+        </p:nvSpPr>
+        <p:spPr/>
+        <p:txBody>
+          <a:bodyPr/>
+          <a:lstStyle/>
+          <a:p>
+            <a:r>
+              <a:rPr lang="en-US" altLang="zh-TW" dirty="0"/>
+              <a:t>Battery EMA Version log</a:t>
+            </a:r>
+            <a:endParaRPr lang="zh-TW" altLang="en-US" dirty="0"/>
+          </a:p>
+        </p:txBody>
+      </p:sp>
+      <p:graphicFrame>
+        <p:nvGraphicFramePr>
+          <p:cNvPr id="5" name="表格 5">
+            <a:extLst>
+              <a:ext uri="{FF2B5EF4-FFF2-40B4-BE49-F238E27FC236}">
+                <a16:creationId xmlns:a16="http://schemas.microsoft.com/office/drawing/2014/main" id="{0375A814-A927-4970-A20F-CA48A4F64C0E}"/>
+              </a:ext>
+            </a:extLst>
+          </p:cNvPr>
+          <p:cNvGraphicFramePr>
+            <a:graphicFrameLocks noGrp="1"/>
+          </p:cNvGraphicFramePr>
+          <p:nvPr>
+            <p:ph idx="1"/>
+            <p:extLst>
+              <p:ext uri="{D42A27DB-BD31-4B8C-83A1-F6EECF244321}">
+                <p14:modId xmlns:p14="http://schemas.microsoft.com/office/powerpoint/2010/main" val="3234560800"/>
+              </p:ext>
+            </p:extLst>
+          </p:nvPr>
+        </p:nvGraphicFramePr>
+        <p:xfrm>
+          <a:off x="358775" y="1501775"/>
+          <a:ext cx="8426448" cy="2153920"/>
+        </p:xfrm>
+        <a:graphic>
+          <a:graphicData uri="http://schemas.openxmlformats.org/drawingml/2006/table">
+            <a:tbl>
+              <a:tblPr firstRow="1" bandRow="1">
+                <a:tableStyleId>{073A0DAA-6AF3-43AB-8588-CEC1D06C72B9}</a:tableStyleId>
+              </a:tblPr>
+              <a:tblGrid>
+                <a:gridCol w="2808816">
+                  <a:extLst>
+                    <a:ext uri="{9D8B030D-6E8A-4147-A177-3AD203B41FA5}">
+                      <a16:colId xmlns:a16="http://schemas.microsoft.com/office/drawing/2014/main" val="4285307271"/>
+                    </a:ext>
+                  </a:extLst>
+                </a:gridCol>
+                <a:gridCol w="5617632">
+                  <a:extLst>
+                    <a:ext uri="{9D8B030D-6E8A-4147-A177-3AD203B41FA5}">
+                      <a16:colId xmlns:a16="http://schemas.microsoft.com/office/drawing/2014/main" val="1552577021"/>
+                    </a:ext>
+                  </a:extLst>
+                </a:gridCol>
+              </a:tblGrid>
+              <a:tr h="370840">
+                <a:tc>
+                  <a:txBody>
+                    <a:bodyPr/>
+                    <a:lstStyle/>
+                    <a:p>
+                      <a:pPr algn="ctr"/>
+                      <a:r>
+                        <a:rPr lang="en-US" altLang="zh-TW" dirty="0"/>
+                        <a:t>Version</a:t>
+                      </a:r>
+                      <a:endParaRPr lang="zh-TW" altLang="en-US" dirty="0"/>
+                    </a:p>
+                  </a:txBody>
+                  <a:tcPr/>
+                </a:tc>
+                <a:tc>
+                  <a:txBody>
+                    <a:bodyPr/>
+                    <a:lstStyle/>
+                    <a:p>
+                      <a:pPr algn="ctr"/>
+                      <a:r>
+                        <a:rPr lang="en-US" altLang="zh-TW" sz="1350" b="0" kern="1200" dirty="0">
+                          <a:solidFill>
+                            <a:schemeClr val="lt1"/>
+                          </a:solidFill>
+                          <a:effectLst/>
+                        </a:rPr>
+                        <a:t>Description</a:t>
+                      </a:r>
+                      <a:endParaRPr lang="zh-TW" altLang="en-US" dirty="0"/>
+                    </a:p>
+                  </a:txBody>
+                  <a:tcPr/>
+                </a:tc>
+                <a:extLst>
+                  <a:ext uri="{0D108BD9-81ED-4DB2-BD59-A6C34878D82A}">
+                    <a16:rowId xmlns:a16="http://schemas.microsoft.com/office/drawing/2014/main" val="528557180"/>
+                  </a:ext>
+                </a:extLst>
+              </a:tr>
+              <a:tr h="137160">
+                <a:tc>
+                  <a:txBody>
+                    <a:bodyPr/>
+                    <a:lstStyle/>
+                    <a:p>
+                      <a:pPr algn="ctr"/>
+                      <a:r>
+                        <a:rPr lang="en-US" altLang="zh-TW" dirty="0"/>
+                        <a:t>V0</a:t>
+                      </a:r>
+                      <a:endParaRPr lang="zh-TW" altLang="en-US" dirty="0"/>
+                    </a:p>
+                  </a:txBody>
+                  <a:tcPr/>
+                </a:tc>
+                <a:tc>
+                  <a:txBody>
+                    <a:bodyPr/>
+                    <a:lstStyle/>
+                    <a:p>
+                      <a:pPr algn="ctr"/>
+                      <a:r>
+                        <a:rPr lang="en-US" altLang="zh-TW" dirty="0"/>
+                        <a:t>Initialization MPC model</a:t>
+                      </a:r>
+                      <a:endParaRPr lang="zh-TW" altLang="en-US" dirty="0"/>
+                    </a:p>
+                  </a:txBody>
+                  <a:tcPr/>
+                </a:tc>
+                <a:extLst>
+                  <a:ext uri="{0D108BD9-81ED-4DB2-BD59-A6C34878D82A}">
+                    <a16:rowId xmlns:a16="http://schemas.microsoft.com/office/drawing/2014/main" val="1471774987"/>
+                  </a:ext>
+                </a:extLst>
+              </a:tr>
+              <a:tr h="0">
+                <a:tc>
+                  <a:txBody>
+                    <a:bodyPr/>
+                    <a:lstStyle/>
+                    <a:p>
+                      <a:pPr algn="ctr"/>
+                      <a:r>
+                        <a:rPr lang="en-US" altLang="zh-TW" dirty="0"/>
+                        <a:t>V0.1</a:t>
+                      </a:r>
+                    </a:p>
+                  </a:txBody>
+                  <a:tcPr/>
+                </a:tc>
+                <a:tc>
+                  <a:txBody>
+                    <a:bodyPr/>
+                    <a:lstStyle/>
+                    <a:p>
+                      <a:pPr algn="ctr"/>
+                      <a:r>
+                        <a:rPr lang="en-US" altLang="zh-TW" sz="1350" b="0" i="0" kern="1200" dirty="0">
+                          <a:solidFill>
+                            <a:schemeClr val="dk1"/>
+                          </a:solidFill>
+                          <a:effectLst/>
+                          <a:latin typeface="+mn-lt"/>
+                          <a:ea typeface="+mn-ea"/>
+                          <a:cs typeface="+mn-cs"/>
+                        </a:rPr>
+                        <a:t>Changed the </a:t>
+                      </a:r>
+                      <a:r>
+                        <a:rPr lang="en-US" altLang="zh-TW" sz="1350" b="0" i="0" kern="1200" dirty="0" err="1">
+                          <a:solidFill>
+                            <a:schemeClr val="dk1"/>
+                          </a:solidFill>
+                          <a:effectLst/>
+                          <a:latin typeface="+mn-lt"/>
+                          <a:ea typeface="+mn-ea"/>
+                          <a:cs typeface="+mn-cs"/>
+                        </a:rPr>
+                        <a:t>R_delta</a:t>
+                      </a:r>
+                      <a:r>
+                        <a:rPr lang="en-US" altLang="zh-TW" sz="1350" b="0" i="0" kern="1200" dirty="0">
+                          <a:solidFill>
+                            <a:schemeClr val="dk1"/>
+                          </a:solidFill>
+                          <a:effectLst/>
+                          <a:latin typeface="+mn-lt"/>
+                          <a:ea typeface="+mn-ea"/>
+                          <a:cs typeface="+mn-cs"/>
+                        </a:rPr>
+                        <a:t> weighting</a:t>
+                      </a:r>
+                      <a:endParaRPr lang="zh-TW" altLang="en-US" dirty="0"/>
+                    </a:p>
+                  </a:txBody>
+                  <a:tcPr/>
+                </a:tc>
+                <a:extLst>
+                  <a:ext uri="{0D108BD9-81ED-4DB2-BD59-A6C34878D82A}">
+                    <a16:rowId xmlns:a16="http://schemas.microsoft.com/office/drawing/2014/main" val="2483369260"/>
+                  </a:ext>
+                </a:extLst>
+              </a:tr>
+              <a:tr h="185420">
+                <a:tc>
+                  <a:txBody>
+                    <a:bodyPr/>
+                    <a:lstStyle/>
+                    <a:p>
+                      <a:pPr algn="ctr"/>
+                      <a:r>
+                        <a:rPr lang="en-US" altLang="zh-TW" dirty="0"/>
+                        <a:t>V0.2</a:t>
+                      </a:r>
+                      <a:endParaRPr lang="zh-TW" altLang="en-US" dirty="0"/>
+                    </a:p>
+                  </a:txBody>
+                  <a:tcPr>
+                    <a:lnB w="12700" cap="flat" cmpd="sng" algn="ctr">
+                      <a:solidFill>
+                        <a:schemeClr val="bg1"/>
+                      </a:solidFill>
+                      <a:prstDash val="solid"/>
+                      <a:round/>
+                      <a:headEnd type="none" w="med" len="med"/>
+                      <a:tailEnd type="none" w="med" len="med"/>
+                    </a:lnB>
+                  </a:tcPr>
+                </a:tc>
+                <a:tc>
+                  <a:txBody>
+                    <a:bodyPr/>
+                    <a:lstStyle/>
+                    <a:p>
+                      <a:pPr algn="ctr"/>
+                      <a:r>
+                        <a:rPr lang="en-US" altLang="zh-TW" dirty="0"/>
+                        <a:t>Pmax is modified to be based on the product of </a:t>
+                      </a:r>
+                      <a:r>
+                        <a:rPr lang="en-US" altLang="zh-TW" dirty="0" err="1"/>
+                        <a:t>Ifc_max</a:t>
+                      </a:r>
+                      <a:r>
+                        <a:rPr lang="en-US" altLang="zh-TW" dirty="0"/>
+                        <a:t> and true voltage</a:t>
+                      </a:r>
+                      <a:endParaRPr lang="zh-TW" altLang="en-US" dirty="0"/>
+                    </a:p>
+                  </a:txBody>
+                  <a:tcPr>
+                    <a:lnB w="12700" cap="flat" cmpd="sng" algn="ctr">
+                      <a:solidFill>
+                        <a:schemeClr val="bg1"/>
+                      </a:solidFill>
+                      <a:prstDash val="solid"/>
+                      <a:round/>
+                      <a:headEnd type="none" w="med" len="med"/>
+                      <a:tailEnd type="none" w="med" len="med"/>
+                    </a:lnB>
+                  </a:tcPr>
+                </a:tc>
+                <a:extLst>
+                  <a:ext uri="{0D108BD9-81ED-4DB2-BD59-A6C34878D82A}">
+                    <a16:rowId xmlns:a16="http://schemas.microsoft.com/office/drawing/2014/main" val="3646601305"/>
+                  </a:ext>
+                </a:extLst>
+              </a:tr>
+              <a:tr h="148590">
+                <a:tc>
+                  <a:txBody>
+                    <a:bodyPr/>
+                    <a:lstStyle/>
+                    <a:p>
+                      <a:pPr algn="ctr"/>
+                      <a:r>
+                        <a:rPr lang="en-US" altLang="zh-TW" dirty="0"/>
+                        <a:t>V0.3</a:t>
+                      </a:r>
+                    </a:p>
+                  </a:txBody>
+                  <a:tcPr>
+                    <a:lnT w="12700" cap="flat" cmpd="sng" algn="ctr">
+                      <a:solidFill>
+                        <a:schemeClr val="bg1"/>
+                      </a:solidFill>
+                      <a:prstDash val="solid"/>
+                      <a:round/>
+                      <a:headEnd type="none" w="med" len="med"/>
+                      <a:tailEnd type="none" w="med" len="med"/>
+                    </a:lnT>
+                    <a:lnB w="12700" cap="flat" cmpd="sng" algn="ctr">
+                      <a:solidFill>
+                        <a:schemeClr val="bg1"/>
+                      </a:solidFill>
+                      <a:prstDash val="solid"/>
+                      <a:round/>
+                      <a:headEnd type="none" w="med" len="med"/>
+                      <a:tailEnd type="none" w="med" len="med"/>
+                    </a:lnB>
+                  </a:tcPr>
+                </a:tc>
+                <a:tc>
+                  <a:txBody>
+                    <a:bodyPr/>
+                    <a:lstStyle/>
+                    <a:p>
+                      <a:pPr algn="ctr"/>
+                      <a:r>
+                        <a:rPr lang="en-US" altLang="zh-TW" dirty="0"/>
+                        <a:t>Added the low-efficiency zone strategy</a:t>
+                      </a:r>
+                      <a:endParaRPr lang="zh-TW" altLang="en-US" dirty="0"/>
+                    </a:p>
+                  </a:txBody>
+                  <a:tcPr>
+                    <a:lnT w="12700" cap="flat" cmpd="sng" algn="ctr">
+                      <a:solidFill>
+                        <a:schemeClr val="bg1"/>
+                      </a:solidFill>
+                      <a:prstDash val="solid"/>
+                      <a:round/>
+                      <a:headEnd type="none" w="med" len="med"/>
+                      <a:tailEnd type="none" w="med" len="med"/>
+                    </a:lnT>
+                    <a:lnB w="12700" cap="flat" cmpd="sng" algn="ctr">
+                      <a:solidFill>
+                        <a:schemeClr val="bg1"/>
+                      </a:solidFill>
+                      <a:prstDash val="solid"/>
+                      <a:round/>
+                      <a:headEnd type="none" w="med" len="med"/>
+                      <a:tailEnd type="none" w="med" len="med"/>
+                    </a:lnB>
+                  </a:tcPr>
+                </a:tc>
+                <a:extLst>
+                  <a:ext uri="{0D108BD9-81ED-4DB2-BD59-A6C34878D82A}">
+                    <a16:rowId xmlns:a16="http://schemas.microsoft.com/office/drawing/2014/main" val="3560497885"/>
+                  </a:ext>
+                </a:extLst>
+              </a:tr>
+              <a:tr h="148590">
+                <a:tc>
+                  <a:txBody>
+                    <a:bodyPr/>
+                    <a:lstStyle/>
+                    <a:p>
+                      <a:pPr algn="ctr"/>
+                      <a:r>
+                        <a:rPr lang="en-US" altLang="zh-TW" dirty="0"/>
+                        <a:t>V0.4</a:t>
+                      </a:r>
+                    </a:p>
+                  </a:txBody>
+                  <a:tcPr>
+                    <a:lnT w="12700" cap="flat" cmpd="sng" algn="ctr">
+                      <a:solidFill>
+                        <a:schemeClr val="bg1"/>
+                      </a:solidFill>
+                      <a:prstDash val="solid"/>
+                      <a:round/>
+                      <a:headEnd type="none" w="med" len="med"/>
+                      <a:tailEnd type="none" w="med" len="med"/>
+                    </a:lnT>
+                    <a:lnB w="12700" cap="flat" cmpd="sng" algn="ctr">
+                      <a:solidFill>
+                        <a:schemeClr val="bg1"/>
+                      </a:solidFill>
+                      <a:prstDash val="solid"/>
+                      <a:round/>
+                      <a:headEnd type="none" w="med" len="med"/>
+                      <a:tailEnd type="none" w="med" len="med"/>
+                    </a:lnB>
+                  </a:tcPr>
+                </a:tc>
+                <a:tc>
+                  <a:txBody>
+                    <a:bodyPr/>
+                    <a:lstStyle/>
+                    <a:p>
+                      <a:pPr algn="ctr"/>
+                      <a:r>
+                        <a:rPr lang="en-US" altLang="zh-TW" dirty="0"/>
+                        <a:t>Changed </a:t>
+                      </a:r>
+                      <a:r>
+                        <a:rPr lang="en-US" altLang="zh-TW" dirty="0" err="1"/>
+                        <a:t>Yref</a:t>
+                      </a:r>
+                      <a:r>
+                        <a:rPr lang="en-US" altLang="zh-TW" dirty="0"/>
+                        <a:t> to gap tracking between </a:t>
+                      </a:r>
+                      <a:r>
+                        <a:rPr lang="en-US" altLang="zh-TW" dirty="0" err="1"/>
+                        <a:t>SoCfc</a:t>
+                      </a:r>
+                      <a:r>
+                        <a:rPr lang="en-US" altLang="zh-TW" dirty="0"/>
+                        <a:t> and </a:t>
+                      </a:r>
+                      <a:r>
+                        <a:rPr lang="en-US" altLang="zh-TW" dirty="0" err="1"/>
+                        <a:t>SoCbat</a:t>
+                      </a:r>
+                      <a:endParaRPr lang="zh-TW" altLang="en-US" dirty="0"/>
+                    </a:p>
+                  </a:txBody>
+                  <a:tcPr>
+                    <a:lnT w="12700" cap="flat" cmpd="sng" algn="ctr">
+                      <a:solidFill>
+                        <a:schemeClr val="bg1"/>
+                      </a:solidFill>
+                      <a:prstDash val="solid"/>
+                      <a:round/>
+                      <a:headEnd type="none" w="med" len="med"/>
+                      <a:tailEnd type="none" w="med" len="med"/>
+                    </a:lnT>
+                    <a:lnB w="12700" cap="flat" cmpd="sng" algn="ctr">
+                      <a:solidFill>
+                        <a:schemeClr val="bg1"/>
+                      </a:solidFill>
+                      <a:prstDash val="solid"/>
+                      <a:round/>
+                      <a:headEnd type="none" w="med" len="med"/>
+                      <a:tailEnd type="none" w="med" len="med"/>
+                    </a:lnB>
+                  </a:tcPr>
+                </a:tc>
+                <a:extLst>
+                  <a:ext uri="{0D108BD9-81ED-4DB2-BD59-A6C34878D82A}">
+                    <a16:rowId xmlns:a16="http://schemas.microsoft.com/office/drawing/2014/main" val="1585672534"/>
+                  </a:ext>
+                </a:extLst>
+              </a:tr>
+              <a:tr h="0">
+                <a:tc>
+                  <a:txBody>
+                    <a:bodyPr/>
+                    <a:lstStyle/>
+                    <a:p>
+                      <a:pPr algn="ctr"/>
+                      <a:r>
+                        <a:rPr lang="en-US" altLang="zh-TW" dirty="0"/>
+                        <a:t>V1.0</a:t>
+                      </a:r>
+                    </a:p>
+                  </a:txBody>
+                  <a:tcPr>
+                    <a:lnT w="12700" cap="flat" cmpd="sng" algn="ctr">
+                      <a:solidFill>
+                        <a:schemeClr val="bg1"/>
+                      </a:solidFill>
+                      <a:prstDash val="solid"/>
+                      <a:round/>
+                      <a:headEnd type="none" w="med" len="med"/>
+                      <a:tailEnd type="none" w="med" len="med"/>
+                    </a:lnT>
+                  </a:tcPr>
+                </a:tc>
+                <a:tc>
+                  <a:txBody>
+                    <a:bodyPr/>
+                    <a:lstStyle/>
+                    <a:p>
+                      <a:pPr algn="ctr"/>
+                      <a:r>
+                        <a:rPr lang="en-US" altLang="zh-TW" dirty="0"/>
+                        <a:t>Added variable weight strategy</a:t>
+                      </a:r>
+                      <a:endParaRPr lang="zh-TW" altLang="en-US" dirty="0"/>
+                    </a:p>
+                  </a:txBody>
+                  <a:tcPr>
+                    <a:lnT w="12700" cap="flat" cmpd="sng" algn="ctr">
+                      <a:solidFill>
+                        <a:schemeClr val="bg1"/>
+                      </a:solidFill>
+                      <a:prstDash val="solid"/>
+                      <a:round/>
+                      <a:headEnd type="none" w="med" len="med"/>
+                      <a:tailEnd type="none" w="med" len="med"/>
+                    </a:lnT>
+                  </a:tcPr>
+                </a:tc>
+                <a:extLst>
+                  <a:ext uri="{0D108BD9-81ED-4DB2-BD59-A6C34878D82A}">
+                    <a16:rowId xmlns:a16="http://schemas.microsoft.com/office/drawing/2014/main" val="2504415731"/>
+                  </a:ext>
+                </a:extLst>
+              </a:tr>
+            </a:tbl>
+          </a:graphicData>
+        </a:graphic>
+      </p:graphicFrame>
+      <p:sp>
+        <p:nvSpPr>
+          <p:cNvPr id="4" name="投影片編號版面配置區 3">
+            <a:extLst>
+              <a:ext uri="{FF2B5EF4-FFF2-40B4-BE49-F238E27FC236}">
+                <a16:creationId xmlns:a16="http://schemas.microsoft.com/office/drawing/2014/main" id="{0973391A-2EAE-4E93-8B48-9EF9254CC820}"/>
+              </a:ext>
+            </a:extLst>
+          </p:cNvPr>
+          <p:cNvSpPr>
+            <a:spLocks noGrp="1"/>
+          </p:cNvSpPr>
+          <p:nvPr>
+            <p:ph type="sldNum" sz="quarter" idx="4"/>
+          </p:nvPr>
+        </p:nvSpPr>
+        <p:spPr/>
+        <p:txBody>
+          <a:bodyPr/>
+          <a:lstStyle/>
+          <a:p>
+            <a:r>
+              <a:rPr lang="zh-TW" altLang="en-US"/>
+              <a:t>    </a:t>
+            </a:r>
+            <a:fld id="{60B72D1D-C7D5-46AB-88C6-AAE1BD29C5E7}" type="slidenum">
+              <a:rPr lang="zh-TW" altLang="en-US" smtClean="0"/>
+              <a:pPr/>
+              <a:t>19</a:t>
+            </a:fld>
+            <a:endParaRPr lang="zh-TW" altLang="en-US" dirty="0"/>
+          </a:p>
+        </p:txBody>
+      </p:sp>
+    </p:spTree>
+    <p:extLst>
+      <p:ext uri="{BB962C8B-B14F-4D97-AF65-F5344CB8AC3E}">
+        <p14:creationId xmlns:p14="http://schemas.microsoft.com/office/powerpoint/2010/main" val="3540255977"/>
+      </p:ext>
+    </p:extLst>
+  </p:cSld>
+  <p:clrMapOvr>
+    <a:masterClrMapping/>
+  </p:clrMapOvr>
+</p:sld>
+</file>
+
+<file path=ppt/slides/slide2.xml><?xml version="1.0" encoding="utf-8"?>
+<p:sld xmlns:a="http://schemas.openxmlformats.org/drawingml/2006/main" xmlns:r="http://schemas.openxmlformats.org/officeDocument/2006/relationships" xmlns:p="http://schemas.openxmlformats.org/presentationml/2006/main">
+  <p:cSld>
+    <p:spTree>
+      <p:nvGrpSpPr>
+        <p:cNvPr id="1" name=""/>
+        <p:cNvGrpSpPr/>
+        <p:nvPr/>
+      </p:nvGrpSpPr>
+      <p:grpSpPr>
+        <a:xfrm>
+          <a:off x="0" y="0"/>
+          <a:ext cx="0" cy="0"/>
+          <a:chOff x="0" y="0"/>
+          <a:chExt cx="0" cy="0"/>
+        </a:xfrm>
+      </p:grpSpPr>
+      <p:sp>
+        <p:nvSpPr>
+          <p:cNvPr id="2" name="Title 1">
+            <a:extLst>
+              <a:ext uri="{FF2B5EF4-FFF2-40B4-BE49-F238E27FC236}">
+                <a16:creationId xmlns:a16="http://schemas.microsoft.com/office/drawing/2014/main" id="{707EB6D4-7BEF-4219-BF6D-ACED94784FB6}"/>
+              </a:ext>
+            </a:extLst>
+          </p:cNvPr>
+          <p:cNvSpPr>
+            <a:spLocks noGrp="1"/>
+          </p:cNvSpPr>
+          <p:nvPr>
+            <p:ph type="title"/>
+          </p:nvPr>
+        </p:nvSpPr>
+        <p:spPr/>
+        <p:txBody>
+          <a:bodyPr/>
+          <a:lstStyle/>
+          <a:p>
+            <a:r>
+              <a:rPr lang="en-US" altLang="zh-TW" dirty="0"/>
+              <a:t>Outline</a:t>
+            </a:r>
+            <a:endParaRPr lang="zh-TW" altLang="en-US" dirty="0"/>
+          </a:p>
+        </p:txBody>
+      </p:sp>
+      <p:sp>
+        <p:nvSpPr>
+          <p:cNvPr id="3" name="Content Placeholder 2">
+            <a:extLst>
+              <a:ext uri="{FF2B5EF4-FFF2-40B4-BE49-F238E27FC236}">
+                <a16:creationId xmlns:a16="http://schemas.microsoft.com/office/drawing/2014/main" id="{C26CF73F-B501-48FB-9C4B-20A51205FCC1}"/>
+              </a:ext>
+            </a:extLst>
+          </p:cNvPr>
+          <p:cNvSpPr>
+            <a:spLocks noGrp="1"/>
+          </p:cNvSpPr>
+          <p:nvPr>
+            <p:ph idx="1"/>
+          </p:nvPr>
+        </p:nvSpPr>
+        <p:spPr/>
+        <p:txBody>
+          <a:bodyPr/>
+          <a:lstStyle/>
+          <a:p>
+            <a:r>
+              <a:rPr lang="en-US" altLang="zh-TW" dirty="0"/>
+              <a:t>Introduction</a:t>
+            </a:r>
+          </a:p>
+          <a:p>
+            <a:r>
+              <a:rPr lang="en-US" altLang="zh-TW" dirty="0"/>
+              <a:t>Recent Literature</a:t>
+            </a:r>
+          </a:p>
+          <a:p>
+            <a:r>
+              <a:rPr lang="en-US" altLang="zh-TW" dirty="0"/>
+              <a:t>Integrated Control Strategy</a:t>
+            </a:r>
+          </a:p>
+          <a:p>
+            <a:r>
+              <a:rPr lang="en-US" altLang="zh-TW" dirty="0"/>
+              <a:t>Torque Allocation</a:t>
+            </a:r>
+          </a:p>
+          <a:p>
+            <a:r>
+              <a:rPr lang="en-US" altLang="zh-TW" dirty="0"/>
+              <a:t>Energy Storage System Power Control</a:t>
+            </a:r>
+          </a:p>
+          <a:p>
+            <a:r>
+              <a:rPr lang="en-US" altLang="zh-TW" dirty="0"/>
+              <a:t>Conclusion</a:t>
+            </a:r>
+          </a:p>
+          <a:p>
+            <a:endParaRPr lang="en-US" altLang="zh-TW" dirty="0"/>
+          </a:p>
+          <a:p>
+            <a:endParaRPr lang="en-US" altLang="zh-TW" dirty="0"/>
+          </a:p>
+          <a:p>
+            <a:endParaRPr lang="en-US" altLang="zh-TW" dirty="0"/>
+          </a:p>
+          <a:p>
+            <a:endParaRPr lang="en-US" altLang="zh-TW" dirty="0"/>
+          </a:p>
+        </p:txBody>
+      </p:sp>
+      <p:sp>
+        <p:nvSpPr>
+          <p:cNvPr id="4" name="Slide Number Placeholder 3">
+            <a:extLst>
+              <a:ext uri="{FF2B5EF4-FFF2-40B4-BE49-F238E27FC236}">
+                <a16:creationId xmlns:a16="http://schemas.microsoft.com/office/drawing/2014/main" id="{95FD4B22-38DB-40D6-9F9C-1BE5D34CA29D}"/>
+              </a:ext>
+            </a:extLst>
+          </p:cNvPr>
+          <p:cNvSpPr>
+            <a:spLocks noGrp="1"/>
+          </p:cNvSpPr>
+          <p:nvPr>
+            <p:ph type="sldNum" sz="quarter" idx="4"/>
+          </p:nvPr>
+        </p:nvSpPr>
+        <p:spPr/>
+        <p:txBody>
+          <a:bodyPr/>
+          <a:lstStyle/>
+          <a:p>
+            <a:r>
+              <a:rPr lang="zh-TW" altLang="en-US"/>
+              <a:t>    </a:t>
+            </a:r>
+            <a:fld id="{60B72D1D-C7D5-46AB-88C6-AAE1BD29C5E7}" type="slidenum">
+              <a:rPr lang="zh-TW" altLang="en-US" smtClean="0"/>
+              <a:pPr/>
+              <a:t>2</a:t>
+            </a:fld>
+            <a:endParaRPr lang="zh-TW" altLang="en-US" dirty="0"/>
+          </a:p>
+        </p:txBody>
+      </p:sp>
+    </p:spTree>
+    <p:extLst>
+      <p:ext uri="{BB962C8B-B14F-4D97-AF65-F5344CB8AC3E}">
+        <p14:creationId xmlns:p14="http://schemas.microsoft.com/office/powerpoint/2010/main" val="3838709457"/>
+      </p:ext>
+    </p:extLst>
+  </p:cSld>
+  <p:clrMapOvr>
+    <a:masterClrMapping/>
+  </p:clrMapOvr>
+</p:sld>
+</file>
+
+<file path=ppt/slides/slide20.xml><?xml version="1.0" encoding="utf-8"?>
+<p:sld xmlns:a="http://schemas.openxmlformats.org/drawingml/2006/main" xmlns:r="http://schemas.openxmlformats.org/officeDocument/2006/relationships" xmlns:p="http://schemas.openxmlformats.org/presentationml/2006/main">
+  <p:cSld>
+    <p:spTree>
+      <p:nvGrpSpPr>
+        <p:cNvPr id="1" name=""/>
+        <p:cNvGrpSpPr/>
+        <p:nvPr/>
+      </p:nvGrpSpPr>
+      <p:grpSpPr>
+        <a:xfrm>
+          <a:off x="0" y="0"/>
+          <a:ext cx="0" cy="0"/>
+          <a:chOff x="0" y="0"/>
+          <a:chExt cx="0" cy="0"/>
+        </a:xfrm>
+      </p:grpSpPr>
+      <p:sp>
+        <p:nvSpPr>
           <p:cNvPr id="2" name="Title 1">
             <a:extLst>
               <a:ext uri="{FF2B5EF4-FFF2-40B4-BE49-F238E27FC236}">
@@ -20602,8 +21351,8 @@
           </a:p>
         </p:txBody>
       </p:sp>
-      <mc:AlternateContent xmlns:mc="http://schemas.openxmlformats.org/markup-compatibility/2006">
-        <mc:Choice xmlns:a14="http://schemas.microsoft.com/office/drawing/2010/main" Requires="a14">
+      <mc:AlternateContent xmlns:mc="http://schemas.openxmlformats.org/markup-compatibility/2006" xmlns:a14="http://schemas.microsoft.com/office/drawing/2010/main">
+        <mc:Choice Requires="a14">
           <p:sp>
             <p:nvSpPr>
               <p:cNvPr id="3" name="Content Placeholder 2">
@@ -20922,7 +21671,7 @@
             </p:txBody>
           </p:sp>
         </mc:Choice>
-        <mc:Fallback>
+        <mc:Fallback xmlns="">
           <p:sp>
             <p:nvSpPr>
               <p:cNvPr id="3" name="Content Placeholder 2">
@@ -20990,7 +21739,7 @@
             <a:fld id="{60B72D1D-C7D5-46AB-88C6-AAE1BD29C5E7}" type="slidenum">
               <a:rPr lang="zh-TW" altLang="en-US" smtClean="0"/>
               <a:pPr/>
-              <a:t>19</a:t>
+              <a:t>20</a:t>
             </a:fld>
             <a:endParaRPr lang="zh-TW" altLang="en-US" dirty="0"/>
           </a:p>
@@ -22868,170 +23617,7 @@
 </p:sld>
 </file>
 
-<file path=ppt/slides/slide2.xml><?xml version="1.0" encoding="utf-8"?>
-<p:sld xmlns:a="http://schemas.openxmlformats.org/drawingml/2006/main" xmlns:r="http://schemas.openxmlformats.org/officeDocument/2006/relationships" xmlns:p="http://schemas.openxmlformats.org/presentationml/2006/main">
-  <p:cSld>
-    <p:spTree>
-      <p:nvGrpSpPr>
-        <p:cNvPr id="1" name=""/>
-        <p:cNvGrpSpPr/>
-        <p:nvPr/>
-      </p:nvGrpSpPr>
-      <p:grpSpPr>
-        <a:xfrm>
-          <a:off x="0" y="0"/>
-          <a:ext cx="0" cy="0"/>
-          <a:chOff x="0" y="0"/>
-          <a:chExt cx="0" cy="0"/>
-        </a:xfrm>
-      </p:grpSpPr>
-      <p:sp>
-        <p:nvSpPr>
-          <p:cNvPr id="2" name="Title 1">
-            <a:extLst>
-              <a:ext uri="{FF2B5EF4-FFF2-40B4-BE49-F238E27FC236}">
-                <a16:creationId xmlns:a16="http://schemas.microsoft.com/office/drawing/2014/main" id="{707EB6D4-7BEF-4219-BF6D-ACED94784FB6}"/>
-              </a:ext>
-            </a:extLst>
-          </p:cNvPr>
-          <p:cNvSpPr>
-            <a:spLocks noGrp="1"/>
-          </p:cNvSpPr>
-          <p:nvPr>
-            <p:ph type="title"/>
-          </p:nvPr>
-        </p:nvSpPr>
-        <p:spPr/>
-        <p:txBody>
-          <a:bodyPr/>
-          <a:lstStyle/>
-          <a:p>
-            <a:r>
-              <a:rPr lang="en-US" altLang="zh-TW" dirty="0"/>
-              <a:t>Outline</a:t>
-            </a:r>
-            <a:endParaRPr lang="zh-TW" altLang="en-US" dirty="0"/>
-          </a:p>
-        </p:txBody>
-      </p:sp>
-      <p:sp>
-        <p:nvSpPr>
-          <p:cNvPr id="3" name="Content Placeholder 2">
-            <a:extLst>
-              <a:ext uri="{FF2B5EF4-FFF2-40B4-BE49-F238E27FC236}">
-                <a16:creationId xmlns:a16="http://schemas.microsoft.com/office/drawing/2014/main" id="{C26CF73F-B501-48FB-9C4B-20A51205FCC1}"/>
-              </a:ext>
-            </a:extLst>
-          </p:cNvPr>
-          <p:cNvSpPr>
-            <a:spLocks noGrp="1"/>
-          </p:cNvSpPr>
-          <p:nvPr>
-            <p:ph idx="1"/>
-          </p:nvPr>
-        </p:nvSpPr>
-        <p:spPr/>
-        <p:txBody>
-          <a:bodyPr/>
-          <a:lstStyle/>
-          <a:p>
-            <a:r>
-              <a:rPr lang="en-US" altLang="zh-TW" dirty="0"/>
-              <a:t>Introduction</a:t>
-            </a:r>
-          </a:p>
-          <a:p>
-            <a:r>
-              <a:rPr lang="en-US" altLang="zh-TW" dirty="0"/>
-              <a:t>Recent Literature</a:t>
-            </a:r>
-          </a:p>
-          <a:p>
-            <a:r>
-              <a:rPr lang="en-US" altLang="zh-TW" dirty="0"/>
-              <a:t>Integrated Control Strategy</a:t>
-            </a:r>
-          </a:p>
-          <a:p>
-            <a:r>
-              <a:rPr lang="en-US" altLang="zh-TW" dirty="0"/>
-              <a:t>Torque Allocation</a:t>
-            </a:r>
-          </a:p>
-          <a:p>
-            <a:r>
-              <a:rPr lang="en-US" altLang="zh-TW" dirty="0"/>
-              <a:t>Energy Storage System Power Control</a:t>
-            </a:r>
-          </a:p>
-          <a:p>
-            <a:r>
-              <a:rPr lang="en-US" altLang="zh-TW" dirty="0"/>
-              <a:t>Conclusion</a:t>
-            </a:r>
-          </a:p>
-          <a:p>
-            <a:endParaRPr lang="en-US" altLang="zh-TW" dirty="0"/>
-          </a:p>
-          <a:p>
-            <a:endParaRPr lang="en-US" altLang="zh-TW" dirty="0"/>
-          </a:p>
-          <a:p>
-            <a:endParaRPr lang="en-US" altLang="zh-TW" dirty="0"/>
-          </a:p>
-          <a:p>
-            <a:endParaRPr lang="en-US" altLang="zh-TW" dirty="0"/>
-          </a:p>
-        </p:txBody>
-      </p:sp>
-      <p:sp>
-        <p:nvSpPr>
-          <p:cNvPr id="4" name="Slide Number Placeholder 3">
-            <a:extLst>
-              <a:ext uri="{FF2B5EF4-FFF2-40B4-BE49-F238E27FC236}">
-                <a16:creationId xmlns:a16="http://schemas.microsoft.com/office/drawing/2014/main" id="{95FD4B22-38DB-40D6-9F9C-1BE5D34CA29D}"/>
-              </a:ext>
-            </a:extLst>
-          </p:cNvPr>
-          <p:cNvSpPr>
-            <a:spLocks noGrp="1"/>
-          </p:cNvSpPr>
-          <p:nvPr>
-            <p:ph type="sldNum" sz="quarter" idx="4"/>
-          </p:nvPr>
-        </p:nvSpPr>
-        <p:spPr/>
-        <p:txBody>
-          <a:bodyPr/>
-          <a:lstStyle/>
-          <a:p>
-            <a:r>
-              <a:rPr lang="zh-TW" altLang="en-US"/>
-              <a:t>    </a:t>
-            </a:r>
-            <a:fld id="{60B72D1D-C7D5-46AB-88C6-AAE1BD29C5E7}" type="slidenum">
-              <a:rPr lang="zh-TW" altLang="en-US" smtClean="0"/>
-              <a:pPr/>
-              <a:t>2</a:t>
-            </a:fld>
-            <a:endParaRPr lang="zh-TW" altLang="en-US" dirty="0"/>
-          </a:p>
-        </p:txBody>
-      </p:sp>
-    </p:spTree>
-    <p:extLst>
-      <p:ext uri="{BB962C8B-B14F-4D97-AF65-F5344CB8AC3E}">
-        <p14:creationId xmlns:p14="http://schemas.microsoft.com/office/powerpoint/2010/main" val="3838709457"/>
-      </p:ext>
-    </p:extLst>
-  </p:cSld>
-  <p:clrMapOvr>
-    <a:masterClrMapping/>
-  </p:clrMapOvr>
-</p:sld>
-</file>
-
-<file path=ppt/slides/slide20.xml><?xml version="1.0" encoding="utf-8"?>
+<file path=ppt/slides/slide21.xml><?xml version="1.0" encoding="utf-8"?>
 <p:sld xmlns:a="http://schemas.openxmlformats.org/drawingml/2006/main" xmlns:r="http://schemas.openxmlformats.org/officeDocument/2006/relationships" xmlns:p="http://schemas.openxmlformats.org/presentationml/2006/main">
   <p:cSld>
     <p:spTree>
@@ -23350,7 +23936,19 @@
                 </a14:m>
                 <a:r>
                   <a:rPr lang="en-US" altLang="zh-TW" sz="1800" dirty="0"/>
-                  <a:t> : battery SOC ref.</a:t>
+                  <a:t>: SOC </a:t>
+                </a:r>
+                <a:r>
+                  <a:rPr lang="en-US" altLang="zh-TW" sz="1800" dirty="0">
+                    <a:solidFill>
+                      <a:srgbClr val="FF0000"/>
+                    </a:solidFill>
+                  </a:rPr>
+                  <a:t>difference</a:t>
+                </a:r>
+                <a:r>
+                  <a:rPr lang="en-US" altLang="zh-TW" sz="1800" dirty="0"/>
+                  <a:t> ref.</a:t>
                 </a:r>
               </a:p>
               <a:p>
@@ -23360,12 +23958,99 @@
                 <a:endParaRPr lang="en-US" altLang="zh-TW" dirty="0"/>
               </a:p>
               <a:p>
+                <a:r>
+                  <a:rPr lang="en-US" altLang="zh-TW" sz="1800" dirty="0"/>
+                  <a:t>Weighting</a:t>
+                </a:r>
+              </a:p>
+              <a:p>
+                <a:pPr lvl="1"/>
+                <a:r>
+                  <a:rPr lang="en-US" altLang="zh-TW" dirty="0"/>
+                  <a:t>SoC tracking</a:t>
+                </a:r>
+              </a:p>
+              <a:p>
+                <a:pPr lvl="2"/>
+                <a:r>
+                  <a:rPr lang="en-US" altLang="zh-TW" dirty="0"/>
+                  <a:t>When </a:t>
+                </a:r>
+                <a:r>
+                  <a:rPr lang="en-US" altLang="zh-TW" dirty="0" err="1"/>
+                  <a:t>SoCbat</a:t>
+                </a:r>
+                <a:r>
+                  <a:rPr lang="en-US" altLang="zh-TW" dirty="0"/>
+                  <a:t> &lt; </a:t>
+                </a:r>
+                <a:r>
+                  <a:rPr lang="en-US" altLang="zh-TW" dirty="0" err="1"/>
+                  <a:t>SoCbat</a:t>
+                </a:r>
+                <a:r>
+                  <a:rPr lang="en-US" altLang="zh-TW" dirty="0"/>
+                  <a:t> low limit:1 (Load power tracking)</a:t>
+                </a:r>
+              </a:p>
+              <a:p>
+                <a:pPr lvl="2"/>
+                <a:r>
+                  <a:rPr lang="en-US" altLang="zh-TW" dirty="0"/>
+                  <a:t>When </a:t>
+                </a:r>
+                <a:r>
+                  <a:rPr lang="en-US" altLang="zh-TW" dirty="0" err="1"/>
+                  <a:t>SoCbat</a:t>
+                </a:r>
+                <a:r>
+                  <a:rPr lang="en-US" altLang="zh-TW" dirty="0"/>
+                  <a:t> &gt; </a:t>
+                </a:r>
+                <a:r>
+                  <a:rPr lang="en-US" altLang="zh-TW" dirty="0" err="1"/>
+                  <a:t>SoCbat</a:t>
+                </a:r>
+                <a:r>
+                  <a:rPr lang="en-US" altLang="zh-TW" dirty="0"/>
+                  <a:t> low limit:500k(SoC tracking)</a:t>
+                </a:r>
+              </a:p>
+              <a:p>
+                <a:pPr lvl="1"/>
+                <a:r>
+                  <a:rPr lang="en-US" altLang="zh-TW" dirty="0"/>
+                  <a:t>Fuel cell power tracking: 0.1</a:t>
+                </a:r>
+              </a:p>
+              <a:p>
+                <a:pPr lvl="1"/>
+                <a:r>
+                  <a:rPr lang="en-US" altLang="zh-TW" dirty="0"/>
+                  <a:t>Fuel cell power change rate: </a:t>
+                </a:r>
+                <a:r>
+                  <a:rPr lang="en-US" altLang="zh-TW" dirty="0">
+                    <a:solidFill>
+                      <a:srgbClr val="FF0000"/>
+                    </a:solidFill>
+                  </a:rPr>
+                  <a:t>0</a:t>
+                </a:r>
+              </a:p>
+              <a:p>
+                <a:pPr lvl="1"/>
+                <a:r>
+                  <a:rPr lang="en-US" altLang="zh-TW" dirty="0"/>
+                  <a:t>Demand load power tracking: 1</a:t>
+                </a:r>
+              </a:p>
+              <a:p>
+                <a:pPr lvl="1"/>
                 <a:endParaRPr lang="en-US" altLang="zh-TW" dirty="0"/>
               </a:p>
               <a:p>
-                <a:endParaRPr lang="en-US" altLang="zh-TW" dirty="0"/>
-              </a:p>
-              <a:p>
+                <a:pPr lvl="1"/>
                 <a:endParaRPr lang="en-US" altLang="zh-TW" dirty="0"/>
               </a:p>
               <a:p>
@@ -23413,7 +24098,7 @@
               <a:lstStyle/>
               <a:p>
                 <a:r>
-                  <a:rPr lang="en-US">
+                  <a:rPr lang="zh-TW" altLang="en-US">
                     <a:noFill/>
                   </a:rPr>
                   <a:t> </a:t>
@@ -23451,14 +24136,14 @@
             <a:fld id="{60B72D1D-C7D5-46AB-88C6-AAE1BD29C5E7}" type="slidenum">
               <a:rPr lang="zh-TW" altLang="en-US" smtClean="0"/>
               <a:pPr/>
-              <a:t>20</a:t>
+              <a:t>21</a:t>
             </a:fld>
             <a:endParaRPr lang="zh-TW" altLang="en-US" dirty="0"/>
           </a:p>
         </p:txBody>
       </p:sp>
-      <mc:AlternateContent xmlns:mc="http://schemas.openxmlformats.org/markup-compatibility/2006">
-        <mc:Choice xmlns:a14="http://schemas.microsoft.com/office/drawing/2010/main" Requires="a14">
+      <mc:AlternateContent xmlns:mc="http://schemas.openxmlformats.org/markup-compatibility/2006" xmlns:a14="http://schemas.microsoft.com/office/drawing/2010/main">
+        <mc:Choice Requires="a14">
           <p:sp>
             <p:nvSpPr>
               <p:cNvPr id="7" name="TextBox 6">
@@ -23658,7 +24343,7 @@
             </p:txBody>
           </p:sp>
         </mc:Choice>
-        <mc:Fallback>
+        <mc:Fallback xmlns="">
           <p:sp>
             <p:nvSpPr>
               <p:cNvPr id="7" name="TextBox 6">
@@ -23719,7 +24404,7 @@
             </p:nvSpPr>
             <p:spPr>
               <a:xfrm>
-                <a:off x="-88673" y="2667132"/>
+                <a:off x="1533625" y="2271575"/>
                 <a:ext cx="4572000" cy="823110"/>
               </a:xfrm>
               <a:prstGeom prst="rect">
@@ -23982,7 +24667,7 @@
             </p:nvSpPr>
             <p:spPr>
               <a:xfrm>
-                <a:off x="-88673" y="2667132"/>
+                <a:off x="1533625" y="2271575"/>
                 <a:ext cx="4572000" cy="823110"/>
               </a:xfrm>
               <a:prstGeom prst="rect">
@@ -24000,7 +24685,7 @@
               <a:lstStyle/>
               <a:p>
                 <a:r>
-                  <a:rPr lang="en-US">
+                  <a:rPr lang="zh-TW" altLang="en-US">
                     <a:noFill/>
                   </a:rPr>
                   <a:t> </a:t>
@@ -24010,8 +24695,8 @@
           </p:sp>
         </mc:Fallback>
       </mc:AlternateContent>
-      <mc:AlternateContent xmlns:mc="http://schemas.openxmlformats.org/markup-compatibility/2006">
-        <mc:Choice xmlns:a14="http://schemas.microsoft.com/office/drawing/2010/main" Requires="a14">
+      <mc:AlternateContent xmlns:mc="http://schemas.openxmlformats.org/markup-compatibility/2006" xmlns:a14="http://schemas.microsoft.com/office/drawing/2010/main">
+        <mc:Choice Requires="a14">
           <p:sp>
             <p:nvSpPr>
               <p:cNvPr id="8" name="TextBox 7">
@@ -24229,7 +24914,7 @@
             </p:txBody>
           </p:sp>
         </mc:Choice>
-        <mc:Fallback>
+        <mc:Fallback xmlns="">
           <p:sp>
             <p:nvSpPr>
               <p:cNvPr id="8" name="TextBox 7">
@@ -24287,7 +24972,7 @@
 </p:sld>
 </file>
 
-<file path=ppt/slides/slide21.xml><?xml version="1.0" encoding="utf-8"?>
+<file path=ppt/slides/slide22.xml><?xml version="1.0" encoding="utf-8"?>
 <p:sld xmlns:a="http://schemas.openxmlformats.org/drawingml/2006/main" xmlns:r="http://schemas.openxmlformats.org/officeDocument/2006/relationships" xmlns:p="http://schemas.openxmlformats.org/presentationml/2006/main">
   <p:cSld>
     <p:spTree>
@@ -24364,7 +25049,7 @@
             <a:fld id="{60B72D1D-C7D5-46AB-88C6-AAE1BD29C5E7}" type="slidenum">
               <a:rPr lang="zh-TW" altLang="en-US" smtClean="0"/>
               <a:pPr/>
-              <a:t>21</a:t>
+              <a:t>22</a:t>
             </a:fld>
             <a:endParaRPr lang="zh-TW" altLang="en-US" dirty="0"/>
           </a:p>
@@ -24427,14 +25112,10 @@
             <a:endParaRPr lang="en-US" altLang="zh-TW" dirty="0"/>
           </a:p>
           <a:p>
+            <a:pPr marL="0" indent="0">
+              <a:buNone/>
+            </a:pPr>
             <a:endParaRPr lang="en-US" altLang="zh-TW" dirty="0"/>
-          </a:p>
-          <a:p>
-            <a:r>
-              <a:rPr lang="en-US" altLang="zh-TW" dirty="0"/>
-              <a:t>We are still working on the strategy</a:t>
-            </a:r>
-            <a:endParaRPr lang="zh-TW" altLang="en-US" dirty="0"/>
           </a:p>
         </p:txBody>
       </p:sp>
@@ -25299,8 +25980,8 @@
           </p:sp>
         </mc:Fallback>
       </mc:AlternateContent>
-      <mc:AlternateContent xmlns:mc="http://schemas.openxmlformats.org/markup-compatibility/2006" xmlns:a14="http://schemas.microsoft.com/office/drawing/2010/main">
-        <mc:Choice Requires="a14">
+      <mc:AlternateContent xmlns:mc="http://schemas.openxmlformats.org/markup-compatibility/2006">
+        <mc:Choice xmlns:a14="http://schemas.microsoft.com/office/drawing/2010/main" Requires="a14">
           <p:sp>
             <p:nvSpPr>
               <p:cNvPr id="19" name="TextBox 18">
@@ -25835,9 +26516,12 @@
                               <m:e>
                                 <m:r>
                                   <a:rPr lang="en-US" altLang="zh-TW" b="0" i="1" smtClean="0">
+                                    <a:solidFill>
+                                      <a:srgbClr val="FF0000"/>
+                                    </a:solidFill>
                                     <a:latin typeface="Cambria Math" panose="02040503050406030204" pitchFamily="18" charset="0"/>
                                   </a:rPr>
-                                  <m:t>0</m:t>
+                                  <m:t>−1</m:t>
                                 </m:r>
                               </m:e>
                             </m:mr>
@@ -25856,7 +26540,7 @@
             </p:txBody>
           </p:sp>
         </mc:Choice>
-        <mc:Fallback xmlns="">
+        <mc:Fallback>
           <p:sp>
             <p:nvSpPr>
               <p:cNvPr id="19" name="TextBox 18">
@@ -26091,7 +26775,5970 @@
 </p:sld>
 </file>
 
-<file path=ppt/slides/slide22.xml><?xml version="1.0" encoding="utf-8"?>
+<file path=ppt/slides/slide23.xml><?xml version="1.0" encoding="utf-8"?>
+<p:sld xmlns:a="http://schemas.openxmlformats.org/drawingml/2006/main" xmlns:r="http://schemas.openxmlformats.org/officeDocument/2006/relationships" xmlns:p="http://schemas.openxmlformats.org/presentationml/2006/main">
+  <p:cSld>
+    <p:spTree>
+      <p:nvGrpSpPr>
+        <p:cNvPr id="1" name=""/>
+        <p:cNvGrpSpPr/>
+        <p:nvPr/>
+      </p:nvGrpSpPr>
+      <p:grpSpPr>
+        <a:xfrm>
+          <a:off x="0" y="0"/>
+          <a:ext cx="0" cy="0"/>
+          <a:chOff x="0" y="0"/>
+          <a:chExt cx="0" cy="0"/>
+        </a:xfrm>
+      </p:grpSpPr>
+      <p:sp>
+        <p:nvSpPr>
+          <p:cNvPr id="2" name="標題 1">
+            <a:extLst>
+              <a:ext uri="{FF2B5EF4-FFF2-40B4-BE49-F238E27FC236}">
+                <a16:creationId xmlns:a16="http://schemas.microsoft.com/office/drawing/2014/main" id="{A141F4C5-1C45-4727-9F14-2979128FFADF}"/>
+              </a:ext>
+            </a:extLst>
+          </p:cNvPr>
+          <p:cNvSpPr>
+            <a:spLocks noGrp="1"/>
+          </p:cNvSpPr>
+          <p:nvPr>
+            <p:ph type="title"/>
+          </p:nvPr>
+        </p:nvSpPr>
+        <p:spPr/>
+        <p:txBody>
+          <a:bodyPr/>
+          <a:lstStyle/>
+          <a:p>
+            <a:r>
+              <a:rPr lang="en-US" altLang="zh-TW" dirty="0"/>
+              <a:t>Battery EMA</a:t>
+            </a:r>
+            <a:endParaRPr lang="zh-TW" altLang="en-US" dirty="0"/>
+          </a:p>
+        </p:txBody>
+      </p:sp>
+      <p:sp>
+        <p:nvSpPr>
+          <p:cNvPr id="4" name="投影片編號版面配置區 3">
+            <a:extLst>
+              <a:ext uri="{FF2B5EF4-FFF2-40B4-BE49-F238E27FC236}">
+                <a16:creationId xmlns:a16="http://schemas.microsoft.com/office/drawing/2014/main" id="{DA42B377-AE0C-421C-A6CF-234164EB36B0}"/>
+              </a:ext>
+            </a:extLst>
+          </p:cNvPr>
+          <p:cNvSpPr>
+            <a:spLocks noGrp="1"/>
+          </p:cNvSpPr>
+          <p:nvPr>
+            <p:ph type="sldNum" sz="quarter" idx="4"/>
+          </p:nvPr>
+        </p:nvSpPr>
+        <p:spPr/>
+        <p:txBody>
+          <a:bodyPr/>
+          <a:lstStyle/>
+          <a:p>
+            <a:r>
+              <a:rPr lang="zh-TW" altLang="en-US"/>
+              <a:t>    </a:t>
+            </a:r>
+            <a:fld id="{60B72D1D-C7D5-46AB-88C6-AAE1BD29C5E7}" type="slidenum">
+              <a:rPr lang="zh-TW" altLang="en-US" smtClean="0"/>
+              <a:pPr/>
+              <a:t>23</a:t>
+            </a:fld>
+            <a:endParaRPr lang="zh-TW" altLang="en-US" dirty="0"/>
+          </a:p>
+        </p:txBody>
+      </p:sp>
+      <p:pic>
+        <p:nvPicPr>
+          <p:cNvPr id="12" name="圖片 11">
+            <a:extLst>
+              <a:ext uri="{FF2B5EF4-FFF2-40B4-BE49-F238E27FC236}">
+                <a16:creationId xmlns:a16="http://schemas.microsoft.com/office/drawing/2014/main" id="{65FE2389-AAE9-423E-B58A-84221ED057C7}"/>
+              </a:ext>
+            </a:extLst>
+          </p:cNvPr>
+          <p:cNvPicPr>
+            <a:picLocks noChangeAspect="1"/>
+          </p:cNvPicPr>
+          <p:nvPr/>
+        </p:nvPicPr>
+        <p:blipFill>
+          <a:blip r:embed="rId2"/>
+          <a:stretch>
+            <a:fillRect/>
+          </a:stretch>
+        </p:blipFill>
+        <p:spPr>
+          <a:xfrm>
+            <a:off x="558319" y="4572529"/>
+            <a:ext cx="7855961" cy="1920346"/>
+          </a:xfrm>
+          <a:prstGeom prst="rect">
+            <a:avLst/>
+          </a:prstGeom>
+        </p:spPr>
+      </p:pic>
+      <p:sp>
+        <p:nvSpPr>
+          <p:cNvPr id="15" name="Content Placeholder 2">
+            <a:extLst>
+              <a:ext uri="{FF2B5EF4-FFF2-40B4-BE49-F238E27FC236}">
+                <a16:creationId xmlns:a16="http://schemas.microsoft.com/office/drawing/2014/main" id="{9ECA0B35-508A-474B-BB77-70AE194EFA9D}"/>
+              </a:ext>
+            </a:extLst>
+          </p:cNvPr>
+          <p:cNvSpPr>
+            <a:spLocks noGrp="1"/>
+          </p:cNvSpPr>
+          <p:nvPr>
+            <p:ph idx="1"/>
+          </p:nvPr>
+        </p:nvSpPr>
+        <p:spPr>
+          <a:xfrm>
+            <a:off x="358776" y="1130300"/>
+            <a:ext cx="8426450" cy="3113088"/>
+          </a:xfrm>
+        </p:spPr>
+        <p:txBody>
+          <a:bodyPr/>
+          <a:lstStyle/>
+          <a:p>
+            <a:r>
+              <a:rPr lang="en-US" altLang="zh-TW" sz="2000" dirty="0"/>
+              <a:t>Model Predictive Power Management</a:t>
+            </a:r>
+          </a:p>
+          <a:p>
+            <a:pPr lvl="1"/>
+            <a:r>
+              <a:rPr lang="en-US" altLang="zh-TW" sz="1800" dirty="0"/>
+              <a:t>Predictive model</a:t>
+            </a:r>
+          </a:p>
+          <a:p>
+            <a:pPr lvl="1"/>
+            <a:r>
+              <a:rPr lang="en-US" altLang="zh-TW" sz="1800" dirty="0"/>
+              <a:t>QP solver</a:t>
+            </a:r>
+          </a:p>
+          <a:p>
+            <a:r>
+              <a:rPr lang="en-US" altLang="zh-TW" sz="2000" dirty="0"/>
+              <a:t>Weighting Control Strategy</a:t>
+            </a:r>
+          </a:p>
+          <a:p>
+            <a:pPr lvl="1"/>
+            <a:r>
+              <a:rPr lang="en-US" altLang="zh-TW" sz="1800" dirty="0"/>
+              <a:t>Weighting change strategy</a:t>
+            </a:r>
+          </a:p>
+          <a:p>
+            <a:pPr lvl="1"/>
+            <a:r>
+              <a:rPr lang="en-US" altLang="zh-TW" sz="1800" dirty="0"/>
+              <a:t>Hysteresis window</a:t>
+            </a:r>
+          </a:p>
+          <a:p>
+            <a:r>
+              <a:rPr lang="en-US" altLang="zh-TW" sz="2000" dirty="0"/>
+              <a:t>Eff. Power Control Strategy</a:t>
+            </a:r>
+          </a:p>
+          <a:p>
+            <a:pPr lvl="1"/>
+            <a:r>
+              <a:rPr lang="en-US" altLang="zh-TW" sz="1800" dirty="0"/>
+              <a:t>Low eff. limit</a:t>
+            </a:r>
+          </a:p>
+          <a:p>
+            <a:pPr lvl="1"/>
+            <a:r>
+              <a:rPr lang="en-US" altLang="zh-TW" sz="1800" dirty="0" err="1"/>
+              <a:t>AlphaFC</a:t>
+            </a:r>
+            <a:r>
+              <a:rPr lang="en-US" altLang="zh-TW" sz="1800" dirty="0"/>
+              <a:t> convert</a:t>
+            </a:r>
+            <a:endParaRPr lang="en-US" altLang="zh-TW" sz="2000" dirty="0"/>
+          </a:p>
+        </p:txBody>
+      </p:sp>
+      <p:pic>
+        <p:nvPicPr>
+          <p:cNvPr id="17" name="圖片 16">
+            <a:extLst>
+              <a:ext uri="{FF2B5EF4-FFF2-40B4-BE49-F238E27FC236}">
+                <a16:creationId xmlns:a16="http://schemas.microsoft.com/office/drawing/2014/main" id="{F9CACE54-3A91-450F-BE82-E448D9A32C7A}"/>
+              </a:ext>
+            </a:extLst>
+          </p:cNvPr>
+          <p:cNvPicPr>
+            <a:picLocks noChangeAspect="1"/>
+          </p:cNvPicPr>
+          <p:nvPr/>
+        </p:nvPicPr>
+        <p:blipFill rotWithShape="1">
+          <a:blip r:embed="rId3"/>
+          <a:srcRect b="3020"/>
+          <a:stretch/>
+        </p:blipFill>
+        <p:spPr>
+          <a:xfrm>
+            <a:off x="5597317" y="1683202"/>
+            <a:ext cx="3420743" cy="2007283"/>
+          </a:xfrm>
+          <a:prstGeom prst="rect">
+            <a:avLst/>
+          </a:prstGeom>
+        </p:spPr>
+      </p:pic>
+      <p:sp>
+        <p:nvSpPr>
+          <p:cNvPr id="18" name="箭號: 彎曲 17">
+            <a:extLst>
+              <a:ext uri="{FF2B5EF4-FFF2-40B4-BE49-F238E27FC236}">
+                <a16:creationId xmlns:a16="http://schemas.microsoft.com/office/drawing/2014/main" id="{A2D7BA25-142F-4165-B95E-491F203EDDC2}"/>
+              </a:ext>
+            </a:extLst>
+          </p:cNvPr>
+          <p:cNvSpPr/>
+          <p:nvPr/>
+        </p:nvSpPr>
+        <p:spPr bwMode="auto">
+          <a:xfrm rot="5400000" flipV="1">
+            <a:off x="4168568" y="3088482"/>
+            <a:ext cx="1701800" cy="1155699"/>
+          </a:xfrm>
+          <a:prstGeom prst="bentArrow">
+            <a:avLst>
+              <a:gd name="adj1" fmla="val 15476"/>
+              <a:gd name="adj2" fmla="val 25000"/>
+              <a:gd name="adj3" fmla="val 25000"/>
+              <a:gd name="adj4" fmla="val 43750"/>
+            </a:avLst>
+          </a:prstGeom>
+          <a:solidFill>
+            <a:srgbClr val="99CEDF"/>
+          </a:solidFill>
+          <a:ln w="9525" cap="flat" cmpd="sng" algn="ctr">
+            <a:solidFill>
+              <a:srgbClr val="000000"/>
+            </a:solidFill>
+            <a:prstDash val="solid"/>
+            <a:round/>
+            <a:headEnd type="none" w="med" len="med"/>
+            <a:tailEnd type="none" w="med" len="med"/>
+          </a:ln>
+          <a:effectLst/>
+        </p:spPr>
+        <p:txBody>
+          <a:bodyPr vert="horz" wrap="square" lIns="91440" tIns="45720" rIns="91440" bIns="45720" numCol="1" rtlCol="0" anchor="t" anchorCtr="0" compatLnSpc="1">
+            <a:prstTxWarp prst="textNoShape">
+              <a:avLst/>
+            </a:prstTxWarp>
+          </a:bodyPr>
+          <a:lstStyle/>
+          <a:p>
+            <a:pPr marL="0" marR="0" indent="0" algn="ctr" defTabSz="914400" rtl="0" eaLnBrk="1" fontAlgn="base" latinLnBrk="0" hangingPunct="1">
+              <a:lnSpc>
+                <a:spcPct val="100000"/>
+              </a:lnSpc>
+              <a:spcBef>
+                <a:spcPct val="0"/>
+              </a:spcBef>
+              <a:spcAft>
+                <a:spcPct val="0"/>
+              </a:spcAft>
+              <a:buClrTx/>
+              <a:buSzTx/>
+              <a:buFontTx/>
+              <a:buNone/>
+              <a:tabLst/>
+            </a:pPr>
+            <a:endParaRPr kumimoji="1" lang="zh-TW" altLang="en-US" sz="4000" b="0" i="0" u="none" strike="noStrike" cap="none" normalizeH="0" baseline="0" dirty="0">
+              <a:ln>
+                <a:noFill/>
+              </a:ln>
+              <a:solidFill>
+                <a:schemeClr val="tx1"/>
+              </a:solidFill>
+              <a:effectLst/>
+              <a:latin typeface="Arial" charset="0"/>
+              <a:ea typeface="新細明體" pitchFamily="18" charset="-120"/>
+            </a:endParaRPr>
+          </a:p>
+        </p:txBody>
+      </p:sp>
+    </p:spTree>
+    <p:extLst>
+      <p:ext uri="{BB962C8B-B14F-4D97-AF65-F5344CB8AC3E}">
+        <p14:creationId xmlns:p14="http://schemas.microsoft.com/office/powerpoint/2010/main" val="3047255376"/>
+      </p:ext>
+    </p:extLst>
+  </p:cSld>
+  <p:clrMapOvr>
+    <a:masterClrMapping/>
+  </p:clrMapOvr>
+</p:sld>
+</file>
+
+<file path=ppt/slides/slide24.xml><?xml version="1.0" encoding="utf-8"?>
+<p:sld xmlns:a="http://schemas.openxmlformats.org/drawingml/2006/main" xmlns:r="http://schemas.openxmlformats.org/officeDocument/2006/relationships" xmlns:p="http://schemas.openxmlformats.org/presentationml/2006/main">
+  <p:cSld>
+    <p:spTree>
+      <p:nvGrpSpPr>
+        <p:cNvPr id="1" name=""/>
+        <p:cNvGrpSpPr/>
+        <p:nvPr/>
+      </p:nvGrpSpPr>
+      <p:grpSpPr>
+        <a:xfrm>
+          <a:off x="0" y="0"/>
+          <a:ext cx="0" cy="0"/>
+          <a:chOff x="0" y="0"/>
+          <a:chExt cx="0" cy="0"/>
+        </a:xfrm>
+      </p:grpSpPr>
+      <p:sp>
+        <p:nvSpPr>
+          <p:cNvPr id="2" name="標題 1">
+            <a:extLst>
+              <a:ext uri="{FF2B5EF4-FFF2-40B4-BE49-F238E27FC236}">
+                <a16:creationId xmlns:a16="http://schemas.microsoft.com/office/drawing/2014/main" id="{BD300A7D-24A0-4BA9-AF67-EBE976575DA3}"/>
+              </a:ext>
+            </a:extLst>
+          </p:cNvPr>
+          <p:cNvSpPr>
+            <a:spLocks noGrp="1"/>
+          </p:cNvSpPr>
+          <p:nvPr>
+            <p:ph type="title"/>
+          </p:nvPr>
+        </p:nvSpPr>
+        <p:spPr/>
+        <p:txBody>
+          <a:bodyPr/>
+          <a:lstStyle/>
+          <a:p>
+            <a:r>
+              <a:rPr lang="en-US" altLang="zh-TW" dirty="0"/>
+              <a:t>Only Battery EMA test results</a:t>
+            </a:r>
+            <a:endParaRPr lang="zh-TW" altLang="en-US" dirty="0"/>
+          </a:p>
+        </p:txBody>
+      </p:sp>
+      <p:sp>
+        <p:nvSpPr>
+          <p:cNvPr id="4" name="投影片編號版面配置區 3">
+            <a:extLst>
+              <a:ext uri="{FF2B5EF4-FFF2-40B4-BE49-F238E27FC236}">
+                <a16:creationId xmlns:a16="http://schemas.microsoft.com/office/drawing/2014/main" id="{B03199EB-FB63-4703-B932-AE1F34064FB5}"/>
+              </a:ext>
+            </a:extLst>
+          </p:cNvPr>
+          <p:cNvSpPr>
+            <a:spLocks noGrp="1"/>
+          </p:cNvSpPr>
+          <p:nvPr>
+            <p:ph type="sldNum" sz="quarter" idx="4"/>
+          </p:nvPr>
+        </p:nvSpPr>
+        <p:spPr/>
+        <p:txBody>
+          <a:bodyPr/>
+          <a:lstStyle/>
+          <a:p>
+            <a:r>
+              <a:rPr lang="zh-TW" altLang="en-US"/>
+              <a:t>    </a:t>
+            </a:r>
+            <a:fld id="{60B72D1D-C7D5-46AB-88C6-AAE1BD29C5E7}" type="slidenum">
+              <a:rPr lang="zh-TW" altLang="en-US" smtClean="0"/>
+              <a:pPr/>
+              <a:t>24</a:t>
+            </a:fld>
+            <a:endParaRPr lang="zh-TW" altLang="en-US" dirty="0"/>
+          </a:p>
+        </p:txBody>
+      </p:sp>
+      <p:sp>
+        <p:nvSpPr>
+          <p:cNvPr id="6" name="Content Placeholder 2">
+            <a:extLst>
+              <a:ext uri="{FF2B5EF4-FFF2-40B4-BE49-F238E27FC236}">
+                <a16:creationId xmlns:a16="http://schemas.microsoft.com/office/drawing/2014/main" id="{FAE82F5D-81E4-4E70-BFC9-81A5566F0BFC}"/>
+              </a:ext>
+            </a:extLst>
+          </p:cNvPr>
+          <p:cNvSpPr txBox="1">
+            <a:spLocks/>
+          </p:cNvSpPr>
+          <p:nvPr/>
+        </p:nvSpPr>
+        <p:spPr bwMode="auto">
+          <a:xfrm>
+            <a:off x="358775" y="1130300"/>
+            <a:ext cx="8426450" cy="2655316"/>
+          </a:xfrm>
+          <a:prstGeom prst="rect">
+            <a:avLst/>
+          </a:prstGeom>
+          <a:noFill/>
+          <a:ln>
+            <a:noFill/>
+          </a:ln>
+          <a:extLst>
+            <a:ext uri="{909E8E84-426E-40DD-AFC4-6F175D3DCCD1}">
+              <a14:hiddenFill xmlns:a14="http://schemas.microsoft.com/office/drawing/2010/main">
+                <a:solidFill>
+                  <a:srgbClr val="FFFFFF"/>
+                </a:solidFill>
+              </a14:hiddenFill>
+            </a:ext>
+            <a:ext uri="{91240B29-F687-4F45-9708-019B960494DF}">
+              <a14:hiddenLine xmlns:a14="http://schemas.microsoft.com/office/drawing/2010/main" w="12700">
+                <a:solidFill>
+                  <a:srgbClr val="000000"/>
+                </a:solidFill>
+                <a:miter lim="800000"/>
+                <a:headEnd/>
+                <a:tailEnd/>
+              </a14:hiddenLine>
+            </a:ext>
+          </a:extLst>
+        </p:spPr>
+        <p:txBody>
+          <a:bodyPr vert="horz" wrap="square" lIns="90488" tIns="44450" rIns="90488" bIns="44450" numCol="1" anchor="t" anchorCtr="0" compatLnSpc="1">
+            <a:prstTxWarp prst="textNoShape">
+              <a:avLst/>
+            </a:prstTxWarp>
+          </a:bodyPr>
+          <a:lstStyle>
+            <a:lvl1pPr marL="257175" indent="-257175" algn="l" rtl="0" eaLnBrk="1" fontAlgn="base" hangingPunct="1">
+              <a:spcBef>
+                <a:spcPct val="20000"/>
+              </a:spcBef>
+              <a:spcAft>
+                <a:spcPct val="0"/>
+              </a:spcAft>
+              <a:buChar char="•"/>
+              <a:defRPr kumimoji="1" sz="2400" baseline="0">
+                <a:solidFill>
+                  <a:schemeClr val="tx1"/>
+                </a:solidFill>
+                <a:latin typeface="Arial" panose="020B0604020202020204" pitchFamily="34" charset="0"/>
+                <a:ea typeface="標楷體" panose="03000509000000000000" pitchFamily="65" charset="-120"/>
+                <a:cs typeface="Arial" panose="020B0604020202020204" pitchFamily="34" charset="0"/>
+              </a:defRPr>
+            </a:lvl1pPr>
+            <a:lvl2pPr marL="557213" indent="-214313" algn="l" rtl="0" eaLnBrk="1" fontAlgn="base" hangingPunct="1">
+              <a:spcBef>
+                <a:spcPct val="20000"/>
+              </a:spcBef>
+              <a:spcAft>
+                <a:spcPct val="0"/>
+              </a:spcAft>
+              <a:buChar char="–"/>
+              <a:defRPr kumimoji="1" sz="2000" baseline="0">
+                <a:solidFill>
+                  <a:schemeClr val="tx1"/>
+                </a:solidFill>
+                <a:latin typeface="Arial" pitchFamily="34" charset="0"/>
+                <a:ea typeface="標楷體" pitchFamily="65" charset="-120"/>
+              </a:defRPr>
+            </a:lvl2pPr>
+            <a:lvl3pPr marL="857250" indent="-171450" algn="l" rtl="0" eaLnBrk="1" fontAlgn="base" hangingPunct="1">
+              <a:spcBef>
+                <a:spcPct val="20000"/>
+              </a:spcBef>
+              <a:spcAft>
+                <a:spcPct val="0"/>
+              </a:spcAft>
+              <a:buChar char="•"/>
+              <a:defRPr kumimoji="1" sz="1600" baseline="0">
+                <a:solidFill>
+                  <a:schemeClr val="tx1"/>
+                </a:solidFill>
+                <a:latin typeface="Arial" pitchFamily="34" charset="0"/>
+                <a:ea typeface="標楷體" pitchFamily="65" charset="-120"/>
+              </a:defRPr>
+            </a:lvl3pPr>
+            <a:lvl4pPr marL="1200150" indent="-171450" algn="l" rtl="0" eaLnBrk="1" fontAlgn="base" hangingPunct="1">
+              <a:spcBef>
+                <a:spcPct val="20000"/>
+              </a:spcBef>
+              <a:spcAft>
+                <a:spcPct val="0"/>
+              </a:spcAft>
+              <a:buChar char="–"/>
+              <a:defRPr kumimoji="1" sz="1600" baseline="0">
+                <a:solidFill>
+                  <a:schemeClr val="tx1"/>
+                </a:solidFill>
+                <a:latin typeface="Arial" pitchFamily="34" charset="0"/>
+                <a:ea typeface="標楷體" pitchFamily="65" charset="-120"/>
+              </a:defRPr>
+            </a:lvl4pPr>
+            <a:lvl5pPr marL="1543050" indent="-171450" algn="l" rtl="0" eaLnBrk="1" fontAlgn="base" hangingPunct="1">
+              <a:spcBef>
+                <a:spcPct val="20000"/>
+              </a:spcBef>
+              <a:spcAft>
+                <a:spcPct val="0"/>
+              </a:spcAft>
+              <a:buChar char="»"/>
+              <a:defRPr kumimoji="1" sz="1600" baseline="0">
+                <a:solidFill>
+                  <a:schemeClr val="tx1"/>
+                </a:solidFill>
+                <a:latin typeface="Arial" pitchFamily="34" charset="0"/>
+                <a:ea typeface="標楷體" pitchFamily="65" charset="-120"/>
+              </a:defRPr>
+            </a:lvl5pPr>
+            <a:lvl6pPr marL="1885950" indent="-171450" algn="l" rtl="0" eaLnBrk="1" fontAlgn="base" hangingPunct="1">
+              <a:spcBef>
+                <a:spcPct val="20000"/>
+              </a:spcBef>
+              <a:spcAft>
+                <a:spcPct val="0"/>
+              </a:spcAft>
+              <a:buChar char="»"/>
+              <a:defRPr kumimoji="1" sz="1200">
+                <a:solidFill>
+                  <a:schemeClr val="tx1"/>
+                </a:solidFill>
+                <a:latin typeface="+mn-lt"/>
+                <a:ea typeface="+mn-ea"/>
+              </a:defRPr>
+            </a:lvl6pPr>
+            <a:lvl7pPr marL="2228850" indent="-171450" algn="l" rtl="0" eaLnBrk="1" fontAlgn="base" hangingPunct="1">
+              <a:spcBef>
+                <a:spcPct val="20000"/>
+              </a:spcBef>
+              <a:spcAft>
+                <a:spcPct val="0"/>
+              </a:spcAft>
+              <a:buChar char="»"/>
+              <a:defRPr kumimoji="1" sz="1200">
+                <a:solidFill>
+                  <a:schemeClr val="tx1"/>
+                </a:solidFill>
+                <a:latin typeface="+mn-lt"/>
+                <a:ea typeface="+mn-ea"/>
+              </a:defRPr>
+            </a:lvl7pPr>
+            <a:lvl8pPr marL="2571750" indent="-171450" algn="l" rtl="0" eaLnBrk="1" fontAlgn="base" hangingPunct="1">
+              <a:spcBef>
+                <a:spcPct val="20000"/>
+              </a:spcBef>
+              <a:spcAft>
+                <a:spcPct val="0"/>
+              </a:spcAft>
+              <a:buChar char="»"/>
+              <a:defRPr kumimoji="1" sz="1200">
+                <a:solidFill>
+                  <a:schemeClr val="tx1"/>
+                </a:solidFill>
+                <a:latin typeface="+mn-lt"/>
+                <a:ea typeface="+mn-ea"/>
+              </a:defRPr>
+            </a:lvl8pPr>
+            <a:lvl9pPr marL="2914650" indent="-171450" algn="l" rtl="0" eaLnBrk="1" fontAlgn="base" hangingPunct="1">
+              <a:spcBef>
+                <a:spcPct val="20000"/>
+              </a:spcBef>
+              <a:spcAft>
+                <a:spcPct val="0"/>
+              </a:spcAft>
+              <a:buChar char="»"/>
+              <a:defRPr kumimoji="1" sz="1200">
+                <a:solidFill>
+                  <a:schemeClr val="tx1"/>
+                </a:solidFill>
+                <a:latin typeface="+mn-lt"/>
+                <a:ea typeface="+mn-ea"/>
+              </a:defRPr>
+            </a:lvl9pPr>
+          </a:lstStyle>
+          <a:p>
+            <a:r>
+              <a:rPr lang="en-US" altLang="zh-TW" kern="0" dirty="0"/>
+              <a:t>J average below the baseline 23%</a:t>
+            </a:r>
+          </a:p>
+          <a:p>
+            <a:pPr lvl="1"/>
+            <a:r>
+              <a:rPr lang="en-US" altLang="zh-TW" kern="0" dirty="0" err="1"/>
+              <a:t>J_energy</a:t>
+            </a:r>
+            <a:r>
+              <a:rPr lang="en-US" altLang="zh-TW" kern="0" dirty="0"/>
+              <a:t> average below the baseline 0.32 kWh</a:t>
+            </a:r>
+          </a:p>
+          <a:p>
+            <a:pPr lvl="1"/>
+            <a:r>
+              <a:rPr lang="en-US" altLang="zh-TW" kern="0" dirty="0" err="1"/>
+              <a:t>J_SoC</a:t>
+            </a:r>
+            <a:r>
+              <a:rPr lang="en-US" altLang="zh-TW" kern="0" dirty="0"/>
+              <a:t> average below the baseline 5298.7 sec</a:t>
+            </a:r>
+          </a:p>
+          <a:p>
+            <a:pPr lvl="1"/>
+            <a:r>
+              <a:rPr lang="en-US" altLang="zh-TW" kern="0" dirty="0" err="1"/>
+              <a:t>J_Temp</a:t>
+            </a:r>
+            <a:r>
+              <a:rPr lang="en-US" altLang="zh-TW" kern="0" dirty="0"/>
+              <a:t> average below the baseline 3.98 deg</a:t>
+            </a:r>
+          </a:p>
+          <a:p>
+            <a:pPr lvl="1"/>
+            <a:r>
+              <a:rPr lang="en-US" altLang="zh-TW" kern="0" dirty="0" err="1"/>
+              <a:t>J_deg</a:t>
+            </a:r>
+            <a:r>
+              <a:rPr lang="en-US" altLang="zh-TW" kern="0" dirty="0"/>
+              <a:t> average below the baseline 0.005 </a:t>
+            </a:r>
+            <a:r>
+              <a:rPr lang="en-US" altLang="zh-TW" kern="0" dirty="0" err="1"/>
+              <a:t>mAh</a:t>
+            </a:r>
+            <a:r>
+              <a:rPr lang="en-US" altLang="zh-TW" kern="0" dirty="0"/>
+              <a:t>/cycle</a:t>
+            </a:r>
+          </a:p>
+          <a:p>
+            <a:pPr lvl="1"/>
+            <a:r>
+              <a:rPr lang="en-US" altLang="zh-TW" kern="0" dirty="0" err="1"/>
+              <a:t>J_v</a:t>
+            </a:r>
+            <a:r>
+              <a:rPr lang="en-US" altLang="zh-TW" kern="0" dirty="0"/>
+              <a:t> average above the baseline 57 s</a:t>
+            </a:r>
+          </a:p>
+          <a:p>
+            <a:pPr lvl="1"/>
+            <a:r>
+              <a:rPr lang="en-US" altLang="zh-TW" kern="0" dirty="0" err="1"/>
+              <a:t>J_tire</a:t>
+            </a:r>
+            <a:r>
+              <a:rPr lang="en-US" altLang="zh-TW" kern="0" dirty="0"/>
+              <a:t> average below the baseline 2.56 </a:t>
+            </a:r>
+            <a:r>
+              <a:rPr lang="en-US" altLang="zh-TW" kern="0" dirty="0" err="1"/>
+              <a:t>Wh</a:t>
+            </a:r>
+            <a:endParaRPr lang="en-US" altLang="zh-TW" kern="0" dirty="0"/>
+          </a:p>
+          <a:p>
+            <a:pPr lvl="1"/>
+            <a:endParaRPr lang="en-US" altLang="zh-TW" kern="0" dirty="0"/>
+          </a:p>
+          <a:p>
+            <a:pPr lvl="1"/>
+            <a:endParaRPr lang="en-US" altLang="zh-TW" kern="0" dirty="0"/>
+          </a:p>
+        </p:txBody>
+      </p:sp>
+      <p:graphicFrame>
+        <p:nvGraphicFramePr>
+          <p:cNvPr id="10" name="內容版面配置區 9">
+            <a:extLst>
+              <a:ext uri="{FF2B5EF4-FFF2-40B4-BE49-F238E27FC236}">
+                <a16:creationId xmlns:a16="http://schemas.microsoft.com/office/drawing/2014/main" id="{2ABAD66E-ABB0-47BB-AE6D-2BF4EF7D4FF8}"/>
+              </a:ext>
+            </a:extLst>
+          </p:cNvPr>
+          <p:cNvGraphicFramePr>
+            <a:graphicFrameLocks noGrp="1"/>
+          </p:cNvGraphicFramePr>
+          <p:nvPr>
+            <p:ph idx="1"/>
+            <p:extLst>
+              <p:ext uri="{D42A27DB-BD31-4B8C-83A1-F6EECF244321}">
+                <p14:modId xmlns:p14="http://schemas.microsoft.com/office/powerpoint/2010/main" val="1143328807"/>
+              </p:ext>
+            </p:extLst>
+          </p:nvPr>
+        </p:nvGraphicFramePr>
+        <p:xfrm>
+          <a:off x="762000" y="3909377"/>
+          <a:ext cx="7620000" cy="2766060"/>
+        </p:xfrm>
+        <a:graphic>
+          <a:graphicData uri="http://schemas.openxmlformats.org/drawingml/2006/table">
+            <a:tbl>
+              <a:tblPr/>
+              <a:tblGrid>
+                <a:gridCol w="952500">
+                  <a:extLst>
+                    <a:ext uri="{9D8B030D-6E8A-4147-A177-3AD203B41FA5}">
+                      <a16:colId xmlns:a16="http://schemas.microsoft.com/office/drawing/2014/main" val="984612998"/>
+                    </a:ext>
+                  </a:extLst>
+                </a:gridCol>
+                <a:gridCol w="952500">
+                  <a:extLst>
+                    <a:ext uri="{9D8B030D-6E8A-4147-A177-3AD203B41FA5}">
+                      <a16:colId xmlns:a16="http://schemas.microsoft.com/office/drawing/2014/main" val="1206359052"/>
+                    </a:ext>
+                  </a:extLst>
+                </a:gridCol>
+                <a:gridCol w="952500">
+                  <a:extLst>
+                    <a:ext uri="{9D8B030D-6E8A-4147-A177-3AD203B41FA5}">
+                      <a16:colId xmlns:a16="http://schemas.microsoft.com/office/drawing/2014/main" val="3770474200"/>
+                    </a:ext>
+                  </a:extLst>
+                </a:gridCol>
+                <a:gridCol w="952500">
+                  <a:extLst>
+                    <a:ext uri="{9D8B030D-6E8A-4147-A177-3AD203B41FA5}">
+                      <a16:colId xmlns:a16="http://schemas.microsoft.com/office/drawing/2014/main" val="3387427265"/>
+                    </a:ext>
+                  </a:extLst>
+                </a:gridCol>
+                <a:gridCol w="952500">
+                  <a:extLst>
+                    <a:ext uri="{9D8B030D-6E8A-4147-A177-3AD203B41FA5}">
+                      <a16:colId xmlns:a16="http://schemas.microsoft.com/office/drawing/2014/main" val="700217962"/>
+                    </a:ext>
+                  </a:extLst>
+                </a:gridCol>
+                <a:gridCol w="952500">
+                  <a:extLst>
+                    <a:ext uri="{9D8B030D-6E8A-4147-A177-3AD203B41FA5}">
+                      <a16:colId xmlns:a16="http://schemas.microsoft.com/office/drawing/2014/main" val="4219506760"/>
+                    </a:ext>
+                  </a:extLst>
+                </a:gridCol>
+                <a:gridCol w="952500">
+                  <a:extLst>
+                    <a:ext uri="{9D8B030D-6E8A-4147-A177-3AD203B41FA5}">
+                      <a16:colId xmlns:a16="http://schemas.microsoft.com/office/drawing/2014/main" val="1323887125"/>
+                    </a:ext>
+                  </a:extLst>
+                </a:gridCol>
+                <a:gridCol w="952500">
+                  <a:extLst>
+                    <a:ext uri="{9D8B030D-6E8A-4147-A177-3AD203B41FA5}">
+                      <a16:colId xmlns:a16="http://schemas.microsoft.com/office/drawing/2014/main" val="3181360444"/>
+                    </a:ext>
+                  </a:extLst>
+                </a:gridCol>
+              </a:tblGrid>
+              <a:tr h="200025">
+                <a:tc>
+                  <a:txBody>
+                    <a:bodyPr/>
+                    <a:lstStyle/>
+                    <a:p>
+                      <a:pPr algn="ctr" rtl="0" fontAlgn="b"/>
+                      <a:r>
+                        <a:rPr lang="en-US" sz="1400" b="0">
+                          <a:effectLst/>
+                          <a:latin typeface="Arial" panose="020B0604020202020204" pitchFamily="34" charset="0"/>
+                        </a:rPr>
+                        <a:t>Track</a:t>
+                      </a:r>
+                    </a:p>
+                  </a:txBody>
+                  <a:tcPr marL="28575" marR="28575" marT="19050" marB="19050" anchor="b">
+                    <a:lnL w="12700" cap="flat" cmpd="sng" algn="ctr">
+                      <a:solidFill>
+                        <a:schemeClr val="tx1"/>
+                      </a:solidFill>
+                      <a:prstDash val="solid"/>
+                      <a:round/>
+                      <a:headEnd type="none" w="med" len="med"/>
+                      <a:tailEnd type="none" w="med" len="med"/>
+                    </a:lnL>
+                    <a:lnR w="12700" cap="flat" cmpd="sng" algn="ctr">
+                      <a:solidFill>
+                        <a:schemeClr val="tx1"/>
+                      </a:solidFill>
+                      <a:prstDash val="solid"/>
+                      <a:round/>
+                      <a:headEnd type="none" w="med" len="med"/>
+                      <a:tailEnd type="none" w="med" len="med"/>
+                    </a:lnR>
+                    <a:lnT w="12700" cap="flat" cmpd="sng" algn="ctr">
+                      <a:solidFill>
+                        <a:schemeClr val="tx1"/>
+                      </a:solidFill>
+                      <a:prstDash val="solid"/>
+                      <a:round/>
+                      <a:headEnd type="none" w="med" len="med"/>
+                      <a:tailEnd type="none" w="med" len="med"/>
+                    </a:lnT>
+                    <a:lnB w="12700" cap="flat" cmpd="sng" algn="ctr">
+                      <a:solidFill>
+                        <a:schemeClr val="tx1"/>
+                      </a:solidFill>
+                      <a:prstDash val="solid"/>
+                      <a:round/>
+                      <a:headEnd type="none" w="med" len="med"/>
+                      <a:tailEnd type="none" w="med" len="med"/>
+                    </a:lnB>
+                  </a:tcPr>
+                </a:tc>
+                <a:tc>
+                  <a:txBody>
+                    <a:bodyPr/>
+                    <a:lstStyle/>
+                    <a:p>
+                      <a:pPr algn="ctr" rtl="0" fontAlgn="b"/>
+                      <a:r>
+                        <a:rPr lang="en-US" sz="1400" b="0">
+                          <a:effectLst/>
+                          <a:latin typeface="Arial" panose="020B0604020202020204" pitchFamily="34" charset="0"/>
+                        </a:rPr>
+                        <a:t>JE</a:t>
+                      </a:r>
+                    </a:p>
+                  </a:txBody>
+                  <a:tcPr marL="28575" marR="28575" marT="19050" marB="19050" anchor="b">
+                    <a:lnL w="12700" cap="flat" cmpd="sng" algn="ctr">
+                      <a:solidFill>
+                        <a:schemeClr val="tx1"/>
+                      </a:solidFill>
+                      <a:prstDash val="solid"/>
+                      <a:round/>
+                      <a:headEnd type="none" w="med" len="med"/>
+                      <a:tailEnd type="none" w="med" len="med"/>
+                    </a:lnL>
+                    <a:lnR w="12700" cap="flat" cmpd="sng" algn="ctr">
+                      <a:solidFill>
+                        <a:schemeClr val="tx1"/>
+                      </a:solidFill>
+                      <a:prstDash val="solid"/>
+                      <a:round/>
+                      <a:headEnd type="none" w="med" len="med"/>
+                      <a:tailEnd type="none" w="med" len="med"/>
+                    </a:lnR>
+                    <a:lnT w="12700" cap="flat" cmpd="sng" algn="ctr">
+                      <a:solidFill>
+                        <a:schemeClr val="tx1"/>
+                      </a:solidFill>
+                      <a:prstDash val="solid"/>
+                      <a:round/>
+                      <a:headEnd type="none" w="med" len="med"/>
+                      <a:tailEnd type="none" w="med" len="med"/>
+                    </a:lnT>
+                    <a:lnB w="12700" cap="flat" cmpd="sng" algn="ctr">
+                      <a:solidFill>
+                        <a:schemeClr val="tx1"/>
+                      </a:solidFill>
+                      <a:prstDash val="solid"/>
+                      <a:round/>
+                      <a:headEnd type="none" w="med" len="med"/>
+                      <a:tailEnd type="none" w="med" len="med"/>
+                    </a:lnB>
+                  </a:tcPr>
+                </a:tc>
+                <a:tc>
+                  <a:txBody>
+                    <a:bodyPr/>
+                    <a:lstStyle/>
+                    <a:p>
+                      <a:pPr algn="ctr" rtl="0" fontAlgn="b"/>
+                      <a:r>
+                        <a:rPr lang="en-US" sz="1400" b="0">
+                          <a:effectLst/>
+                          <a:latin typeface="Arial" panose="020B0604020202020204" pitchFamily="34" charset="0"/>
+                        </a:rPr>
+                        <a:t>JS</a:t>
+                      </a:r>
+                    </a:p>
+                  </a:txBody>
+                  <a:tcPr marL="28575" marR="28575" marT="19050" marB="19050" anchor="b">
+                    <a:lnL w="12700" cap="flat" cmpd="sng" algn="ctr">
+                      <a:solidFill>
+                        <a:schemeClr val="tx1"/>
+                      </a:solidFill>
+                      <a:prstDash val="solid"/>
+                      <a:round/>
+                      <a:headEnd type="none" w="med" len="med"/>
+                      <a:tailEnd type="none" w="med" len="med"/>
+                    </a:lnL>
+                    <a:lnR w="12700" cap="flat" cmpd="sng" algn="ctr">
+                      <a:solidFill>
+                        <a:schemeClr val="tx1"/>
+                      </a:solidFill>
+                      <a:prstDash val="solid"/>
+                      <a:round/>
+                      <a:headEnd type="none" w="med" len="med"/>
+                      <a:tailEnd type="none" w="med" len="med"/>
+                    </a:lnR>
+                    <a:lnT w="12700" cap="flat" cmpd="sng" algn="ctr">
+                      <a:solidFill>
+                        <a:schemeClr val="tx1"/>
+                      </a:solidFill>
+                      <a:prstDash val="solid"/>
+                      <a:round/>
+                      <a:headEnd type="none" w="med" len="med"/>
+                      <a:tailEnd type="none" w="med" len="med"/>
+                    </a:lnT>
+                    <a:lnB w="12700" cap="flat" cmpd="sng" algn="ctr">
+                      <a:solidFill>
+                        <a:schemeClr val="tx1"/>
+                      </a:solidFill>
+                      <a:prstDash val="solid"/>
+                      <a:round/>
+                      <a:headEnd type="none" w="med" len="med"/>
+                      <a:tailEnd type="none" w="med" len="med"/>
+                    </a:lnB>
+                  </a:tcPr>
+                </a:tc>
+                <a:tc>
+                  <a:txBody>
+                    <a:bodyPr/>
+                    <a:lstStyle/>
+                    <a:p>
+                      <a:pPr algn="ctr" rtl="0" fontAlgn="b"/>
+                      <a:r>
+                        <a:rPr lang="en-US" sz="1400" b="0">
+                          <a:effectLst/>
+                          <a:latin typeface="Arial" panose="020B0604020202020204" pitchFamily="34" charset="0"/>
+                        </a:rPr>
+                        <a:t>JT</a:t>
+                      </a:r>
+                    </a:p>
+                  </a:txBody>
+                  <a:tcPr marL="28575" marR="28575" marT="19050" marB="19050" anchor="b">
+                    <a:lnL w="12700" cap="flat" cmpd="sng" algn="ctr">
+                      <a:solidFill>
+                        <a:schemeClr val="tx1"/>
+                      </a:solidFill>
+                      <a:prstDash val="solid"/>
+                      <a:round/>
+                      <a:headEnd type="none" w="med" len="med"/>
+                      <a:tailEnd type="none" w="med" len="med"/>
+                    </a:lnL>
+                    <a:lnR w="12700" cap="flat" cmpd="sng" algn="ctr">
+                      <a:solidFill>
+                        <a:schemeClr val="tx1"/>
+                      </a:solidFill>
+                      <a:prstDash val="solid"/>
+                      <a:round/>
+                      <a:headEnd type="none" w="med" len="med"/>
+                      <a:tailEnd type="none" w="med" len="med"/>
+                    </a:lnR>
+                    <a:lnT w="12700" cap="flat" cmpd="sng" algn="ctr">
+                      <a:solidFill>
+                        <a:schemeClr val="tx1"/>
+                      </a:solidFill>
+                      <a:prstDash val="solid"/>
+                      <a:round/>
+                      <a:headEnd type="none" w="med" len="med"/>
+                      <a:tailEnd type="none" w="med" len="med"/>
+                    </a:lnT>
+                    <a:lnB w="12700" cap="flat" cmpd="sng" algn="ctr">
+                      <a:solidFill>
+                        <a:schemeClr val="tx1"/>
+                      </a:solidFill>
+                      <a:prstDash val="solid"/>
+                      <a:round/>
+                      <a:headEnd type="none" w="med" len="med"/>
+                      <a:tailEnd type="none" w="med" len="med"/>
+                    </a:lnB>
+                  </a:tcPr>
+                </a:tc>
+                <a:tc>
+                  <a:txBody>
+                    <a:bodyPr/>
+                    <a:lstStyle/>
+                    <a:p>
+                      <a:pPr algn="ctr" rtl="0" fontAlgn="b"/>
+                      <a:r>
+                        <a:rPr lang="en-US" sz="1400" b="0">
+                          <a:effectLst/>
+                          <a:latin typeface="Arial" panose="020B0604020202020204" pitchFamily="34" charset="0"/>
+                        </a:rPr>
+                        <a:t>JD</a:t>
+                      </a:r>
+                    </a:p>
+                  </a:txBody>
+                  <a:tcPr marL="28575" marR="28575" marT="19050" marB="19050" anchor="b">
+                    <a:lnL w="12700" cap="flat" cmpd="sng" algn="ctr">
+                      <a:solidFill>
+                        <a:schemeClr val="tx1"/>
+                      </a:solidFill>
+                      <a:prstDash val="solid"/>
+                      <a:round/>
+                      <a:headEnd type="none" w="med" len="med"/>
+                      <a:tailEnd type="none" w="med" len="med"/>
+                    </a:lnL>
+                    <a:lnR w="12700" cap="flat" cmpd="sng" algn="ctr">
+                      <a:solidFill>
+                        <a:schemeClr val="tx1"/>
+                      </a:solidFill>
+                      <a:prstDash val="solid"/>
+                      <a:round/>
+                      <a:headEnd type="none" w="med" len="med"/>
+                      <a:tailEnd type="none" w="med" len="med"/>
+                    </a:lnR>
+                    <a:lnT w="12700" cap="flat" cmpd="sng" algn="ctr">
+                      <a:solidFill>
+                        <a:schemeClr val="tx1"/>
+                      </a:solidFill>
+                      <a:prstDash val="solid"/>
+                      <a:round/>
+                      <a:headEnd type="none" w="med" len="med"/>
+                      <a:tailEnd type="none" w="med" len="med"/>
+                    </a:lnT>
+                    <a:lnB w="12700" cap="flat" cmpd="sng" algn="ctr">
+                      <a:solidFill>
+                        <a:schemeClr val="tx1"/>
+                      </a:solidFill>
+                      <a:prstDash val="solid"/>
+                      <a:round/>
+                      <a:headEnd type="none" w="med" len="med"/>
+                      <a:tailEnd type="none" w="med" len="med"/>
+                    </a:lnB>
+                  </a:tcPr>
+                </a:tc>
+                <a:tc>
+                  <a:txBody>
+                    <a:bodyPr/>
+                    <a:lstStyle/>
+                    <a:p>
+                      <a:pPr algn="ctr" rtl="0" fontAlgn="b"/>
+                      <a:r>
+                        <a:rPr lang="en-US" sz="1400" b="0">
+                          <a:effectLst/>
+                          <a:latin typeface="Arial" panose="020B0604020202020204" pitchFamily="34" charset="0"/>
+                        </a:rPr>
+                        <a:t>JV</a:t>
+                      </a:r>
+                    </a:p>
+                  </a:txBody>
+                  <a:tcPr marL="28575" marR="28575" marT="19050" marB="19050" anchor="b">
+                    <a:lnL w="12700" cap="flat" cmpd="sng" algn="ctr">
+                      <a:solidFill>
+                        <a:schemeClr val="tx1"/>
+                      </a:solidFill>
+                      <a:prstDash val="solid"/>
+                      <a:round/>
+                      <a:headEnd type="none" w="med" len="med"/>
+                      <a:tailEnd type="none" w="med" len="med"/>
+                    </a:lnL>
+                    <a:lnR w="12700" cap="flat" cmpd="sng" algn="ctr">
+                      <a:solidFill>
+                        <a:schemeClr val="tx1"/>
+                      </a:solidFill>
+                      <a:prstDash val="solid"/>
+                      <a:round/>
+                      <a:headEnd type="none" w="med" len="med"/>
+                      <a:tailEnd type="none" w="med" len="med"/>
+                    </a:lnR>
+                    <a:lnT w="12700" cap="flat" cmpd="sng" algn="ctr">
+                      <a:solidFill>
+                        <a:schemeClr val="tx1"/>
+                      </a:solidFill>
+                      <a:prstDash val="solid"/>
+                      <a:round/>
+                      <a:headEnd type="none" w="med" len="med"/>
+                      <a:tailEnd type="none" w="med" len="med"/>
+                    </a:lnT>
+                    <a:lnB w="12700" cap="flat" cmpd="sng" algn="ctr">
+                      <a:solidFill>
+                        <a:schemeClr val="tx1"/>
+                      </a:solidFill>
+                      <a:prstDash val="solid"/>
+                      <a:round/>
+                      <a:headEnd type="none" w="med" len="med"/>
+                      <a:tailEnd type="none" w="med" len="med"/>
+                    </a:lnB>
+                  </a:tcPr>
+                </a:tc>
+                <a:tc>
+                  <a:txBody>
+                    <a:bodyPr/>
+                    <a:lstStyle/>
+                    <a:p>
+                      <a:pPr algn="ctr" rtl="0" fontAlgn="b"/>
+                      <a:r>
+                        <a:rPr lang="en-US" sz="1400" b="0" dirty="0">
+                          <a:effectLst/>
+                          <a:latin typeface="Arial" panose="020B0604020202020204" pitchFamily="34" charset="0"/>
+                        </a:rPr>
+                        <a:t>JT</a:t>
+                      </a:r>
+                    </a:p>
+                  </a:txBody>
+                  <a:tcPr marL="28575" marR="28575" marT="19050" marB="19050" anchor="b">
+                    <a:lnL w="12700" cap="flat" cmpd="sng" algn="ctr">
+                      <a:solidFill>
+                        <a:schemeClr val="tx1"/>
+                      </a:solidFill>
+                      <a:prstDash val="solid"/>
+                      <a:round/>
+                      <a:headEnd type="none" w="med" len="med"/>
+                      <a:tailEnd type="none" w="med" len="med"/>
+                    </a:lnL>
+                    <a:lnR w="12700" cap="flat" cmpd="sng" algn="ctr">
+                      <a:solidFill>
+                        <a:schemeClr val="tx1"/>
+                      </a:solidFill>
+                      <a:prstDash val="solid"/>
+                      <a:round/>
+                      <a:headEnd type="none" w="med" len="med"/>
+                      <a:tailEnd type="none" w="med" len="med"/>
+                    </a:lnR>
+                    <a:lnT w="12700" cap="flat" cmpd="sng" algn="ctr">
+                      <a:solidFill>
+                        <a:schemeClr val="tx1"/>
+                      </a:solidFill>
+                      <a:prstDash val="solid"/>
+                      <a:round/>
+                      <a:headEnd type="none" w="med" len="med"/>
+                      <a:tailEnd type="none" w="med" len="med"/>
+                    </a:lnT>
+                    <a:lnB w="12700" cap="flat" cmpd="sng" algn="ctr">
+                      <a:solidFill>
+                        <a:schemeClr val="tx1"/>
+                      </a:solidFill>
+                      <a:prstDash val="solid"/>
+                      <a:round/>
+                      <a:headEnd type="none" w="med" len="med"/>
+                      <a:tailEnd type="none" w="med" len="med"/>
+                    </a:lnB>
+                  </a:tcPr>
+                </a:tc>
+                <a:tc>
+                  <a:txBody>
+                    <a:bodyPr/>
+                    <a:lstStyle/>
+                    <a:p>
+                      <a:pPr algn="ctr" rtl="0" fontAlgn="b"/>
+                      <a:r>
+                        <a:rPr lang="en-US" sz="1400" b="0">
+                          <a:effectLst/>
+                          <a:latin typeface="Arial" panose="020B0604020202020204" pitchFamily="34" charset="0"/>
+                        </a:rPr>
+                        <a:t>J</a:t>
+                      </a:r>
+                    </a:p>
+                  </a:txBody>
+                  <a:tcPr marL="28575" marR="28575" marT="19050" marB="19050" anchor="b">
+                    <a:lnL w="12700" cap="flat" cmpd="sng" algn="ctr">
+                      <a:solidFill>
+                        <a:schemeClr val="tx1"/>
+                      </a:solidFill>
+                      <a:prstDash val="solid"/>
+                      <a:round/>
+                      <a:headEnd type="none" w="med" len="med"/>
+                      <a:tailEnd type="none" w="med" len="med"/>
+                    </a:lnL>
+                    <a:lnR w="12700" cap="flat" cmpd="sng" algn="ctr">
+                      <a:solidFill>
+                        <a:schemeClr val="tx1"/>
+                      </a:solidFill>
+                      <a:prstDash val="solid"/>
+                      <a:round/>
+                      <a:headEnd type="none" w="med" len="med"/>
+                      <a:tailEnd type="none" w="med" len="med"/>
+                    </a:lnR>
+                    <a:lnT w="12700" cap="flat" cmpd="sng" algn="ctr">
+                      <a:solidFill>
+                        <a:schemeClr val="tx1"/>
+                      </a:solidFill>
+                      <a:prstDash val="solid"/>
+                      <a:round/>
+                      <a:headEnd type="none" w="med" len="med"/>
+                      <a:tailEnd type="none" w="med" len="med"/>
+                    </a:lnT>
+                    <a:lnB w="12700" cap="flat" cmpd="sng" algn="ctr">
+                      <a:solidFill>
+                        <a:schemeClr val="tx1"/>
+                      </a:solidFill>
+                      <a:prstDash val="solid"/>
+                      <a:round/>
+                      <a:headEnd type="none" w="med" len="med"/>
+                      <a:tailEnd type="none" w="med" len="med"/>
+                    </a:lnB>
+                  </a:tcPr>
+                </a:tc>
+                <a:extLst>
+                  <a:ext uri="{0D108BD9-81ED-4DB2-BD59-A6C34878D82A}">
+                    <a16:rowId xmlns:a16="http://schemas.microsoft.com/office/drawing/2014/main" val="859989931"/>
+                  </a:ext>
+                </a:extLst>
+              </a:tr>
+              <a:tr h="200025">
+                <a:tc>
+                  <a:txBody>
+                    <a:bodyPr/>
+                    <a:lstStyle/>
+                    <a:p>
+                      <a:pPr algn="ctr" rtl="0" fontAlgn="b"/>
+                      <a:r>
+                        <a:rPr lang="en-US" altLang="zh-TW" sz="1400" b="0">
+                          <a:effectLst/>
+                          <a:latin typeface="Arial" panose="020B0604020202020204" pitchFamily="34" charset="0"/>
+                        </a:rPr>
+                        <a:t>1</a:t>
+                      </a:r>
+                    </a:p>
+                  </a:txBody>
+                  <a:tcPr marL="28575" marR="28575" marT="19050" marB="19050" anchor="b">
+                    <a:lnL w="12700" cap="flat" cmpd="sng" algn="ctr">
+                      <a:solidFill>
+                        <a:schemeClr val="tx1"/>
+                      </a:solidFill>
+                      <a:prstDash val="solid"/>
+                      <a:round/>
+                      <a:headEnd type="none" w="med" len="med"/>
+                      <a:tailEnd type="none" w="med" len="med"/>
+                    </a:lnL>
+                    <a:lnR w="12700" cap="flat" cmpd="sng" algn="ctr">
+                      <a:solidFill>
+                        <a:schemeClr val="tx1"/>
+                      </a:solidFill>
+                      <a:prstDash val="solid"/>
+                      <a:round/>
+                      <a:headEnd type="none" w="med" len="med"/>
+                      <a:tailEnd type="none" w="med" len="med"/>
+                    </a:lnR>
+                    <a:lnT w="12700" cap="flat" cmpd="sng" algn="ctr">
+                      <a:solidFill>
+                        <a:schemeClr val="tx1"/>
+                      </a:solidFill>
+                      <a:prstDash val="solid"/>
+                      <a:round/>
+                      <a:headEnd type="none" w="med" len="med"/>
+                      <a:tailEnd type="none" w="med" len="med"/>
+                    </a:lnT>
+                    <a:lnB w="12700" cap="flat" cmpd="sng" algn="ctr">
+                      <a:solidFill>
+                        <a:schemeClr val="tx1"/>
+                      </a:solidFill>
+                      <a:prstDash val="solid"/>
+                      <a:round/>
+                      <a:headEnd type="none" w="med" len="med"/>
+                      <a:tailEnd type="none" w="med" len="med"/>
+                    </a:lnB>
+                  </a:tcPr>
+                </a:tc>
+                <a:tc>
+                  <a:txBody>
+                    <a:bodyPr/>
+                    <a:lstStyle/>
+                    <a:p>
+                      <a:pPr algn="ctr" rtl="0" fontAlgn="b"/>
+                      <a:r>
+                        <a:rPr lang="en-US" altLang="zh-TW" sz="1400" b="0">
+                          <a:effectLst/>
+                          <a:latin typeface="Arial" panose="020B0604020202020204" pitchFamily="34" charset="0"/>
+                        </a:rPr>
+                        <a:t>9.9213</a:t>
+                      </a:r>
+                    </a:p>
+                  </a:txBody>
+                  <a:tcPr marL="28575" marR="28575" marT="19050" marB="19050" anchor="b">
+                    <a:lnL w="12700" cap="flat" cmpd="sng" algn="ctr">
+                      <a:solidFill>
+                        <a:schemeClr val="tx1"/>
+                      </a:solidFill>
+                      <a:prstDash val="solid"/>
+                      <a:round/>
+                      <a:headEnd type="none" w="med" len="med"/>
+                      <a:tailEnd type="none" w="med" len="med"/>
+                    </a:lnL>
+                    <a:lnR w="12700" cap="flat" cmpd="sng" algn="ctr">
+                      <a:solidFill>
+                        <a:schemeClr val="tx1"/>
+                      </a:solidFill>
+                      <a:prstDash val="solid"/>
+                      <a:round/>
+                      <a:headEnd type="none" w="med" len="med"/>
+                      <a:tailEnd type="none" w="med" len="med"/>
+                    </a:lnR>
+                    <a:lnT w="12700" cap="flat" cmpd="sng" algn="ctr">
+                      <a:solidFill>
+                        <a:schemeClr val="tx1"/>
+                      </a:solidFill>
+                      <a:prstDash val="solid"/>
+                      <a:round/>
+                      <a:headEnd type="none" w="med" len="med"/>
+                      <a:tailEnd type="none" w="med" len="med"/>
+                    </a:lnT>
+                    <a:lnB w="12700" cap="flat" cmpd="sng" algn="ctr">
+                      <a:solidFill>
+                        <a:schemeClr val="tx1"/>
+                      </a:solidFill>
+                      <a:prstDash val="solid"/>
+                      <a:round/>
+                      <a:headEnd type="none" w="med" len="med"/>
+                      <a:tailEnd type="none" w="med" len="med"/>
+                    </a:lnB>
+                    <a:solidFill>
+                      <a:srgbClr val="B7E1CD"/>
+                    </a:solidFill>
+                  </a:tcPr>
+                </a:tc>
+                <a:tc>
+                  <a:txBody>
+                    <a:bodyPr/>
+                    <a:lstStyle/>
+                    <a:p>
+                      <a:pPr algn="ctr" rtl="0" fontAlgn="b"/>
+                      <a:r>
+                        <a:rPr lang="en-US" altLang="zh-TW" sz="1400" b="0">
+                          <a:effectLst/>
+                          <a:latin typeface="Arial" panose="020B0604020202020204" pitchFamily="34" charset="0"/>
+                        </a:rPr>
+                        <a:t>10208.26</a:t>
+                      </a:r>
+                    </a:p>
+                  </a:txBody>
+                  <a:tcPr marL="28575" marR="28575" marT="19050" marB="19050" anchor="b">
+                    <a:lnL w="12700" cap="flat" cmpd="sng" algn="ctr">
+                      <a:solidFill>
+                        <a:schemeClr val="tx1"/>
+                      </a:solidFill>
+                      <a:prstDash val="solid"/>
+                      <a:round/>
+                      <a:headEnd type="none" w="med" len="med"/>
+                      <a:tailEnd type="none" w="med" len="med"/>
+                    </a:lnL>
+                    <a:lnR w="12700" cap="flat" cmpd="sng" algn="ctr">
+                      <a:solidFill>
+                        <a:schemeClr val="tx1"/>
+                      </a:solidFill>
+                      <a:prstDash val="solid"/>
+                      <a:round/>
+                      <a:headEnd type="none" w="med" len="med"/>
+                      <a:tailEnd type="none" w="med" len="med"/>
+                    </a:lnR>
+                    <a:lnT w="12700" cap="flat" cmpd="sng" algn="ctr">
+                      <a:solidFill>
+                        <a:schemeClr val="tx1"/>
+                      </a:solidFill>
+                      <a:prstDash val="solid"/>
+                      <a:round/>
+                      <a:headEnd type="none" w="med" len="med"/>
+                      <a:tailEnd type="none" w="med" len="med"/>
+                    </a:lnT>
+                    <a:lnB w="12700" cap="flat" cmpd="sng" algn="ctr">
+                      <a:solidFill>
+                        <a:schemeClr val="tx1"/>
+                      </a:solidFill>
+                      <a:prstDash val="solid"/>
+                      <a:round/>
+                      <a:headEnd type="none" w="med" len="med"/>
+                      <a:tailEnd type="none" w="med" len="med"/>
+                    </a:lnB>
+                    <a:solidFill>
+                      <a:srgbClr val="B7E1CD"/>
+                    </a:solidFill>
+                  </a:tcPr>
+                </a:tc>
+                <a:tc>
+                  <a:txBody>
+                    <a:bodyPr/>
+                    <a:lstStyle/>
+                    <a:p>
+                      <a:pPr algn="ctr" rtl="0" fontAlgn="b"/>
+                      <a:r>
+                        <a:rPr lang="en-US" altLang="zh-TW" sz="1400" b="0">
+                          <a:effectLst/>
+                          <a:latin typeface="Arial" panose="020B0604020202020204" pitchFamily="34" charset="0"/>
+                        </a:rPr>
+                        <a:t>0</a:t>
+                      </a:r>
+                    </a:p>
+                  </a:txBody>
+                  <a:tcPr marL="28575" marR="28575" marT="19050" marB="19050" anchor="b">
+                    <a:lnL w="12700" cap="flat" cmpd="sng" algn="ctr">
+                      <a:solidFill>
+                        <a:schemeClr val="tx1"/>
+                      </a:solidFill>
+                      <a:prstDash val="solid"/>
+                      <a:round/>
+                      <a:headEnd type="none" w="med" len="med"/>
+                      <a:tailEnd type="none" w="med" len="med"/>
+                    </a:lnL>
+                    <a:lnR w="12700" cap="flat" cmpd="sng" algn="ctr">
+                      <a:solidFill>
+                        <a:schemeClr val="tx1"/>
+                      </a:solidFill>
+                      <a:prstDash val="solid"/>
+                      <a:round/>
+                      <a:headEnd type="none" w="med" len="med"/>
+                      <a:tailEnd type="none" w="med" len="med"/>
+                    </a:lnR>
+                    <a:lnT w="12700" cap="flat" cmpd="sng" algn="ctr">
+                      <a:solidFill>
+                        <a:schemeClr val="tx1"/>
+                      </a:solidFill>
+                      <a:prstDash val="solid"/>
+                      <a:round/>
+                      <a:headEnd type="none" w="med" len="med"/>
+                      <a:tailEnd type="none" w="med" len="med"/>
+                    </a:lnT>
+                    <a:lnB w="12700" cap="flat" cmpd="sng" algn="ctr">
+                      <a:solidFill>
+                        <a:schemeClr val="tx1"/>
+                      </a:solidFill>
+                      <a:prstDash val="solid"/>
+                      <a:round/>
+                      <a:headEnd type="none" w="med" len="med"/>
+                      <a:tailEnd type="none" w="med" len="med"/>
+                    </a:lnB>
+                    <a:solidFill>
+                      <a:srgbClr val="B7E1CD"/>
+                    </a:solidFill>
+                  </a:tcPr>
+                </a:tc>
+                <a:tc>
+                  <a:txBody>
+                    <a:bodyPr/>
+                    <a:lstStyle/>
+                    <a:p>
+                      <a:pPr algn="ctr" rtl="0" fontAlgn="b"/>
+                      <a:r>
+                        <a:rPr lang="en-US" altLang="zh-TW" sz="1400" b="0">
+                          <a:effectLst/>
+                          <a:latin typeface="Arial" panose="020B0604020202020204" pitchFamily="34" charset="0"/>
+                        </a:rPr>
+                        <a:t>0.0004</a:t>
+                      </a:r>
+                    </a:p>
+                  </a:txBody>
+                  <a:tcPr marL="28575" marR="28575" marT="19050" marB="19050" anchor="b">
+                    <a:lnL w="12700" cap="flat" cmpd="sng" algn="ctr">
+                      <a:solidFill>
+                        <a:schemeClr val="tx1"/>
+                      </a:solidFill>
+                      <a:prstDash val="solid"/>
+                      <a:round/>
+                      <a:headEnd type="none" w="med" len="med"/>
+                      <a:tailEnd type="none" w="med" len="med"/>
+                    </a:lnL>
+                    <a:lnR w="12700" cap="flat" cmpd="sng" algn="ctr">
+                      <a:solidFill>
+                        <a:schemeClr val="tx1"/>
+                      </a:solidFill>
+                      <a:prstDash val="solid"/>
+                      <a:round/>
+                      <a:headEnd type="none" w="med" len="med"/>
+                      <a:tailEnd type="none" w="med" len="med"/>
+                    </a:lnR>
+                    <a:lnT w="12700" cap="flat" cmpd="sng" algn="ctr">
+                      <a:solidFill>
+                        <a:schemeClr val="tx1"/>
+                      </a:solidFill>
+                      <a:prstDash val="solid"/>
+                      <a:round/>
+                      <a:headEnd type="none" w="med" len="med"/>
+                      <a:tailEnd type="none" w="med" len="med"/>
+                    </a:lnT>
+                    <a:lnB w="12700" cap="flat" cmpd="sng" algn="ctr">
+                      <a:solidFill>
+                        <a:schemeClr val="tx1"/>
+                      </a:solidFill>
+                      <a:prstDash val="solid"/>
+                      <a:round/>
+                      <a:headEnd type="none" w="med" len="med"/>
+                      <a:tailEnd type="none" w="med" len="med"/>
+                    </a:lnB>
+                  </a:tcPr>
+                </a:tc>
+                <a:tc>
+                  <a:txBody>
+                    <a:bodyPr/>
+                    <a:lstStyle/>
+                    <a:p>
+                      <a:pPr algn="ctr" rtl="0" fontAlgn="b"/>
+                      <a:r>
+                        <a:rPr lang="en-US" altLang="zh-TW" sz="1400" b="0">
+                          <a:effectLst/>
+                          <a:latin typeface="Arial" panose="020B0604020202020204" pitchFamily="34" charset="0"/>
+                        </a:rPr>
+                        <a:t>6762.7668</a:t>
+                      </a:r>
+                    </a:p>
+                  </a:txBody>
+                  <a:tcPr marL="28575" marR="28575" marT="19050" marB="19050" anchor="b">
+                    <a:lnL w="12700" cap="flat" cmpd="sng" algn="ctr">
+                      <a:solidFill>
+                        <a:schemeClr val="tx1"/>
+                      </a:solidFill>
+                      <a:prstDash val="solid"/>
+                      <a:round/>
+                      <a:headEnd type="none" w="med" len="med"/>
+                      <a:tailEnd type="none" w="med" len="med"/>
+                    </a:lnL>
+                    <a:lnR w="12700" cap="flat" cmpd="sng" algn="ctr">
+                      <a:solidFill>
+                        <a:schemeClr val="tx1"/>
+                      </a:solidFill>
+                      <a:prstDash val="solid"/>
+                      <a:round/>
+                      <a:headEnd type="none" w="med" len="med"/>
+                      <a:tailEnd type="none" w="med" len="med"/>
+                    </a:lnR>
+                    <a:lnT w="12700" cap="flat" cmpd="sng" algn="ctr">
+                      <a:solidFill>
+                        <a:schemeClr val="tx1"/>
+                      </a:solidFill>
+                      <a:prstDash val="solid"/>
+                      <a:round/>
+                      <a:headEnd type="none" w="med" len="med"/>
+                      <a:tailEnd type="none" w="med" len="med"/>
+                    </a:lnT>
+                    <a:lnB w="12700" cap="flat" cmpd="sng" algn="ctr">
+                      <a:solidFill>
+                        <a:schemeClr val="tx1"/>
+                      </a:solidFill>
+                      <a:prstDash val="solid"/>
+                      <a:round/>
+                      <a:headEnd type="none" w="med" len="med"/>
+                      <a:tailEnd type="none" w="med" len="med"/>
+                    </a:lnB>
+                    <a:solidFill>
+                      <a:srgbClr val="F4C7C3"/>
+                    </a:solidFill>
+                  </a:tcPr>
+                </a:tc>
+                <a:tc>
+                  <a:txBody>
+                    <a:bodyPr/>
+                    <a:lstStyle/>
+                    <a:p>
+                      <a:pPr algn="ctr" rtl="0" fontAlgn="b"/>
+                      <a:r>
+                        <a:rPr lang="en-US" altLang="zh-TW" sz="1400" b="0">
+                          <a:effectLst/>
+                          <a:latin typeface="Arial" panose="020B0604020202020204" pitchFamily="34" charset="0"/>
+                        </a:rPr>
+                        <a:t>76.822</a:t>
+                      </a:r>
+                    </a:p>
+                  </a:txBody>
+                  <a:tcPr marL="28575" marR="28575" marT="19050" marB="19050" anchor="b">
+                    <a:lnL w="12700" cap="flat" cmpd="sng" algn="ctr">
+                      <a:solidFill>
+                        <a:schemeClr val="tx1"/>
+                      </a:solidFill>
+                      <a:prstDash val="solid"/>
+                      <a:round/>
+                      <a:headEnd type="none" w="med" len="med"/>
+                      <a:tailEnd type="none" w="med" len="med"/>
+                    </a:lnL>
+                    <a:lnR w="12700" cap="flat" cmpd="sng" algn="ctr">
+                      <a:solidFill>
+                        <a:schemeClr val="tx1"/>
+                      </a:solidFill>
+                      <a:prstDash val="solid"/>
+                      <a:round/>
+                      <a:headEnd type="none" w="med" len="med"/>
+                      <a:tailEnd type="none" w="med" len="med"/>
+                    </a:lnR>
+                    <a:lnT w="12700" cap="flat" cmpd="sng" algn="ctr">
+                      <a:solidFill>
+                        <a:schemeClr val="tx1"/>
+                      </a:solidFill>
+                      <a:prstDash val="solid"/>
+                      <a:round/>
+                      <a:headEnd type="none" w="med" len="med"/>
+                      <a:tailEnd type="none" w="med" len="med"/>
+                    </a:lnT>
+                    <a:lnB w="12700" cap="flat" cmpd="sng" algn="ctr">
+                      <a:solidFill>
+                        <a:schemeClr val="tx1"/>
+                      </a:solidFill>
+                      <a:prstDash val="solid"/>
+                      <a:round/>
+                      <a:headEnd type="none" w="med" len="med"/>
+                      <a:tailEnd type="none" w="med" len="med"/>
+                    </a:lnB>
+                    <a:solidFill>
+                      <a:srgbClr val="B7E1CD"/>
+                    </a:solidFill>
+                  </a:tcPr>
+                </a:tc>
+                <a:tc>
+                  <a:txBody>
+                    <a:bodyPr/>
+                    <a:lstStyle/>
+                    <a:p>
+                      <a:pPr algn="ctr" rtl="0" fontAlgn="b"/>
+                      <a:r>
+                        <a:rPr lang="en-US" altLang="zh-TW" sz="1400" b="0">
+                          <a:effectLst/>
+                          <a:latin typeface="Arial" panose="020B0604020202020204" pitchFamily="34" charset="0"/>
+                        </a:rPr>
+                        <a:t>0.7693</a:t>
+                      </a:r>
+                    </a:p>
+                  </a:txBody>
+                  <a:tcPr marL="28575" marR="28575" marT="19050" marB="19050" anchor="b">
+                    <a:lnL w="12700" cap="flat" cmpd="sng" algn="ctr">
+                      <a:solidFill>
+                        <a:schemeClr val="tx1"/>
+                      </a:solidFill>
+                      <a:prstDash val="solid"/>
+                      <a:round/>
+                      <a:headEnd type="none" w="med" len="med"/>
+                      <a:tailEnd type="none" w="med" len="med"/>
+                    </a:lnL>
+                    <a:lnR w="12700" cap="flat" cmpd="sng" algn="ctr">
+                      <a:solidFill>
+                        <a:schemeClr val="tx1"/>
+                      </a:solidFill>
+                      <a:prstDash val="solid"/>
+                      <a:round/>
+                      <a:headEnd type="none" w="med" len="med"/>
+                      <a:tailEnd type="none" w="med" len="med"/>
+                    </a:lnR>
+                    <a:lnT w="12700" cap="flat" cmpd="sng" algn="ctr">
+                      <a:solidFill>
+                        <a:schemeClr val="tx1"/>
+                      </a:solidFill>
+                      <a:prstDash val="solid"/>
+                      <a:round/>
+                      <a:headEnd type="none" w="med" len="med"/>
+                      <a:tailEnd type="none" w="med" len="med"/>
+                    </a:lnT>
+                    <a:lnB w="12700" cap="flat" cmpd="sng" algn="ctr">
+                      <a:solidFill>
+                        <a:schemeClr val="tx1"/>
+                      </a:solidFill>
+                      <a:prstDash val="solid"/>
+                      <a:round/>
+                      <a:headEnd type="none" w="med" len="med"/>
+                      <a:tailEnd type="none" w="med" len="med"/>
+                    </a:lnB>
+                    <a:solidFill>
+                      <a:srgbClr val="B7E1CD"/>
+                    </a:solidFill>
+                  </a:tcPr>
+                </a:tc>
+                <a:extLst>
+                  <a:ext uri="{0D108BD9-81ED-4DB2-BD59-A6C34878D82A}">
+                    <a16:rowId xmlns:a16="http://schemas.microsoft.com/office/drawing/2014/main" val="1878630469"/>
+                  </a:ext>
+                </a:extLst>
+              </a:tr>
+              <a:tr h="200025">
+                <a:tc>
+                  <a:txBody>
+                    <a:bodyPr/>
+                    <a:lstStyle/>
+                    <a:p>
+                      <a:pPr algn="ctr" rtl="0" fontAlgn="b"/>
+                      <a:r>
+                        <a:rPr lang="en-US" altLang="zh-TW" sz="1400" b="0">
+                          <a:effectLst/>
+                          <a:latin typeface="Arial" panose="020B0604020202020204" pitchFamily="34" charset="0"/>
+                        </a:rPr>
+                        <a:t>2</a:t>
+                      </a:r>
+                    </a:p>
+                  </a:txBody>
+                  <a:tcPr marL="28575" marR="28575" marT="19050" marB="19050" anchor="b">
+                    <a:lnL w="12700" cap="flat" cmpd="sng" algn="ctr">
+                      <a:solidFill>
+                        <a:schemeClr val="tx1"/>
+                      </a:solidFill>
+                      <a:prstDash val="solid"/>
+                      <a:round/>
+                      <a:headEnd type="none" w="med" len="med"/>
+                      <a:tailEnd type="none" w="med" len="med"/>
+                    </a:lnL>
+                    <a:lnR w="12700" cap="flat" cmpd="sng" algn="ctr">
+                      <a:solidFill>
+                        <a:schemeClr val="tx1"/>
+                      </a:solidFill>
+                      <a:prstDash val="solid"/>
+                      <a:round/>
+                      <a:headEnd type="none" w="med" len="med"/>
+                      <a:tailEnd type="none" w="med" len="med"/>
+                    </a:lnR>
+                    <a:lnT w="12700" cap="flat" cmpd="sng" algn="ctr">
+                      <a:solidFill>
+                        <a:schemeClr val="tx1"/>
+                      </a:solidFill>
+                      <a:prstDash val="solid"/>
+                      <a:round/>
+                      <a:headEnd type="none" w="med" len="med"/>
+                      <a:tailEnd type="none" w="med" len="med"/>
+                    </a:lnT>
+                    <a:lnB w="12700" cap="flat" cmpd="sng" algn="ctr">
+                      <a:solidFill>
+                        <a:schemeClr val="tx1"/>
+                      </a:solidFill>
+                      <a:prstDash val="solid"/>
+                      <a:round/>
+                      <a:headEnd type="none" w="med" len="med"/>
+                      <a:tailEnd type="none" w="med" len="med"/>
+                    </a:lnB>
+                  </a:tcPr>
+                </a:tc>
+                <a:tc>
+                  <a:txBody>
+                    <a:bodyPr/>
+                    <a:lstStyle/>
+                    <a:p>
+                      <a:pPr algn="ctr" rtl="0" fontAlgn="b"/>
+                      <a:r>
+                        <a:rPr lang="en-US" altLang="zh-TW" sz="1400" b="0">
+                          <a:effectLst/>
+                          <a:latin typeface="Arial" panose="020B0604020202020204" pitchFamily="34" charset="0"/>
+                        </a:rPr>
+                        <a:t>9.6703</a:t>
+                      </a:r>
+                    </a:p>
+                  </a:txBody>
+                  <a:tcPr marL="28575" marR="28575" marT="19050" marB="19050" anchor="b">
+                    <a:lnL w="12700" cap="flat" cmpd="sng" algn="ctr">
+                      <a:solidFill>
+                        <a:schemeClr val="tx1"/>
+                      </a:solidFill>
+                      <a:prstDash val="solid"/>
+                      <a:round/>
+                      <a:headEnd type="none" w="med" len="med"/>
+                      <a:tailEnd type="none" w="med" len="med"/>
+                    </a:lnL>
+                    <a:lnR w="12700" cap="flat" cmpd="sng" algn="ctr">
+                      <a:solidFill>
+                        <a:schemeClr val="tx1"/>
+                      </a:solidFill>
+                      <a:prstDash val="solid"/>
+                      <a:round/>
+                      <a:headEnd type="none" w="med" len="med"/>
+                      <a:tailEnd type="none" w="med" len="med"/>
+                    </a:lnR>
+                    <a:lnT w="12700" cap="flat" cmpd="sng" algn="ctr">
+                      <a:solidFill>
+                        <a:schemeClr val="tx1"/>
+                      </a:solidFill>
+                      <a:prstDash val="solid"/>
+                      <a:round/>
+                      <a:headEnd type="none" w="med" len="med"/>
+                      <a:tailEnd type="none" w="med" len="med"/>
+                    </a:lnT>
+                    <a:lnB w="12700" cap="flat" cmpd="sng" algn="ctr">
+                      <a:solidFill>
+                        <a:schemeClr val="tx1"/>
+                      </a:solidFill>
+                      <a:prstDash val="solid"/>
+                      <a:round/>
+                      <a:headEnd type="none" w="med" len="med"/>
+                      <a:tailEnd type="none" w="med" len="med"/>
+                    </a:lnB>
+                    <a:solidFill>
+                      <a:srgbClr val="B7E1CD"/>
+                    </a:solidFill>
+                  </a:tcPr>
+                </a:tc>
+                <a:tc>
+                  <a:txBody>
+                    <a:bodyPr/>
+                    <a:lstStyle/>
+                    <a:p>
+                      <a:pPr algn="ctr" rtl="0" fontAlgn="b"/>
+                      <a:r>
+                        <a:rPr lang="en-US" altLang="zh-TW" sz="1400" b="0">
+                          <a:effectLst/>
+                          <a:latin typeface="Arial" panose="020B0604020202020204" pitchFamily="34" charset="0"/>
+                        </a:rPr>
+                        <a:t>0</a:t>
+                      </a:r>
+                    </a:p>
+                  </a:txBody>
+                  <a:tcPr marL="28575" marR="28575" marT="19050" marB="19050" anchor="b">
+                    <a:lnL w="12700" cap="flat" cmpd="sng" algn="ctr">
+                      <a:solidFill>
+                        <a:schemeClr val="tx1"/>
+                      </a:solidFill>
+                      <a:prstDash val="solid"/>
+                      <a:round/>
+                      <a:headEnd type="none" w="med" len="med"/>
+                      <a:tailEnd type="none" w="med" len="med"/>
+                    </a:lnL>
+                    <a:lnR w="12700" cap="flat" cmpd="sng" algn="ctr">
+                      <a:solidFill>
+                        <a:schemeClr val="tx1"/>
+                      </a:solidFill>
+                      <a:prstDash val="solid"/>
+                      <a:round/>
+                      <a:headEnd type="none" w="med" len="med"/>
+                      <a:tailEnd type="none" w="med" len="med"/>
+                    </a:lnR>
+                    <a:lnT w="12700" cap="flat" cmpd="sng" algn="ctr">
+                      <a:solidFill>
+                        <a:schemeClr val="tx1"/>
+                      </a:solidFill>
+                      <a:prstDash val="solid"/>
+                      <a:round/>
+                      <a:headEnd type="none" w="med" len="med"/>
+                      <a:tailEnd type="none" w="med" len="med"/>
+                    </a:lnT>
+                    <a:lnB w="12700" cap="flat" cmpd="sng" algn="ctr">
+                      <a:solidFill>
+                        <a:schemeClr val="tx1"/>
+                      </a:solidFill>
+                      <a:prstDash val="solid"/>
+                      <a:round/>
+                      <a:headEnd type="none" w="med" len="med"/>
+                      <a:tailEnd type="none" w="med" len="med"/>
+                    </a:lnB>
+                    <a:solidFill>
+                      <a:srgbClr val="B7E1CD"/>
+                    </a:solidFill>
+                  </a:tcPr>
+                </a:tc>
+                <a:tc>
+                  <a:txBody>
+                    <a:bodyPr/>
+                    <a:lstStyle/>
+                    <a:p>
+                      <a:pPr algn="ctr" rtl="0" fontAlgn="b"/>
+                      <a:r>
+                        <a:rPr lang="en-US" altLang="zh-TW" sz="1400" b="0">
+                          <a:effectLst/>
+                          <a:latin typeface="Arial" panose="020B0604020202020204" pitchFamily="34" charset="0"/>
+                        </a:rPr>
+                        <a:t>0</a:t>
+                      </a:r>
+                    </a:p>
+                  </a:txBody>
+                  <a:tcPr marL="28575" marR="28575" marT="19050" marB="19050" anchor="b">
+                    <a:lnL w="12700" cap="flat" cmpd="sng" algn="ctr">
+                      <a:solidFill>
+                        <a:schemeClr val="tx1"/>
+                      </a:solidFill>
+                      <a:prstDash val="solid"/>
+                      <a:round/>
+                      <a:headEnd type="none" w="med" len="med"/>
+                      <a:tailEnd type="none" w="med" len="med"/>
+                    </a:lnL>
+                    <a:lnR w="12700" cap="flat" cmpd="sng" algn="ctr">
+                      <a:solidFill>
+                        <a:schemeClr val="tx1"/>
+                      </a:solidFill>
+                      <a:prstDash val="solid"/>
+                      <a:round/>
+                      <a:headEnd type="none" w="med" len="med"/>
+                      <a:tailEnd type="none" w="med" len="med"/>
+                    </a:lnR>
+                    <a:lnT w="12700" cap="flat" cmpd="sng" algn="ctr">
+                      <a:solidFill>
+                        <a:schemeClr val="tx1"/>
+                      </a:solidFill>
+                      <a:prstDash val="solid"/>
+                      <a:round/>
+                      <a:headEnd type="none" w="med" len="med"/>
+                      <a:tailEnd type="none" w="med" len="med"/>
+                    </a:lnT>
+                    <a:lnB w="12700" cap="flat" cmpd="sng" algn="ctr">
+                      <a:solidFill>
+                        <a:schemeClr val="tx1"/>
+                      </a:solidFill>
+                      <a:prstDash val="solid"/>
+                      <a:round/>
+                      <a:headEnd type="none" w="med" len="med"/>
+                      <a:tailEnd type="none" w="med" len="med"/>
+                    </a:lnB>
+                  </a:tcPr>
+                </a:tc>
+                <a:tc>
+                  <a:txBody>
+                    <a:bodyPr/>
+                    <a:lstStyle/>
+                    <a:p>
+                      <a:pPr algn="ctr" rtl="0" fontAlgn="b"/>
+                      <a:r>
+                        <a:rPr lang="en-US" altLang="zh-TW" sz="1400" b="0">
+                          <a:effectLst/>
+                          <a:latin typeface="Arial" panose="020B0604020202020204" pitchFamily="34" charset="0"/>
+                        </a:rPr>
+                        <a:t>0.0004</a:t>
+                      </a:r>
+                    </a:p>
+                  </a:txBody>
+                  <a:tcPr marL="28575" marR="28575" marT="19050" marB="19050" anchor="b">
+                    <a:lnL w="12700" cap="flat" cmpd="sng" algn="ctr">
+                      <a:solidFill>
+                        <a:schemeClr val="tx1"/>
+                      </a:solidFill>
+                      <a:prstDash val="solid"/>
+                      <a:round/>
+                      <a:headEnd type="none" w="med" len="med"/>
+                      <a:tailEnd type="none" w="med" len="med"/>
+                    </a:lnL>
+                    <a:lnR w="12700" cap="flat" cmpd="sng" algn="ctr">
+                      <a:solidFill>
+                        <a:schemeClr val="tx1"/>
+                      </a:solidFill>
+                      <a:prstDash val="solid"/>
+                      <a:round/>
+                      <a:headEnd type="none" w="med" len="med"/>
+                      <a:tailEnd type="none" w="med" len="med"/>
+                    </a:lnR>
+                    <a:lnT w="12700" cap="flat" cmpd="sng" algn="ctr">
+                      <a:solidFill>
+                        <a:schemeClr val="tx1"/>
+                      </a:solidFill>
+                      <a:prstDash val="solid"/>
+                      <a:round/>
+                      <a:headEnd type="none" w="med" len="med"/>
+                      <a:tailEnd type="none" w="med" len="med"/>
+                    </a:lnT>
+                    <a:lnB w="12700" cap="flat" cmpd="sng" algn="ctr">
+                      <a:solidFill>
+                        <a:schemeClr val="tx1"/>
+                      </a:solidFill>
+                      <a:prstDash val="solid"/>
+                      <a:round/>
+                      <a:headEnd type="none" w="med" len="med"/>
+                      <a:tailEnd type="none" w="med" len="med"/>
+                    </a:lnB>
+                  </a:tcPr>
+                </a:tc>
+                <a:tc>
+                  <a:txBody>
+                    <a:bodyPr/>
+                    <a:lstStyle/>
+                    <a:p>
+                      <a:pPr algn="ctr" rtl="0" fontAlgn="b"/>
+                      <a:r>
+                        <a:rPr lang="en-US" altLang="zh-TW" sz="1400" b="0">
+                          <a:effectLst/>
+                          <a:latin typeface="Arial" panose="020B0604020202020204" pitchFamily="34" charset="0"/>
+                        </a:rPr>
+                        <a:t>0</a:t>
+                      </a:r>
+                    </a:p>
+                  </a:txBody>
+                  <a:tcPr marL="28575" marR="28575" marT="19050" marB="19050" anchor="b">
+                    <a:lnL w="12700" cap="flat" cmpd="sng" algn="ctr">
+                      <a:solidFill>
+                        <a:schemeClr val="tx1"/>
+                      </a:solidFill>
+                      <a:prstDash val="solid"/>
+                      <a:round/>
+                      <a:headEnd type="none" w="med" len="med"/>
+                      <a:tailEnd type="none" w="med" len="med"/>
+                    </a:lnL>
+                    <a:lnR w="12700" cap="flat" cmpd="sng" algn="ctr">
+                      <a:solidFill>
+                        <a:schemeClr val="tx1"/>
+                      </a:solidFill>
+                      <a:prstDash val="solid"/>
+                      <a:round/>
+                      <a:headEnd type="none" w="med" len="med"/>
+                      <a:tailEnd type="none" w="med" len="med"/>
+                    </a:lnR>
+                    <a:lnT w="12700" cap="flat" cmpd="sng" algn="ctr">
+                      <a:solidFill>
+                        <a:schemeClr val="tx1"/>
+                      </a:solidFill>
+                      <a:prstDash val="solid"/>
+                      <a:round/>
+                      <a:headEnd type="none" w="med" len="med"/>
+                      <a:tailEnd type="none" w="med" len="med"/>
+                    </a:lnT>
+                    <a:lnB w="12700" cap="flat" cmpd="sng" algn="ctr">
+                      <a:solidFill>
+                        <a:schemeClr val="tx1"/>
+                      </a:solidFill>
+                      <a:prstDash val="solid"/>
+                      <a:round/>
+                      <a:headEnd type="none" w="med" len="med"/>
+                      <a:tailEnd type="none" w="med" len="med"/>
+                    </a:lnB>
+                  </a:tcPr>
+                </a:tc>
+                <a:tc>
+                  <a:txBody>
+                    <a:bodyPr/>
+                    <a:lstStyle/>
+                    <a:p>
+                      <a:pPr algn="ctr" rtl="0" fontAlgn="b"/>
+                      <a:r>
+                        <a:rPr lang="en-US" altLang="zh-TW" sz="1400" b="0">
+                          <a:effectLst/>
+                          <a:latin typeface="Arial" panose="020B0604020202020204" pitchFamily="34" charset="0"/>
+                        </a:rPr>
+                        <a:t>94.169</a:t>
+                      </a:r>
+                    </a:p>
+                  </a:txBody>
+                  <a:tcPr marL="28575" marR="28575" marT="19050" marB="19050" anchor="b">
+                    <a:lnL w="12700" cap="flat" cmpd="sng" algn="ctr">
+                      <a:solidFill>
+                        <a:schemeClr val="tx1"/>
+                      </a:solidFill>
+                      <a:prstDash val="solid"/>
+                      <a:round/>
+                      <a:headEnd type="none" w="med" len="med"/>
+                      <a:tailEnd type="none" w="med" len="med"/>
+                    </a:lnL>
+                    <a:lnR w="12700" cap="flat" cmpd="sng" algn="ctr">
+                      <a:solidFill>
+                        <a:schemeClr val="tx1"/>
+                      </a:solidFill>
+                      <a:prstDash val="solid"/>
+                      <a:round/>
+                      <a:headEnd type="none" w="med" len="med"/>
+                      <a:tailEnd type="none" w="med" len="med"/>
+                    </a:lnR>
+                    <a:lnT w="12700" cap="flat" cmpd="sng" algn="ctr">
+                      <a:solidFill>
+                        <a:schemeClr val="tx1"/>
+                      </a:solidFill>
+                      <a:prstDash val="solid"/>
+                      <a:round/>
+                      <a:headEnd type="none" w="med" len="med"/>
+                      <a:tailEnd type="none" w="med" len="med"/>
+                    </a:lnT>
+                    <a:lnB w="12700" cap="flat" cmpd="sng" algn="ctr">
+                      <a:solidFill>
+                        <a:schemeClr val="tx1"/>
+                      </a:solidFill>
+                      <a:prstDash val="solid"/>
+                      <a:round/>
+                      <a:headEnd type="none" w="med" len="med"/>
+                      <a:tailEnd type="none" w="med" len="med"/>
+                    </a:lnB>
+                  </a:tcPr>
+                </a:tc>
+                <a:tc>
+                  <a:txBody>
+                    <a:bodyPr/>
+                    <a:lstStyle/>
+                    <a:p>
+                      <a:pPr algn="ctr" rtl="0" fontAlgn="b"/>
+                      <a:r>
+                        <a:rPr lang="en-US" altLang="zh-TW" sz="1400" b="0">
+                          <a:effectLst/>
+                          <a:latin typeface="Arial" panose="020B0604020202020204" pitchFamily="34" charset="0"/>
+                        </a:rPr>
+                        <a:t>0.9329</a:t>
+                      </a:r>
+                    </a:p>
+                  </a:txBody>
+                  <a:tcPr marL="28575" marR="28575" marT="19050" marB="19050" anchor="b">
+                    <a:lnL w="12700" cap="flat" cmpd="sng" algn="ctr">
+                      <a:solidFill>
+                        <a:schemeClr val="tx1"/>
+                      </a:solidFill>
+                      <a:prstDash val="solid"/>
+                      <a:round/>
+                      <a:headEnd type="none" w="med" len="med"/>
+                      <a:tailEnd type="none" w="med" len="med"/>
+                    </a:lnL>
+                    <a:lnR w="12700" cap="flat" cmpd="sng" algn="ctr">
+                      <a:solidFill>
+                        <a:schemeClr val="tx1"/>
+                      </a:solidFill>
+                      <a:prstDash val="solid"/>
+                      <a:round/>
+                      <a:headEnd type="none" w="med" len="med"/>
+                      <a:tailEnd type="none" w="med" len="med"/>
+                    </a:lnR>
+                    <a:lnT w="12700" cap="flat" cmpd="sng" algn="ctr">
+                      <a:solidFill>
+                        <a:schemeClr val="tx1"/>
+                      </a:solidFill>
+                      <a:prstDash val="solid"/>
+                      <a:round/>
+                      <a:headEnd type="none" w="med" len="med"/>
+                      <a:tailEnd type="none" w="med" len="med"/>
+                    </a:lnT>
+                    <a:lnB w="12700" cap="flat" cmpd="sng" algn="ctr">
+                      <a:solidFill>
+                        <a:schemeClr val="tx1"/>
+                      </a:solidFill>
+                      <a:prstDash val="solid"/>
+                      <a:round/>
+                      <a:headEnd type="none" w="med" len="med"/>
+                      <a:tailEnd type="none" w="med" len="med"/>
+                    </a:lnB>
+                    <a:solidFill>
+                      <a:srgbClr val="B7E1CD"/>
+                    </a:solidFill>
+                  </a:tcPr>
+                </a:tc>
+                <a:extLst>
+                  <a:ext uri="{0D108BD9-81ED-4DB2-BD59-A6C34878D82A}">
+                    <a16:rowId xmlns:a16="http://schemas.microsoft.com/office/drawing/2014/main" val="2201139637"/>
+                  </a:ext>
+                </a:extLst>
+              </a:tr>
+              <a:tr h="200025">
+                <a:tc>
+                  <a:txBody>
+                    <a:bodyPr/>
+                    <a:lstStyle/>
+                    <a:p>
+                      <a:pPr algn="ctr" rtl="0" fontAlgn="b"/>
+                      <a:r>
+                        <a:rPr lang="en-US" altLang="zh-TW" sz="1400" b="0">
+                          <a:effectLst/>
+                          <a:latin typeface="Arial" panose="020B0604020202020204" pitchFamily="34" charset="0"/>
+                        </a:rPr>
+                        <a:t>3</a:t>
+                      </a:r>
+                    </a:p>
+                  </a:txBody>
+                  <a:tcPr marL="28575" marR="28575" marT="19050" marB="19050" anchor="b">
+                    <a:lnL w="12700" cap="flat" cmpd="sng" algn="ctr">
+                      <a:solidFill>
+                        <a:schemeClr val="tx1"/>
+                      </a:solidFill>
+                      <a:prstDash val="solid"/>
+                      <a:round/>
+                      <a:headEnd type="none" w="med" len="med"/>
+                      <a:tailEnd type="none" w="med" len="med"/>
+                    </a:lnL>
+                    <a:lnR w="12700" cap="flat" cmpd="sng" algn="ctr">
+                      <a:solidFill>
+                        <a:schemeClr val="tx1"/>
+                      </a:solidFill>
+                      <a:prstDash val="solid"/>
+                      <a:round/>
+                      <a:headEnd type="none" w="med" len="med"/>
+                      <a:tailEnd type="none" w="med" len="med"/>
+                    </a:lnR>
+                    <a:lnT w="12700" cap="flat" cmpd="sng" algn="ctr">
+                      <a:solidFill>
+                        <a:schemeClr val="tx1"/>
+                      </a:solidFill>
+                      <a:prstDash val="solid"/>
+                      <a:round/>
+                      <a:headEnd type="none" w="med" len="med"/>
+                      <a:tailEnd type="none" w="med" len="med"/>
+                    </a:lnT>
+                    <a:lnB w="12700" cap="flat" cmpd="sng" algn="ctr">
+                      <a:solidFill>
+                        <a:schemeClr val="tx1"/>
+                      </a:solidFill>
+                      <a:prstDash val="solid"/>
+                      <a:round/>
+                      <a:headEnd type="none" w="med" len="med"/>
+                      <a:tailEnd type="none" w="med" len="med"/>
+                    </a:lnB>
+                  </a:tcPr>
+                </a:tc>
+                <a:tc>
+                  <a:txBody>
+                    <a:bodyPr/>
+                    <a:lstStyle/>
+                    <a:p>
+                      <a:pPr algn="ctr" rtl="0" fontAlgn="b"/>
+                      <a:r>
+                        <a:rPr lang="en-US" altLang="zh-TW" sz="1400" b="0">
+                          <a:effectLst/>
+                          <a:latin typeface="Arial" panose="020B0604020202020204" pitchFamily="34" charset="0"/>
+                        </a:rPr>
+                        <a:t>11.0545</a:t>
+                      </a:r>
+                    </a:p>
+                  </a:txBody>
+                  <a:tcPr marL="28575" marR="28575" marT="19050" marB="19050" anchor="b">
+                    <a:lnL w="12700" cap="flat" cmpd="sng" algn="ctr">
+                      <a:solidFill>
+                        <a:schemeClr val="tx1"/>
+                      </a:solidFill>
+                      <a:prstDash val="solid"/>
+                      <a:round/>
+                      <a:headEnd type="none" w="med" len="med"/>
+                      <a:tailEnd type="none" w="med" len="med"/>
+                    </a:lnL>
+                    <a:lnR w="12700" cap="flat" cmpd="sng" algn="ctr">
+                      <a:solidFill>
+                        <a:schemeClr val="tx1"/>
+                      </a:solidFill>
+                      <a:prstDash val="solid"/>
+                      <a:round/>
+                      <a:headEnd type="none" w="med" len="med"/>
+                      <a:tailEnd type="none" w="med" len="med"/>
+                    </a:lnR>
+                    <a:lnT w="12700" cap="flat" cmpd="sng" algn="ctr">
+                      <a:solidFill>
+                        <a:schemeClr val="tx1"/>
+                      </a:solidFill>
+                      <a:prstDash val="solid"/>
+                      <a:round/>
+                      <a:headEnd type="none" w="med" len="med"/>
+                      <a:tailEnd type="none" w="med" len="med"/>
+                    </a:lnT>
+                    <a:lnB w="12700" cap="flat" cmpd="sng" algn="ctr">
+                      <a:solidFill>
+                        <a:schemeClr val="tx1"/>
+                      </a:solidFill>
+                      <a:prstDash val="solid"/>
+                      <a:round/>
+                      <a:headEnd type="none" w="med" len="med"/>
+                      <a:tailEnd type="none" w="med" len="med"/>
+                    </a:lnB>
+                    <a:solidFill>
+                      <a:srgbClr val="B7E1CD"/>
+                    </a:solidFill>
+                  </a:tcPr>
+                </a:tc>
+                <a:tc>
+                  <a:txBody>
+                    <a:bodyPr/>
+                    <a:lstStyle/>
+                    <a:p>
+                      <a:pPr algn="ctr" rtl="0" fontAlgn="b"/>
+                      <a:r>
+                        <a:rPr lang="en-US" altLang="zh-TW" sz="1400" b="0">
+                          <a:effectLst/>
+                          <a:latin typeface="Arial" panose="020B0604020202020204" pitchFamily="34" charset="0"/>
+                        </a:rPr>
+                        <a:t>7985.49</a:t>
+                      </a:r>
+                    </a:p>
+                  </a:txBody>
+                  <a:tcPr marL="28575" marR="28575" marT="19050" marB="19050" anchor="b">
+                    <a:lnL w="12700" cap="flat" cmpd="sng" algn="ctr">
+                      <a:solidFill>
+                        <a:schemeClr val="tx1"/>
+                      </a:solidFill>
+                      <a:prstDash val="solid"/>
+                      <a:round/>
+                      <a:headEnd type="none" w="med" len="med"/>
+                      <a:tailEnd type="none" w="med" len="med"/>
+                    </a:lnL>
+                    <a:lnR w="12700" cap="flat" cmpd="sng" algn="ctr">
+                      <a:solidFill>
+                        <a:schemeClr val="tx1"/>
+                      </a:solidFill>
+                      <a:prstDash val="solid"/>
+                      <a:round/>
+                      <a:headEnd type="none" w="med" len="med"/>
+                      <a:tailEnd type="none" w="med" len="med"/>
+                    </a:lnR>
+                    <a:lnT w="12700" cap="flat" cmpd="sng" algn="ctr">
+                      <a:solidFill>
+                        <a:schemeClr val="tx1"/>
+                      </a:solidFill>
+                      <a:prstDash val="solid"/>
+                      <a:round/>
+                      <a:headEnd type="none" w="med" len="med"/>
+                      <a:tailEnd type="none" w="med" len="med"/>
+                    </a:lnT>
+                    <a:lnB w="12700" cap="flat" cmpd="sng" algn="ctr">
+                      <a:solidFill>
+                        <a:schemeClr val="tx1"/>
+                      </a:solidFill>
+                      <a:prstDash val="solid"/>
+                      <a:round/>
+                      <a:headEnd type="none" w="med" len="med"/>
+                      <a:tailEnd type="none" w="med" len="med"/>
+                    </a:lnB>
+                    <a:solidFill>
+                      <a:srgbClr val="B7E1CD"/>
+                    </a:solidFill>
+                  </a:tcPr>
+                </a:tc>
+                <a:tc>
+                  <a:txBody>
+                    <a:bodyPr/>
+                    <a:lstStyle/>
+                    <a:p>
+                      <a:pPr algn="ctr" rtl="0" fontAlgn="b"/>
+                      <a:r>
+                        <a:rPr lang="en-US" altLang="zh-TW" sz="1400" b="0">
+                          <a:effectLst/>
+                          <a:latin typeface="Arial" panose="020B0604020202020204" pitchFamily="34" charset="0"/>
+                        </a:rPr>
+                        <a:t>0.8013</a:t>
+                      </a:r>
+                    </a:p>
+                  </a:txBody>
+                  <a:tcPr marL="28575" marR="28575" marT="19050" marB="19050" anchor="b">
+                    <a:lnL w="12700" cap="flat" cmpd="sng" algn="ctr">
+                      <a:solidFill>
+                        <a:schemeClr val="tx1"/>
+                      </a:solidFill>
+                      <a:prstDash val="solid"/>
+                      <a:round/>
+                      <a:headEnd type="none" w="med" len="med"/>
+                      <a:tailEnd type="none" w="med" len="med"/>
+                    </a:lnL>
+                    <a:lnR w="12700" cap="flat" cmpd="sng" algn="ctr">
+                      <a:solidFill>
+                        <a:schemeClr val="tx1"/>
+                      </a:solidFill>
+                      <a:prstDash val="solid"/>
+                      <a:round/>
+                      <a:headEnd type="none" w="med" len="med"/>
+                      <a:tailEnd type="none" w="med" len="med"/>
+                    </a:lnR>
+                    <a:lnT w="12700" cap="flat" cmpd="sng" algn="ctr">
+                      <a:solidFill>
+                        <a:schemeClr val="tx1"/>
+                      </a:solidFill>
+                      <a:prstDash val="solid"/>
+                      <a:round/>
+                      <a:headEnd type="none" w="med" len="med"/>
+                      <a:tailEnd type="none" w="med" len="med"/>
+                    </a:lnT>
+                    <a:lnB w="12700" cap="flat" cmpd="sng" algn="ctr">
+                      <a:solidFill>
+                        <a:schemeClr val="tx1"/>
+                      </a:solidFill>
+                      <a:prstDash val="solid"/>
+                      <a:round/>
+                      <a:headEnd type="none" w="med" len="med"/>
+                      <a:tailEnd type="none" w="med" len="med"/>
+                    </a:lnB>
+                    <a:solidFill>
+                      <a:srgbClr val="B7E1CD"/>
+                    </a:solidFill>
+                  </a:tcPr>
+                </a:tc>
+                <a:tc>
+                  <a:txBody>
+                    <a:bodyPr/>
+                    <a:lstStyle/>
+                    <a:p>
+                      <a:pPr algn="ctr" rtl="0" fontAlgn="b"/>
+                      <a:r>
+                        <a:rPr lang="en-US" altLang="zh-TW" sz="1400" b="0">
+                          <a:effectLst/>
+                          <a:latin typeface="Arial" panose="020B0604020202020204" pitchFamily="34" charset="0"/>
+                        </a:rPr>
+                        <a:t>0.0005</a:t>
+                      </a:r>
+                    </a:p>
+                  </a:txBody>
+                  <a:tcPr marL="28575" marR="28575" marT="19050" marB="19050" anchor="b">
+                    <a:lnL w="12700" cap="flat" cmpd="sng" algn="ctr">
+                      <a:solidFill>
+                        <a:schemeClr val="tx1"/>
+                      </a:solidFill>
+                      <a:prstDash val="solid"/>
+                      <a:round/>
+                      <a:headEnd type="none" w="med" len="med"/>
+                      <a:tailEnd type="none" w="med" len="med"/>
+                    </a:lnL>
+                    <a:lnR w="12700" cap="flat" cmpd="sng" algn="ctr">
+                      <a:solidFill>
+                        <a:schemeClr val="tx1"/>
+                      </a:solidFill>
+                      <a:prstDash val="solid"/>
+                      <a:round/>
+                      <a:headEnd type="none" w="med" len="med"/>
+                      <a:tailEnd type="none" w="med" len="med"/>
+                    </a:lnR>
+                    <a:lnT w="12700" cap="flat" cmpd="sng" algn="ctr">
+                      <a:solidFill>
+                        <a:schemeClr val="tx1"/>
+                      </a:solidFill>
+                      <a:prstDash val="solid"/>
+                      <a:round/>
+                      <a:headEnd type="none" w="med" len="med"/>
+                      <a:tailEnd type="none" w="med" len="med"/>
+                    </a:lnT>
+                    <a:lnB w="12700" cap="flat" cmpd="sng" algn="ctr">
+                      <a:solidFill>
+                        <a:schemeClr val="tx1"/>
+                      </a:solidFill>
+                      <a:prstDash val="solid"/>
+                      <a:round/>
+                      <a:headEnd type="none" w="med" len="med"/>
+                      <a:tailEnd type="none" w="med" len="med"/>
+                    </a:lnB>
+                    <a:solidFill>
+                      <a:srgbClr val="B7E1CD"/>
+                    </a:solidFill>
+                  </a:tcPr>
+                </a:tc>
+                <a:tc>
+                  <a:txBody>
+                    <a:bodyPr/>
+                    <a:lstStyle/>
+                    <a:p>
+                      <a:pPr algn="ctr" rtl="0" fontAlgn="b"/>
+                      <a:r>
+                        <a:rPr lang="en-US" altLang="zh-TW" sz="1400" b="0">
+                          <a:effectLst/>
+                          <a:latin typeface="Arial" panose="020B0604020202020204" pitchFamily="34" charset="0"/>
+                        </a:rPr>
+                        <a:t>809.8524</a:t>
+                      </a:r>
+                    </a:p>
+                  </a:txBody>
+                  <a:tcPr marL="28575" marR="28575" marT="19050" marB="19050" anchor="b">
+                    <a:lnL w="12700" cap="flat" cmpd="sng" algn="ctr">
+                      <a:solidFill>
+                        <a:schemeClr val="tx1"/>
+                      </a:solidFill>
+                      <a:prstDash val="solid"/>
+                      <a:round/>
+                      <a:headEnd type="none" w="med" len="med"/>
+                      <a:tailEnd type="none" w="med" len="med"/>
+                    </a:lnL>
+                    <a:lnR w="12700" cap="flat" cmpd="sng" algn="ctr">
+                      <a:solidFill>
+                        <a:schemeClr val="tx1"/>
+                      </a:solidFill>
+                      <a:prstDash val="solid"/>
+                      <a:round/>
+                      <a:headEnd type="none" w="med" len="med"/>
+                      <a:tailEnd type="none" w="med" len="med"/>
+                    </a:lnR>
+                    <a:lnT w="12700" cap="flat" cmpd="sng" algn="ctr">
+                      <a:solidFill>
+                        <a:schemeClr val="tx1"/>
+                      </a:solidFill>
+                      <a:prstDash val="solid"/>
+                      <a:round/>
+                      <a:headEnd type="none" w="med" len="med"/>
+                      <a:tailEnd type="none" w="med" len="med"/>
+                    </a:lnT>
+                    <a:lnB w="12700" cap="flat" cmpd="sng" algn="ctr">
+                      <a:solidFill>
+                        <a:schemeClr val="tx1"/>
+                      </a:solidFill>
+                      <a:prstDash val="solid"/>
+                      <a:round/>
+                      <a:headEnd type="none" w="med" len="med"/>
+                      <a:tailEnd type="none" w="med" len="med"/>
+                    </a:lnB>
+                    <a:solidFill>
+                      <a:srgbClr val="F4C7C3"/>
+                    </a:solidFill>
+                  </a:tcPr>
+                </a:tc>
+                <a:tc>
+                  <a:txBody>
+                    <a:bodyPr/>
+                    <a:lstStyle/>
+                    <a:p>
+                      <a:pPr algn="ctr" rtl="0" fontAlgn="b"/>
+                      <a:r>
+                        <a:rPr lang="en-US" altLang="zh-TW" sz="1400" b="0">
+                          <a:effectLst/>
+                          <a:latin typeface="Arial" panose="020B0604020202020204" pitchFamily="34" charset="0"/>
+                        </a:rPr>
+                        <a:t>223.4199</a:t>
+                      </a:r>
+                    </a:p>
+                  </a:txBody>
+                  <a:tcPr marL="28575" marR="28575" marT="19050" marB="19050" anchor="b">
+                    <a:lnL w="12700" cap="flat" cmpd="sng" algn="ctr">
+                      <a:solidFill>
+                        <a:schemeClr val="tx1"/>
+                      </a:solidFill>
+                      <a:prstDash val="solid"/>
+                      <a:round/>
+                      <a:headEnd type="none" w="med" len="med"/>
+                      <a:tailEnd type="none" w="med" len="med"/>
+                    </a:lnL>
+                    <a:lnR w="12700" cap="flat" cmpd="sng" algn="ctr">
+                      <a:solidFill>
+                        <a:schemeClr val="tx1"/>
+                      </a:solidFill>
+                      <a:prstDash val="solid"/>
+                      <a:round/>
+                      <a:headEnd type="none" w="med" len="med"/>
+                      <a:tailEnd type="none" w="med" len="med"/>
+                    </a:lnR>
+                    <a:lnT w="12700" cap="flat" cmpd="sng" algn="ctr">
+                      <a:solidFill>
+                        <a:schemeClr val="tx1"/>
+                      </a:solidFill>
+                      <a:prstDash val="solid"/>
+                      <a:round/>
+                      <a:headEnd type="none" w="med" len="med"/>
+                      <a:tailEnd type="none" w="med" len="med"/>
+                    </a:lnT>
+                    <a:lnB w="12700" cap="flat" cmpd="sng" algn="ctr">
+                      <a:solidFill>
+                        <a:schemeClr val="tx1"/>
+                      </a:solidFill>
+                      <a:prstDash val="solid"/>
+                      <a:round/>
+                      <a:headEnd type="none" w="med" len="med"/>
+                      <a:tailEnd type="none" w="med" len="med"/>
+                    </a:lnB>
+                    <a:solidFill>
+                      <a:srgbClr val="B7E1CD"/>
+                    </a:solidFill>
+                  </a:tcPr>
+                </a:tc>
+                <a:tc>
+                  <a:txBody>
+                    <a:bodyPr/>
+                    <a:lstStyle/>
+                    <a:p>
+                      <a:pPr algn="ctr" rtl="0" fontAlgn="b"/>
+                      <a:r>
+                        <a:rPr lang="en-US" altLang="zh-TW" sz="1400" b="0">
+                          <a:effectLst/>
+                          <a:latin typeface="Arial" panose="020B0604020202020204" pitchFamily="34" charset="0"/>
+                        </a:rPr>
+                        <a:t>0.8095</a:t>
+                      </a:r>
+                    </a:p>
+                  </a:txBody>
+                  <a:tcPr marL="28575" marR="28575" marT="19050" marB="19050" anchor="b">
+                    <a:lnL w="12700" cap="flat" cmpd="sng" algn="ctr">
+                      <a:solidFill>
+                        <a:schemeClr val="tx1"/>
+                      </a:solidFill>
+                      <a:prstDash val="solid"/>
+                      <a:round/>
+                      <a:headEnd type="none" w="med" len="med"/>
+                      <a:tailEnd type="none" w="med" len="med"/>
+                    </a:lnL>
+                    <a:lnR w="12700" cap="flat" cmpd="sng" algn="ctr">
+                      <a:solidFill>
+                        <a:schemeClr val="tx1"/>
+                      </a:solidFill>
+                      <a:prstDash val="solid"/>
+                      <a:round/>
+                      <a:headEnd type="none" w="med" len="med"/>
+                      <a:tailEnd type="none" w="med" len="med"/>
+                    </a:lnR>
+                    <a:lnT w="12700" cap="flat" cmpd="sng" algn="ctr">
+                      <a:solidFill>
+                        <a:schemeClr val="tx1"/>
+                      </a:solidFill>
+                      <a:prstDash val="solid"/>
+                      <a:round/>
+                      <a:headEnd type="none" w="med" len="med"/>
+                      <a:tailEnd type="none" w="med" len="med"/>
+                    </a:lnT>
+                    <a:lnB w="12700" cap="flat" cmpd="sng" algn="ctr">
+                      <a:solidFill>
+                        <a:schemeClr val="tx1"/>
+                      </a:solidFill>
+                      <a:prstDash val="solid"/>
+                      <a:round/>
+                      <a:headEnd type="none" w="med" len="med"/>
+                      <a:tailEnd type="none" w="med" len="med"/>
+                    </a:lnB>
+                    <a:solidFill>
+                      <a:srgbClr val="B7E1CD"/>
+                    </a:solidFill>
+                  </a:tcPr>
+                </a:tc>
+                <a:extLst>
+                  <a:ext uri="{0D108BD9-81ED-4DB2-BD59-A6C34878D82A}">
+                    <a16:rowId xmlns:a16="http://schemas.microsoft.com/office/drawing/2014/main" val="160811947"/>
+                  </a:ext>
+                </a:extLst>
+              </a:tr>
+              <a:tr h="200025">
+                <a:tc>
+                  <a:txBody>
+                    <a:bodyPr/>
+                    <a:lstStyle/>
+                    <a:p>
+                      <a:pPr algn="ctr" rtl="0" fontAlgn="b"/>
+                      <a:r>
+                        <a:rPr lang="en-US" altLang="zh-TW" sz="1400" b="0">
+                          <a:effectLst/>
+                          <a:latin typeface="Arial" panose="020B0604020202020204" pitchFamily="34" charset="0"/>
+                        </a:rPr>
+                        <a:t>4</a:t>
+                      </a:r>
+                    </a:p>
+                  </a:txBody>
+                  <a:tcPr marL="28575" marR="28575" marT="19050" marB="19050" anchor="b">
+                    <a:lnL w="12700" cap="flat" cmpd="sng" algn="ctr">
+                      <a:solidFill>
+                        <a:schemeClr val="tx1"/>
+                      </a:solidFill>
+                      <a:prstDash val="solid"/>
+                      <a:round/>
+                      <a:headEnd type="none" w="med" len="med"/>
+                      <a:tailEnd type="none" w="med" len="med"/>
+                    </a:lnL>
+                    <a:lnR w="12700" cap="flat" cmpd="sng" algn="ctr">
+                      <a:solidFill>
+                        <a:schemeClr val="tx1"/>
+                      </a:solidFill>
+                      <a:prstDash val="solid"/>
+                      <a:round/>
+                      <a:headEnd type="none" w="med" len="med"/>
+                      <a:tailEnd type="none" w="med" len="med"/>
+                    </a:lnR>
+                    <a:lnT w="12700" cap="flat" cmpd="sng" algn="ctr">
+                      <a:solidFill>
+                        <a:schemeClr val="tx1"/>
+                      </a:solidFill>
+                      <a:prstDash val="solid"/>
+                      <a:round/>
+                      <a:headEnd type="none" w="med" len="med"/>
+                      <a:tailEnd type="none" w="med" len="med"/>
+                    </a:lnT>
+                    <a:lnB w="12700" cap="flat" cmpd="sng" algn="ctr">
+                      <a:solidFill>
+                        <a:schemeClr val="tx1"/>
+                      </a:solidFill>
+                      <a:prstDash val="solid"/>
+                      <a:round/>
+                      <a:headEnd type="none" w="med" len="med"/>
+                      <a:tailEnd type="none" w="med" len="med"/>
+                    </a:lnB>
+                  </a:tcPr>
+                </a:tc>
+                <a:tc>
+                  <a:txBody>
+                    <a:bodyPr/>
+                    <a:lstStyle/>
+                    <a:p>
+                      <a:pPr algn="ctr" rtl="0" fontAlgn="b"/>
+                      <a:r>
+                        <a:rPr lang="en-US" altLang="zh-TW" sz="1400" b="0">
+                          <a:effectLst/>
+                          <a:latin typeface="Arial" panose="020B0604020202020204" pitchFamily="34" charset="0"/>
+                        </a:rPr>
+                        <a:t>2.3406</a:t>
+                      </a:r>
+                    </a:p>
+                  </a:txBody>
+                  <a:tcPr marL="28575" marR="28575" marT="19050" marB="19050" anchor="b">
+                    <a:lnL w="12700" cap="flat" cmpd="sng" algn="ctr">
+                      <a:solidFill>
+                        <a:schemeClr val="tx1"/>
+                      </a:solidFill>
+                      <a:prstDash val="solid"/>
+                      <a:round/>
+                      <a:headEnd type="none" w="med" len="med"/>
+                      <a:tailEnd type="none" w="med" len="med"/>
+                    </a:lnL>
+                    <a:lnR w="12700" cap="flat" cmpd="sng" algn="ctr">
+                      <a:solidFill>
+                        <a:schemeClr val="tx1"/>
+                      </a:solidFill>
+                      <a:prstDash val="solid"/>
+                      <a:round/>
+                      <a:headEnd type="none" w="med" len="med"/>
+                      <a:tailEnd type="none" w="med" len="med"/>
+                    </a:lnR>
+                    <a:lnT w="12700" cap="flat" cmpd="sng" algn="ctr">
+                      <a:solidFill>
+                        <a:schemeClr val="tx1"/>
+                      </a:solidFill>
+                      <a:prstDash val="solid"/>
+                      <a:round/>
+                      <a:headEnd type="none" w="med" len="med"/>
+                      <a:tailEnd type="none" w="med" len="med"/>
+                    </a:lnT>
+                    <a:lnB w="12700" cap="flat" cmpd="sng" algn="ctr">
+                      <a:solidFill>
+                        <a:schemeClr val="tx1"/>
+                      </a:solidFill>
+                      <a:prstDash val="solid"/>
+                      <a:round/>
+                      <a:headEnd type="none" w="med" len="med"/>
+                      <a:tailEnd type="none" w="med" len="med"/>
+                    </a:lnB>
+                    <a:solidFill>
+                      <a:srgbClr val="B7E1CD"/>
+                    </a:solidFill>
+                  </a:tcPr>
+                </a:tc>
+                <a:tc>
+                  <a:txBody>
+                    <a:bodyPr/>
+                    <a:lstStyle/>
+                    <a:p>
+                      <a:pPr algn="ctr" rtl="0" fontAlgn="b"/>
+                      <a:r>
+                        <a:rPr lang="en-US" altLang="zh-TW" sz="1400" b="0">
+                          <a:effectLst/>
+                          <a:latin typeface="Arial" panose="020B0604020202020204" pitchFamily="34" charset="0"/>
+                        </a:rPr>
+                        <a:t>0</a:t>
+                      </a:r>
+                    </a:p>
+                  </a:txBody>
+                  <a:tcPr marL="28575" marR="28575" marT="19050" marB="19050" anchor="b">
+                    <a:lnL w="12700" cap="flat" cmpd="sng" algn="ctr">
+                      <a:solidFill>
+                        <a:schemeClr val="tx1"/>
+                      </a:solidFill>
+                      <a:prstDash val="solid"/>
+                      <a:round/>
+                      <a:headEnd type="none" w="med" len="med"/>
+                      <a:tailEnd type="none" w="med" len="med"/>
+                    </a:lnL>
+                    <a:lnR w="12700" cap="flat" cmpd="sng" algn="ctr">
+                      <a:solidFill>
+                        <a:schemeClr val="tx1"/>
+                      </a:solidFill>
+                      <a:prstDash val="solid"/>
+                      <a:round/>
+                      <a:headEnd type="none" w="med" len="med"/>
+                      <a:tailEnd type="none" w="med" len="med"/>
+                    </a:lnR>
+                    <a:lnT w="12700" cap="flat" cmpd="sng" algn="ctr">
+                      <a:solidFill>
+                        <a:schemeClr val="tx1"/>
+                      </a:solidFill>
+                      <a:prstDash val="solid"/>
+                      <a:round/>
+                      <a:headEnd type="none" w="med" len="med"/>
+                      <a:tailEnd type="none" w="med" len="med"/>
+                    </a:lnT>
+                    <a:lnB w="12700" cap="flat" cmpd="sng" algn="ctr">
+                      <a:solidFill>
+                        <a:schemeClr val="tx1"/>
+                      </a:solidFill>
+                      <a:prstDash val="solid"/>
+                      <a:round/>
+                      <a:headEnd type="none" w="med" len="med"/>
+                      <a:tailEnd type="none" w="med" len="med"/>
+                    </a:lnB>
+                    <a:solidFill>
+                      <a:srgbClr val="B7E1CD"/>
+                    </a:solidFill>
+                  </a:tcPr>
+                </a:tc>
+                <a:tc>
+                  <a:txBody>
+                    <a:bodyPr/>
+                    <a:lstStyle/>
+                    <a:p>
+                      <a:pPr algn="ctr" rtl="0" fontAlgn="b"/>
+                      <a:r>
+                        <a:rPr lang="en-US" altLang="zh-TW" sz="1400" b="0">
+                          <a:effectLst/>
+                          <a:latin typeface="Arial" panose="020B0604020202020204" pitchFamily="34" charset="0"/>
+                        </a:rPr>
+                        <a:t>0</a:t>
+                      </a:r>
+                    </a:p>
+                  </a:txBody>
+                  <a:tcPr marL="28575" marR="28575" marT="19050" marB="19050" anchor="b">
+                    <a:lnL w="12700" cap="flat" cmpd="sng" algn="ctr">
+                      <a:solidFill>
+                        <a:schemeClr val="tx1"/>
+                      </a:solidFill>
+                      <a:prstDash val="solid"/>
+                      <a:round/>
+                      <a:headEnd type="none" w="med" len="med"/>
+                      <a:tailEnd type="none" w="med" len="med"/>
+                    </a:lnL>
+                    <a:lnR w="12700" cap="flat" cmpd="sng" algn="ctr">
+                      <a:solidFill>
+                        <a:schemeClr val="tx1"/>
+                      </a:solidFill>
+                      <a:prstDash val="solid"/>
+                      <a:round/>
+                      <a:headEnd type="none" w="med" len="med"/>
+                      <a:tailEnd type="none" w="med" len="med"/>
+                    </a:lnR>
+                    <a:lnT w="12700" cap="flat" cmpd="sng" algn="ctr">
+                      <a:solidFill>
+                        <a:schemeClr val="tx1"/>
+                      </a:solidFill>
+                      <a:prstDash val="solid"/>
+                      <a:round/>
+                      <a:headEnd type="none" w="med" len="med"/>
+                      <a:tailEnd type="none" w="med" len="med"/>
+                    </a:lnT>
+                    <a:lnB w="12700" cap="flat" cmpd="sng" algn="ctr">
+                      <a:solidFill>
+                        <a:schemeClr val="tx1"/>
+                      </a:solidFill>
+                      <a:prstDash val="solid"/>
+                      <a:round/>
+                      <a:headEnd type="none" w="med" len="med"/>
+                      <a:tailEnd type="none" w="med" len="med"/>
+                    </a:lnB>
+                  </a:tcPr>
+                </a:tc>
+                <a:tc>
+                  <a:txBody>
+                    <a:bodyPr/>
+                    <a:lstStyle/>
+                    <a:p>
+                      <a:pPr algn="ctr" rtl="0" fontAlgn="b"/>
+                      <a:r>
+                        <a:rPr lang="en-US" altLang="zh-TW" sz="1400" b="0">
+                          <a:effectLst/>
+                          <a:latin typeface="Arial" panose="020B0604020202020204" pitchFamily="34" charset="0"/>
+                        </a:rPr>
+                        <a:t>0.0009</a:t>
+                      </a:r>
+                    </a:p>
+                  </a:txBody>
+                  <a:tcPr marL="28575" marR="28575" marT="19050" marB="19050" anchor="b">
+                    <a:lnL w="12700" cap="flat" cmpd="sng" algn="ctr">
+                      <a:solidFill>
+                        <a:schemeClr val="tx1"/>
+                      </a:solidFill>
+                      <a:prstDash val="solid"/>
+                      <a:round/>
+                      <a:headEnd type="none" w="med" len="med"/>
+                      <a:tailEnd type="none" w="med" len="med"/>
+                    </a:lnL>
+                    <a:lnR w="12700" cap="flat" cmpd="sng" algn="ctr">
+                      <a:solidFill>
+                        <a:schemeClr val="tx1"/>
+                      </a:solidFill>
+                      <a:prstDash val="solid"/>
+                      <a:round/>
+                      <a:headEnd type="none" w="med" len="med"/>
+                      <a:tailEnd type="none" w="med" len="med"/>
+                    </a:lnR>
+                    <a:lnT w="12700" cap="flat" cmpd="sng" algn="ctr">
+                      <a:solidFill>
+                        <a:schemeClr val="tx1"/>
+                      </a:solidFill>
+                      <a:prstDash val="solid"/>
+                      <a:round/>
+                      <a:headEnd type="none" w="med" len="med"/>
+                      <a:tailEnd type="none" w="med" len="med"/>
+                    </a:lnT>
+                    <a:lnB w="12700" cap="flat" cmpd="sng" algn="ctr">
+                      <a:solidFill>
+                        <a:schemeClr val="tx1"/>
+                      </a:solidFill>
+                      <a:prstDash val="solid"/>
+                      <a:round/>
+                      <a:headEnd type="none" w="med" len="med"/>
+                      <a:tailEnd type="none" w="med" len="med"/>
+                    </a:lnB>
+                    <a:solidFill>
+                      <a:srgbClr val="B7E1CD"/>
+                    </a:solidFill>
+                  </a:tcPr>
+                </a:tc>
+                <a:tc>
+                  <a:txBody>
+                    <a:bodyPr/>
+                    <a:lstStyle/>
+                    <a:p>
+                      <a:pPr algn="ctr" rtl="0" fontAlgn="b"/>
+                      <a:r>
+                        <a:rPr lang="en-US" altLang="zh-TW" sz="1400" b="0">
+                          <a:effectLst/>
+                          <a:latin typeface="Arial" panose="020B0604020202020204" pitchFamily="34" charset="0"/>
+                        </a:rPr>
+                        <a:t>0</a:t>
+                      </a:r>
+                    </a:p>
+                  </a:txBody>
+                  <a:tcPr marL="28575" marR="28575" marT="19050" marB="19050" anchor="b">
+                    <a:lnL w="12700" cap="flat" cmpd="sng" algn="ctr">
+                      <a:solidFill>
+                        <a:schemeClr val="tx1"/>
+                      </a:solidFill>
+                      <a:prstDash val="solid"/>
+                      <a:round/>
+                      <a:headEnd type="none" w="med" len="med"/>
+                      <a:tailEnd type="none" w="med" len="med"/>
+                    </a:lnL>
+                    <a:lnR w="12700" cap="flat" cmpd="sng" algn="ctr">
+                      <a:solidFill>
+                        <a:schemeClr val="tx1"/>
+                      </a:solidFill>
+                      <a:prstDash val="solid"/>
+                      <a:round/>
+                      <a:headEnd type="none" w="med" len="med"/>
+                      <a:tailEnd type="none" w="med" len="med"/>
+                    </a:lnR>
+                    <a:lnT w="12700" cap="flat" cmpd="sng" algn="ctr">
+                      <a:solidFill>
+                        <a:schemeClr val="tx1"/>
+                      </a:solidFill>
+                      <a:prstDash val="solid"/>
+                      <a:round/>
+                      <a:headEnd type="none" w="med" len="med"/>
+                      <a:tailEnd type="none" w="med" len="med"/>
+                    </a:lnT>
+                    <a:lnB w="12700" cap="flat" cmpd="sng" algn="ctr">
+                      <a:solidFill>
+                        <a:schemeClr val="tx1"/>
+                      </a:solidFill>
+                      <a:prstDash val="solid"/>
+                      <a:round/>
+                      <a:headEnd type="none" w="med" len="med"/>
+                      <a:tailEnd type="none" w="med" len="med"/>
+                    </a:lnB>
+                  </a:tcPr>
+                </a:tc>
+                <a:tc>
+                  <a:txBody>
+                    <a:bodyPr/>
+                    <a:lstStyle/>
+                    <a:p>
+                      <a:pPr algn="ctr" rtl="0" fontAlgn="b"/>
+                      <a:r>
+                        <a:rPr lang="en-US" altLang="zh-TW" sz="1400" b="0">
+                          <a:effectLst/>
+                          <a:latin typeface="Arial" panose="020B0604020202020204" pitchFamily="34" charset="0"/>
+                        </a:rPr>
+                        <a:t>12.4427</a:t>
+                      </a:r>
+                    </a:p>
+                  </a:txBody>
+                  <a:tcPr marL="28575" marR="28575" marT="19050" marB="19050" anchor="b">
+                    <a:lnL w="12700" cap="flat" cmpd="sng" algn="ctr">
+                      <a:solidFill>
+                        <a:schemeClr val="tx1"/>
+                      </a:solidFill>
+                      <a:prstDash val="solid"/>
+                      <a:round/>
+                      <a:headEnd type="none" w="med" len="med"/>
+                      <a:tailEnd type="none" w="med" len="med"/>
+                    </a:lnL>
+                    <a:lnR w="12700" cap="flat" cmpd="sng" algn="ctr">
+                      <a:solidFill>
+                        <a:schemeClr val="tx1"/>
+                      </a:solidFill>
+                      <a:prstDash val="solid"/>
+                      <a:round/>
+                      <a:headEnd type="none" w="med" len="med"/>
+                      <a:tailEnd type="none" w="med" len="med"/>
+                    </a:lnR>
+                    <a:lnT w="12700" cap="flat" cmpd="sng" algn="ctr">
+                      <a:solidFill>
+                        <a:schemeClr val="tx1"/>
+                      </a:solidFill>
+                      <a:prstDash val="solid"/>
+                      <a:round/>
+                      <a:headEnd type="none" w="med" len="med"/>
+                      <a:tailEnd type="none" w="med" len="med"/>
+                    </a:lnT>
+                    <a:lnB w="12700" cap="flat" cmpd="sng" algn="ctr">
+                      <a:solidFill>
+                        <a:schemeClr val="tx1"/>
+                      </a:solidFill>
+                      <a:prstDash val="solid"/>
+                      <a:round/>
+                      <a:headEnd type="none" w="med" len="med"/>
+                      <a:tailEnd type="none" w="med" len="med"/>
+                    </a:lnB>
+                  </a:tcPr>
+                </a:tc>
+                <a:tc>
+                  <a:txBody>
+                    <a:bodyPr/>
+                    <a:lstStyle/>
+                    <a:p>
+                      <a:pPr algn="ctr" rtl="0" fontAlgn="b"/>
+                      <a:r>
+                        <a:rPr lang="en-US" altLang="zh-TW" sz="1400" b="0">
+                          <a:effectLst/>
+                          <a:latin typeface="Arial" panose="020B0604020202020204" pitchFamily="34" charset="0"/>
+                        </a:rPr>
+                        <a:t>0.6687</a:t>
+                      </a:r>
+                    </a:p>
+                  </a:txBody>
+                  <a:tcPr marL="28575" marR="28575" marT="19050" marB="19050" anchor="b">
+                    <a:lnL w="12700" cap="flat" cmpd="sng" algn="ctr">
+                      <a:solidFill>
+                        <a:schemeClr val="tx1"/>
+                      </a:solidFill>
+                      <a:prstDash val="solid"/>
+                      <a:round/>
+                      <a:headEnd type="none" w="med" len="med"/>
+                      <a:tailEnd type="none" w="med" len="med"/>
+                    </a:lnL>
+                    <a:lnR w="12700" cap="flat" cmpd="sng" algn="ctr">
+                      <a:solidFill>
+                        <a:schemeClr val="tx1"/>
+                      </a:solidFill>
+                      <a:prstDash val="solid"/>
+                      <a:round/>
+                      <a:headEnd type="none" w="med" len="med"/>
+                      <a:tailEnd type="none" w="med" len="med"/>
+                    </a:lnR>
+                    <a:lnT w="12700" cap="flat" cmpd="sng" algn="ctr">
+                      <a:solidFill>
+                        <a:schemeClr val="tx1"/>
+                      </a:solidFill>
+                      <a:prstDash val="solid"/>
+                      <a:round/>
+                      <a:headEnd type="none" w="med" len="med"/>
+                      <a:tailEnd type="none" w="med" len="med"/>
+                    </a:lnT>
+                    <a:lnB w="12700" cap="flat" cmpd="sng" algn="ctr">
+                      <a:solidFill>
+                        <a:schemeClr val="tx1"/>
+                      </a:solidFill>
+                      <a:prstDash val="solid"/>
+                      <a:round/>
+                      <a:headEnd type="none" w="med" len="med"/>
+                      <a:tailEnd type="none" w="med" len="med"/>
+                    </a:lnB>
+                    <a:solidFill>
+                      <a:srgbClr val="B7E1CD"/>
+                    </a:solidFill>
+                  </a:tcPr>
+                </a:tc>
+                <a:extLst>
+                  <a:ext uri="{0D108BD9-81ED-4DB2-BD59-A6C34878D82A}">
+                    <a16:rowId xmlns:a16="http://schemas.microsoft.com/office/drawing/2014/main" val="1106692130"/>
+                  </a:ext>
+                </a:extLst>
+              </a:tr>
+              <a:tr h="200025">
+                <a:tc>
+                  <a:txBody>
+                    <a:bodyPr/>
+                    <a:lstStyle/>
+                    <a:p>
+                      <a:pPr algn="ctr" rtl="0" fontAlgn="b"/>
+                      <a:r>
+                        <a:rPr lang="en-US" altLang="zh-TW" sz="1400" b="0">
+                          <a:effectLst/>
+                          <a:latin typeface="Arial" panose="020B0604020202020204" pitchFamily="34" charset="0"/>
+                        </a:rPr>
+                        <a:t>5</a:t>
+                      </a:r>
+                    </a:p>
+                  </a:txBody>
+                  <a:tcPr marL="28575" marR="28575" marT="19050" marB="19050" anchor="b">
+                    <a:lnL w="12700" cap="flat" cmpd="sng" algn="ctr">
+                      <a:solidFill>
+                        <a:schemeClr val="tx1"/>
+                      </a:solidFill>
+                      <a:prstDash val="solid"/>
+                      <a:round/>
+                      <a:headEnd type="none" w="med" len="med"/>
+                      <a:tailEnd type="none" w="med" len="med"/>
+                    </a:lnL>
+                    <a:lnR w="12700" cap="flat" cmpd="sng" algn="ctr">
+                      <a:solidFill>
+                        <a:schemeClr val="tx1"/>
+                      </a:solidFill>
+                      <a:prstDash val="solid"/>
+                      <a:round/>
+                      <a:headEnd type="none" w="med" len="med"/>
+                      <a:tailEnd type="none" w="med" len="med"/>
+                    </a:lnR>
+                    <a:lnT w="12700" cap="flat" cmpd="sng" algn="ctr">
+                      <a:solidFill>
+                        <a:schemeClr val="tx1"/>
+                      </a:solidFill>
+                      <a:prstDash val="solid"/>
+                      <a:round/>
+                      <a:headEnd type="none" w="med" len="med"/>
+                      <a:tailEnd type="none" w="med" len="med"/>
+                    </a:lnT>
+                    <a:lnB w="12700" cap="flat" cmpd="sng" algn="ctr">
+                      <a:solidFill>
+                        <a:schemeClr val="tx1"/>
+                      </a:solidFill>
+                      <a:prstDash val="solid"/>
+                      <a:round/>
+                      <a:headEnd type="none" w="med" len="med"/>
+                      <a:tailEnd type="none" w="med" len="med"/>
+                    </a:lnB>
+                  </a:tcPr>
+                </a:tc>
+                <a:tc>
+                  <a:txBody>
+                    <a:bodyPr/>
+                    <a:lstStyle/>
+                    <a:p>
+                      <a:pPr algn="ctr" rtl="0" fontAlgn="b"/>
+                      <a:r>
+                        <a:rPr lang="en-US" altLang="zh-TW" sz="1400" b="0">
+                          <a:effectLst/>
+                          <a:latin typeface="Arial" panose="020B0604020202020204" pitchFamily="34" charset="0"/>
+                        </a:rPr>
+                        <a:t>8.9133</a:t>
+                      </a:r>
+                    </a:p>
+                  </a:txBody>
+                  <a:tcPr marL="28575" marR="28575" marT="19050" marB="19050" anchor="b">
+                    <a:lnL w="12700" cap="flat" cmpd="sng" algn="ctr">
+                      <a:solidFill>
+                        <a:schemeClr val="tx1"/>
+                      </a:solidFill>
+                      <a:prstDash val="solid"/>
+                      <a:round/>
+                      <a:headEnd type="none" w="med" len="med"/>
+                      <a:tailEnd type="none" w="med" len="med"/>
+                    </a:lnL>
+                    <a:lnR w="12700" cap="flat" cmpd="sng" algn="ctr">
+                      <a:solidFill>
+                        <a:schemeClr val="tx1"/>
+                      </a:solidFill>
+                      <a:prstDash val="solid"/>
+                      <a:round/>
+                      <a:headEnd type="none" w="med" len="med"/>
+                      <a:tailEnd type="none" w="med" len="med"/>
+                    </a:lnR>
+                    <a:lnT w="12700" cap="flat" cmpd="sng" algn="ctr">
+                      <a:solidFill>
+                        <a:schemeClr val="tx1"/>
+                      </a:solidFill>
+                      <a:prstDash val="solid"/>
+                      <a:round/>
+                      <a:headEnd type="none" w="med" len="med"/>
+                      <a:tailEnd type="none" w="med" len="med"/>
+                    </a:lnT>
+                    <a:lnB w="12700" cap="flat" cmpd="sng" algn="ctr">
+                      <a:solidFill>
+                        <a:schemeClr val="tx1"/>
+                      </a:solidFill>
+                      <a:prstDash val="solid"/>
+                      <a:round/>
+                      <a:headEnd type="none" w="med" len="med"/>
+                      <a:tailEnd type="none" w="med" len="med"/>
+                    </a:lnB>
+                    <a:solidFill>
+                      <a:srgbClr val="B7E1CD"/>
+                    </a:solidFill>
+                  </a:tcPr>
+                </a:tc>
+                <a:tc>
+                  <a:txBody>
+                    <a:bodyPr/>
+                    <a:lstStyle/>
+                    <a:p>
+                      <a:pPr algn="ctr" rtl="0" fontAlgn="b"/>
+                      <a:r>
+                        <a:rPr lang="en-US" altLang="zh-TW" sz="1400" b="0">
+                          <a:effectLst/>
+                          <a:latin typeface="Arial" panose="020B0604020202020204" pitchFamily="34" charset="0"/>
+                        </a:rPr>
+                        <a:t>632.25</a:t>
+                      </a:r>
+                    </a:p>
+                  </a:txBody>
+                  <a:tcPr marL="28575" marR="28575" marT="19050" marB="19050" anchor="b">
+                    <a:lnL w="12700" cap="flat" cmpd="sng" algn="ctr">
+                      <a:solidFill>
+                        <a:schemeClr val="tx1"/>
+                      </a:solidFill>
+                      <a:prstDash val="solid"/>
+                      <a:round/>
+                      <a:headEnd type="none" w="med" len="med"/>
+                      <a:tailEnd type="none" w="med" len="med"/>
+                    </a:lnL>
+                    <a:lnR w="12700" cap="flat" cmpd="sng" algn="ctr">
+                      <a:solidFill>
+                        <a:schemeClr val="tx1"/>
+                      </a:solidFill>
+                      <a:prstDash val="solid"/>
+                      <a:round/>
+                      <a:headEnd type="none" w="med" len="med"/>
+                      <a:tailEnd type="none" w="med" len="med"/>
+                    </a:lnR>
+                    <a:lnT w="12700" cap="flat" cmpd="sng" algn="ctr">
+                      <a:solidFill>
+                        <a:schemeClr val="tx1"/>
+                      </a:solidFill>
+                      <a:prstDash val="solid"/>
+                      <a:round/>
+                      <a:headEnd type="none" w="med" len="med"/>
+                      <a:tailEnd type="none" w="med" len="med"/>
+                    </a:lnT>
+                    <a:lnB w="12700" cap="flat" cmpd="sng" algn="ctr">
+                      <a:solidFill>
+                        <a:schemeClr val="tx1"/>
+                      </a:solidFill>
+                      <a:prstDash val="solid"/>
+                      <a:round/>
+                      <a:headEnd type="none" w="med" len="med"/>
+                      <a:tailEnd type="none" w="med" len="med"/>
+                    </a:lnB>
+                    <a:solidFill>
+                      <a:srgbClr val="B7E1CD"/>
+                    </a:solidFill>
+                  </a:tcPr>
+                </a:tc>
+                <a:tc>
+                  <a:txBody>
+                    <a:bodyPr/>
+                    <a:lstStyle/>
+                    <a:p>
+                      <a:pPr algn="ctr" rtl="0" fontAlgn="b"/>
+                      <a:r>
+                        <a:rPr lang="en-US" altLang="zh-TW" sz="1400" b="0">
+                          <a:effectLst/>
+                          <a:latin typeface="Arial" panose="020B0604020202020204" pitchFamily="34" charset="0"/>
+                        </a:rPr>
+                        <a:t>19.3363</a:t>
+                      </a:r>
+                    </a:p>
+                  </a:txBody>
+                  <a:tcPr marL="28575" marR="28575" marT="19050" marB="19050" anchor="b">
+                    <a:lnL w="12700" cap="flat" cmpd="sng" algn="ctr">
+                      <a:solidFill>
+                        <a:schemeClr val="tx1"/>
+                      </a:solidFill>
+                      <a:prstDash val="solid"/>
+                      <a:round/>
+                      <a:headEnd type="none" w="med" len="med"/>
+                      <a:tailEnd type="none" w="med" len="med"/>
+                    </a:lnL>
+                    <a:lnR w="12700" cap="flat" cmpd="sng" algn="ctr">
+                      <a:solidFill>
+                        <a:schemeClr val="tx1"/>
+                      </a:solidFill>
+                      <a:prstDash val="solid"/>
+                      <a:round/>
+                      <a:headEnd type="none" w="med" len="med"/>
+                      <a:tailEnd type="none" w="med" len="med"/>
+                    </a:lnR>
+                    <a:lnT w="12700" cap="flat" cmpd="sng" algn="ctr">
+                      <a:solidFill>
+                        <a:schemeClr val="tx1"/>
+                      </a:solidFill>
+                      <a:prstDash val="solid"/>
+                      <a:round/>
+                      <a:headEnd type="none" w="med" len="med"/>
+                      <a:tailEnd type="none" w="med" len="med"/>
+                    </a:lnT>
+                    <a:lnB w="12700" cap="flat" cmpd="sng" algn="ctr">
+                      <a:solidFill>
+                        <a:schemeClr val="tx1"/>
+                      </a:solidFill>
+                      <a:prstDash val="solid"/>
+                      <a:round/>
+                      <a:headEnd type="none" w="med" len="med"/>
+                      <a:tailEnd type="none" w="med" len="med"/>
+                    </a:lnB>
+                    <a:solidFill>
+                      <a:srgbClr val="B7E1CD"/>
+                    </a:solidFill>
+                  </a:tcPr>
+                </a:tc>
+                <a:tc>
+                  <a:txBody>
+                    <a:bodyPr/>
+                    <a:lstStyle/>
+                    <a:p>
+                      <a:pPr algn="ctr" rtl="0" fontAlgn="b"/>
+                      <a:r>
+                        <a:rPr lang="en-US" altLang="zh-TW" sz="1400" b="0">
+                          <a:effectLst/>
+                          <a:latin typeface="Arial" panose="020B0604020202020204" pitchFamily="34" charset="0"/>
+                        </a:rPr>
+                        <a:t>0.0506</a:t>
+                      </a:r>
+                    </a:p>
+                  </a:txBody>
+                  <a:tcPr marL="28575" marR="28575" marT="19050" marB="19050" anchor="b">
+                    <a:lnL w="12700" cap="flat" cmpd="sng" algn="ctr">
+                      <a:solidFill>
+                        <a:schemeClr val="tx1"/>
+                      </a:solidFill>
+                      <a:prstDash val="solid"/>
+                      <a:round/>
+                      <a:headEnd type="none" w="med" len="med"/>
+                      <a:tailEnd type="none" w="med" len="med"/>
+                    </a:lnL>
+                    <a:lnR w="12700" cap="flat" cmpd="sng" algn="ctr">
+                      <a:solidFill>
+                        <a:schemeClr val="tx1"/>
+                      </a:solidFill>
+                      <a:prstDash val="solid"/>
+                      <a:round/>
+                      <a:headEnd type="none" w="med" len="med"/>
+                      <a:tailEnd type="none" w="med" len="med"/>
+                    </a:lnR>
+                    <a:lnT w="12700" cap="flat" cmpd="sng" algn="ctr">
+                      <a:solidFill>
+                        <a:schemeClr val="tx1"/>
+                      </a:solidFill>
+                      <a:prstDash val="solid"/>
+                      <a:round/>
+                      <a:headEnd type="none" w="med" len="med"/>
+                      <a:tailEnd type="none" w="med" len="med"/>
+                    </a:lnT>
+                    <a:lnB w="12700" cap="flat" cmpd="sng" algn="ctr">
+                      <a:solidFill>
+                        <a:schemeClr val="tx1"/>
+                      </a:solidFill>
+                      <a:prstDash val="solid"/>
+                      <a:round/>
+                      <a:headEnd type="none" w="med" len="med"/>
+                      <a:tailEnd type="none" w="med" len="med"/>
+                    </a:lnB>
+                    <a:solidFill>
+                      <a:srgbClr val="B7E1CD"/>
+                    </a:solidFill>
+                  </a:tcPr>
+                </a:tc>
+                <a:tc>
+                  <a:txBody>
+                    <a:bodyPr/>
+                    <a:lstStyle/>
+                    <a:p>
+                      <a:pPr algn="ctr" rtl="0" fontAlgn="b"/>
+                      <a:r>
+                        <a:rPr lang="en-US" altLang="zh-TW" sz="1400" b="0">
+                          <a:effectLst/>
+                          <a:latin typeface="Arial" panose="020B0604020202020204" pitchFamily="34" charset="0"/>
+                        </a:rPr>
+                        <a:t>109.2686</a:t>
+                      </a:r>
+                    </a:p>
+                  </a:txBody>
+                  <a:tcPr marL="28575" marR="28575" marT="19050" marB="19050" anchor="b">
+                    <a:lnL w="12700" cap="flat" cmpd="sng" algn="ctr">
+                      <a:solidFill>
+                        <a:schemeClr val="tx1"/>
+                      </a:solidFill>
+                      <a:prstDash val="solid"/>
+                      <a:round/>
+                      <a:headEnd type="none" w="med" len="med"/>
+                      <a:tailEnd type="none" w="med" len="med"/>
+                    </a:lnL>
+                    <a:lnR w="12700" cap="flat" cmpd="sng" algn="ctr">
+                      <a:solidFill>
+                        <a:schemeClr val="tx1"/>
+                      </a:solidFill>
+                      <a:prstDash val="solid"/>
+                      <a:round/>
+                      <a:headEnd type="none" w="med" len="med"/>
+                      <a:tailEnd type="none" w="med" len="med"/>
+                    </a:lnR>
+                    <a:lnT w="12700" cap="flat" cmpd="sng" algn="ctr">
+                      <a:solidFill>
+                        <a:schemeClr val="tx1"/>
+                      </a:solidFill>
+                      <a:prstDash val="solid"/>
+                      <a:round/>
+                      <a:headEnd type="none" w="med" len="med"/>
+                      <a:tailEnd type="none" w="med" len="med"/>
+                    </a:lnT>
+                    <a:lnB w="12700" cap="flat" cmpd="sng" algn="ctr">
+                      <a:solidFill>
+                        <a:schemeClr val="tx1"/>
+                      </a:solidFill>
+                      <a:prstDash val="solid"/>
+                      <a:round/>
+                      <a:headEnd type="none" w="med" len="med"/>
+                      <a:tailEnd type="none" w="med" len="med"/>
+                    </a:lnB>
+                    <a:solidFill>
+                      <a:srgbClr val="F4C7C3"/>
+                    </a:solidFill>
+                  </a:tcPr>
+                </a:tc>
+                <a:tc>
+                  <a:txBody>
+                    <a:bodyPr/>
+                    <a:lstStyle/>
+                    <a:p>
+                      <a:pPr algn="ctr" rtl="0" fontAlgn="b"/>
+                      <a:r>
+                        <a:rPr lang="en-US" altLang="zh-TW" sz="1400" b="0">
+                          <a:effectLst/>
+                          <a:latin typeface="Arial" panose="020B0604020202020204" pitchFamily="34" charset="0"/>
+                        </a:rPr>
+                        <a:t>161.1183</a:t>
+                      </a:r>
+                    </a:p>
+                  </a:txBody>
+                  <a:tcPr marL="28575" marR="28575" marT="19050" marB="19050" anchor="b">
+                    <a:lnL w="12700" cap="flat" cmpd="sng" algn="ctr">
+                      <a:solidFill>
+                        <a:schemeClr val="tx1"/>
+                      </a:solidFill>
+                      <a:prstDash val="solid"/>
+                      <a:round/>
+                      <a:headEnd type="none" w="med" len="med"/>
+                      <a:tailEnd type="none" w="med" len="med"/>
+                    </a:lnL>
+                    <a:lnR w="12700" cap="flat" cmpd="sng" algn="ctr">
+                      <a:solidFill>
+                        <a:schemeClr val="tx1"/>
+                      </a:solidFill>
+                      <a:prstDash val="solid"/>
+                      <a:round/>
+                      <a:headEnd type="none" w="med" len="med"/>
+                      <a:tailEnd type="none" w="med" len="med"/>
+                    </a:lnR>
+                    <a:lnT w="12700" cap="flat" cmpd="sng" algn="ctr">
+                      <a:solidFill>
+                        <a:schemeClr val="tx1"/>
+                      </a:solidFill>
+                      <a:prstDash val="solid"/>
+                      <a:round/>
+                      <a:headEnd type="none" w="med" len="med"/>
+                      <a:tailEnd type="none" w="med" len="med"/>
+                    </a:lnT>
+                    <a:lnB w="12700" cap="flat" cmpd="sng" algn="ctr">
+                      <a:solidFill>
+                        <a:schemeClr val="tx1"/>
+                      </a:solidFill>
+                      <a:prstDash val="solid"/>
+                      <a:round/>
+                      <a:headEnd type="none" w="med" len="med"/>
+                      <a:tailEnd type="none" w="med" len="med"/>
+                    </a:lnB>
+                    <a:solidFill>
+                      <a:srgbClr val="B7E1CD"/>
+                    </a:solidFill>
+                  </a:tcPr>
+                </a:tc>
+                <a:tc>
+                  <a:txBody>
+                    <a:bodyPr/>
+                    <a:lstStyle/>
+                    <a:p>
+                      <a:pPr algn="ctr" rtl="0" fontAlgn="b"/>
+                      <a:r>
+                        <a:rPr lang="en-US" altLang="zh-TW" sz="1400" b="0">
+                          <a:effectLst/>
+                          <a:latin typeface="Arial" panose="020B0604020202020204" pitchFamily="34" charset="0"/>
+                        </a:rPr>
+                        <a:t>0.9111</a:t>
+                      </a:r>
+                    </a:p>
+                  </a:txBody>
+                  <a:tcPr marL="28575" marR="28575" marT="19050" marB="19050" anchor="b">
+                    <a:lnL w="12700" cap="flat" cmpd="sng" algn="ctr">
+                      <a:solidFill>
+                        <a:schemeClr val="tx1"/>
+                      </a:solidFill>
+                      <a:prstDash val="solid"/>
+                      <a:round/>
+                      <a:headEnd type="none" w="med" len="med"/>
+                      <a:tailEnd type="none" w="med" len="med"/>
+                    </a:lnL>
+                    <a:lnR w="12700" cap="flat" cmpd="sng" algn="ctr">
+                      <a:solidFill>
+                        <a:schemeClr val="tx1"/>
+                      </a:solidFill>
+                      <a:prstDash val="solid"/>
+                      <a:round/>
+                      <a:headEnd type="none" w="med" len="med"/>
+                      <a:tailEnd type="none" w="med" len="med"/>
+                    </a:lnR>
+                    <a:lnT w="12700" cap="flat" cmpd="sng" algn="ctr">
+                      <a:solidFill>
+                        <a:schemeClr val="tx1"/>
+                      </a:solidFill>
+                      <a:prstDash val="solid"/>
+                      <a:round/>
+                      <a:headEnd type="none" w="med" len="med"/>
+                      <a:tailEnd type="none" w="med" len="med"/>
+                    </a:lnT>
+                    <a:lnB w="12700" cap="flat" cmpd="sng" algn="ctr">
+                      <a:solidFill>
+                        <a:schemeClr val="tx1"/>
+                      </a:solidFill>
+                      <a:prstDash val="solid"/>
+                      <a:round/>
+                      <a:headEnd type="none" w="med" len="med"/>
+                      <a:tailEnd type="none" w="med" len="med"/>
+                    </a:lnB>
+                    <a:solidFill>
+                      <a:srgbClr val="B7E1CD"/>
+                    </a:solidFill>
+                  </a:tcPr>
+                </a:tc>
+                <a:extLst>
+                  <a:ext uri="{0D108BD9-81ED-4DB2-BD59-A6C34878D82A}">
+                    <a16:rowId xmlns:a16="http://schemas.microsoft.com/office/drawing/2014/main" val="3894129123"/>
+                  </a:ext>
+                </a:extLst>
+              </a:tr>
+              <a:tr h="200025">
+                <a:tc>
+                  <a:txBody>
+                    <a:bodyPr/>
+                    <a:lstStyle/>
+                    <a:p>
+                      <a:pPr algn="ctr" rtl="0" fontAlgn="b"/>
+                      <a:r>
+                        <a:rPr lang="en-US" altLang="zh-TW" sz="1400" b="0">
+                          <a:effectLst/>
+                          <a:latin typeface="Arial" panose="020B0604020202020204" pitchFamily="34" charset="0"/>
+                        </a:rPr>
+                        <a:t>6</a:t>
+                      </a:r>
+                    </a:p>
+                  </a:txBody>
+                  <a:tcPr marL="28575" marR="28575" marT="19050" marB="19050" anchor="b">
+                    <a:lnL w="12700" cap="flat" cmpd="sng" algn="ctr">
+                      <a:solidFill>
+                        <a:schemeClr val="tx1"/>
+                      </a:solidFill>
+                      <a:prstDash val="solid"/>
+                      <a:round/>
+                      <a:headEnd type="none" w="med" len="med"/>
+                      <a:tailEnd type="none" w="med" len="med"/>
+                    </a:lnL>
+                    <a:lnR w="12700" cap="flat" cmpd="sng" algn="ctr">
+                      <a:solidFill>
+                        <a:schemeClr val="tx1"/>
+                      </a:solidFill>
+                      <a:prstDash val="solid"/>
+                      <a:round/>
+                      <a:headEnd type="none" w="med" len="med"/>
+                      <a:tailEnd type="none" w="med" len="med"/>
+                    </a:lnR>
+                    <a:lnT w="12700" cap="flat" cmpd="sng" algn="ctr">
+                      <a:solidFill>
+                        <a:schemeClr val="tx1"/>
+                      </a:solidFill>
+                      <a:prstDash val="solid"/>
+                      <a:round/>
+                      <a:headEnd type="none" w="med" len="med"/>
+                      <a:tailEnd type="none" w="med" len="med"/>
+                    </a:lnT>
+                    <a:lnB w="12700" cap="flat" cmpd="sng" algn="ctr">
+                      <a:solidFill>
+                        <a:schemeClr val="tx1"/>
+                      </a:solidFill>
+                      <a:prstDash val="solid"/>
+                      <a:round/>
+                      <a:headEnd type="none" w="med" len="med"/>
+                      <a:tailEnd type="none" w="med" len="med"/>
+                    </a:lnB>
+                  </a:tcPr>
+                </a:tc>
+                <a:tc>
+                  <a:txBody>
+                    <a:bodyPr/>
+                    <a:lstStyle/>
+                    <a:p>
+                      <a:pPr algn="ctr" rtl="0" fontAlgn="b"/>
+                      <a:r>
+                        <a:rPr lang="en-US" altLang="zh-TW" sz="1400" b="0">
+                          <a:effectLst/>
+                          <a:latin typeface="Arial" panose="020B0604020202020204" pitchFamily="34" charset="0"/>
+                        </a:rPr>
+                        <a:t>6.881</a:t>
+                      </a:r>
+                    </a:p>
+                  </a:txBody>
+                  <a:tcPr marL="28575" marR="28575" marT="19050" marB="19050" anchor="b">
+                    <a:lnL w="12700" cap="flat" cmpd="sng" algn="ctr">
+                      <a:solidFill>
+                        <a:schemeClr val="tx1"/>
+                      </a:solidFill>
+                      <a:prstDash val="solid"/>
+                      <a:round/>
+                      <a:headEnd type="none" w="med" len="med"/>
+                      <a:tailEnd type="none" w="med" len="med"/>
+                    </a:lnL>
+                    <a:lnR w="12700" cap="flat" cmpd="sng" algn="ctr">
+                      <a:solidFill>
+                        <a:schemeClr val="tx1"/>
+                      </a:solidFill>
+                      <a:prstDash val="solid"/>
+                      <a:round/>
+                      <a:headEnd type="none" w="med" len="med"/>
+                      <a:tailEnd type="none" w="med" len="med"/>
+                    </a:lnR>
+                    <a:lnT w="12700" cap="flat" cmpd="sng" algn="ctr">
+                      <a:solidFill>
+                        <a:schemeClr val="tx1"/>
+                      </a:solidFill>
+                      <a:prstDash val="solid"/>
+                      <a:round/>
+                      <a:headEnd type="none" w="med" len="med"/>
+                      <a:tailEnd type="none" w="med" len="med"/>
+                    </a:lnT>
+                    <a:lnB w="12700" cap="flat" cmpd="sng" algn="ctr">
+                      <a:solidFill>
+                        <a:schemeClr val="tx1"/>
+                      </a:solidFill>
+                      <a:prstDash val="solid"/>
+                      <a:round/>
+                      <a:headEnd type="none" w="med" len="med"/>
+                      <a:tailEnd type="none" w="med" len="med"/>
+                    </a:lnB>
+                    <a:solidFill>
+                      <a:srgbClr val="B7E1CD"/>
+                    </a:solidFill>
+                  </a:tcPr>
+                </a:tc>
+                <a:tc>
+                  <a:txBody>
+                    <a:bodyPr/>
+                    <a:lstStyle/>
+                    <a:p>
+                      <a:pPr algn="ctr" rtl="0" fontAlgn="b"/>
+                      <a:r>
+                        <a:rPr lang="en-US" altLang="zh-TW" sz="1400" b="0">
+                          <a:effectLst/>
+                          <a:latin typeface="Arial" panose="020B0604020202020204" pitchFamily="34" charset="0"/>
+                        </a:rPr>
+                        <a:t>292.49</a:t>
+                      </a:r>
+                    </a:p>
+                  </a:txBody>
+                  <a:tcPr marL="28575" marR="28575" marT="19050" marB="19050" anchor="b">
+                    <a:lnL w="12700" cap="flat" cmpd="sng" algn="ctr">
+                      <a:solidFill>
+                        <a:schemeClr val="tx1"/>
+                      </a:solidFill>
+                      <a:prstDash val="solid"/>
+                      <a:round/>
+                      <a:headEnd type="none" w="med" len="med"/>
+                      <a:tailEnd type="none" w="med" len="med"/>
+                    </a:lnL>
+                    <a:lnR w="12700" cap="flat" cmpd="sng" algn="ctr">
+                      <a:solidFill>
+                        <a:schemeClr val="tx1"/>
+                      </a:solidFill>
+                      <a:prstDash val="solid"/>
+                      <a:round/>
+                      <a:headEnd type="none" w="med" len="med"/>
+                      <a:tailEnd type="none" w="med" len="med"/>
+                    </a:lnR>
+                    <a:lnT w="12700" cap="flat" cmpd="sng" algn="ctr">
+                      <a:solidFill>
+                        <a:schemeClr val="tx1"/>
+                      </a:solidFill>
+                      <a:prstDash val="solid"/>
+                      <a:round/>
+                      <a:headEnd type="none" w="med" len="med"/>
+                      <a:tailEnd type="none" w="med" len="med"/>
+                    </a:lnT>
+                    <a:lnB w="12700" cap="flat" cmpd="sng" algn="ctr">
+                      <a:solidFill>
+                        <a:schemeClr val="tx1"/>
+                      </a:solidFill>
+                      <a:prstDash val="solid"/>
+                      <a:round/>
+                      <a:headEnd type="none" w="med" len="med"/>
+                      <a:tailEnd type="none" w="med" len="med"/>
+                    </a:lnB>
+                    <a:solidFill>
+                      <a:srgbClr val="B7E1CD"/>
+                    </a:solidFill>
+                  </a:tcPr>
+                </a:tc>
+                <a:tc>
+                  <a:txBody>
+                    <a:bodyPr/>
+                    <a:lstStyle/>
+                    <a:p>
+                      <a:pPr algn="ctr" rtl="0" fontAlgn="b"/>
+                      <a:r>
+                        <a:rPr lang="en-US" altLang="zh-TW" sz="1400" b="0">
+                          <a:effectLst/>
+                          <a:latin typeface="Arial" panose="020B0604020202020204" pitchFamily="34" charset="0"/>
+                        </a:rPr>
+                        <a:t>0</a:t>
+                      </a:r>
+                    </a:p>
+                  </a:txBody>
+                  <a:tcPr marL="28575" marR="28575" marT="19050" marB="19050" anchor="b">
+                    <a:lnL w="12700" cap="flat" cmpd="sng" algn="ctr">
+                      <a:solidFill>
+                        <a:schemeClr val="tx1"/>
+                      </a:solidFill>
+                      <a:prstDash val="solid"/>
+                      <a:round/>
+                      <a:headEnd type="none" w="med" len="med"/>
+                      <a:tailEnd type="none" w="med" len="med"/>
+                    </a:lnL>
+                    <a:lnR w="12700" cap="flat" cmpd="sng" algn="ctr">
+                      <a:solidFill>
+                        <a:schemeClr val="tx1"/>
+                      </a:solidFill>
+                      <a:prstDash val="solid"/>
+                      <a:round/>
+                      <a:headEnd type="none" w="med" len="med"/>
+                      <a:tailEnd type="none" w="med" len="med"/>
+                    </a:lnR>
+                    <a:lnT w="12700" cap="flat" cmpd="sng" algn="ctr">
+                      <a:solidFill>
+                        <a:schemeClr val="tx1"/>
+                      </a:solidFill>
+                      <a:prstDash val="solid"/>
+                      <a:round/>
+                      <a:headEnd type="none" w="med" len="med"/>
+                      <a:tailEnd type="none" w="med" len="med"/>
+                    </a:lnT>
+                    <a:lnB w="12700" cap="flat" cmpd="sng" algn="ctr">
+                      <a:solidFill>
+                        <a:schemeClr val="tx1"/>
+                      </a:solidFill>
+                      <a:prstDash val="solid"/>
+                      <a:round/>
+                      <a:headEnd type="none" w="med" len="med"/>
+                      <a:tailEnd type="none" w="med" len="med"/>
+                    </a:lnB>
+                  </a:tcPr>
+                </a:tc>
+                <a:tc>
+                  <a:txBody>
+                    <a:bodyPr/>
+                    <a:lstStyle/>
+                    <a:p>
+                      <a:pPr algn="ctr" rtl="0" fontAlgn="b"/>
+                      <a:r>
+                        <a:rPr lang="en-US" altLang="zh-TW" sz="1400" b="0">
+                          <a:effectLst/>
+                          <a:latin typeface="Arial" panose="020B0604020202020204" pitchFamily="34" charset="0"/>
+                        </a:rPr>
+                        <a:t>0.0009</a:t>
+                      </a:r>
+                    </a:p>
+                  </a:txBody>
+                  <a:tcPr marL="28575" marR="28575" marT="19050" marB="19050" anchor="b">
+                    <a:lnL w="12700" cap="flat" cmpd="sng" algn="ctr">
+                      <a:solidFill>
+                        <a:schemeClr val="tx1"/>
+                      </a:solidFill>
+                      <a:prstDash val="solid"/>
+                      <a:round/>
+                      <a:headEnd type="none" w="med" len="med"/>
+                      <a:tailEnd type="none" w="med" len="med"/>
+                    </a:lnL>
+                    <a:lnR w="12700" cap="flat" cmpd="sng" algn="ctr">
+                      <a:solidFill>
+                        <a:schemeClr val="tx1"/>
+                      </a:solidFill>
+                      <a:prstDash val="solid"/>
+                      <a:round/>
+                      <a:headEnd type="none" w="med" len="med"/>
+                      <a:tailEnd type="none" w="med" len="med"/>
+                    </a:lnR>
+                    <a:lnT w="12700" cap="flat" cmpd="sng" algn="ctr">
+                      <a:solidFill>
+                        <a:schemeClr val="tx1"/>
+                      </a:solidFill>
+                      <a:prstDash val="solid"/>
+                      <a:round/>
+                      <a:headEnd type="none" w="med" len="med"/>
+                      <a:tailEnd type="none" w="med" len="med"/>
+                    </a:lnT>
+                    <a:lnB w="12700" cap="flat" cmpd="sng" algn="ctr">
+                      <a:solidFill>
+                        <a:schemeClr val="tx1"/>
+                      </a:solidFill>
+                      <a:prstDash val="solid"/>
+                      <a:round/>
+                      <a:headEnd type="none" w="med" len="med"/>
+                      <a:tailEnd type="none" w="med" len="med"/>
+                    </a:lnB>
+                    <a:solidFill>
+                      <a:srgbClr val="B7E1CD"/>
+                    </a:solidFill>
+                  </a:tcPr>
+                </a:tc>
+                <a:tc>
+                  <a:txBody>
+                    <a:bodyPr/>
+                    <a:lstStyle/>
+                    <a:p>
+                      <a:pPr algn="ctr" rtl="0" fontAlgn="b"/>
+                      <a:r>
+                        <a:rPr lang="en-US" altLang="zh-TW" sz="1400" b="0">
+                          <a:effectLst/>
+                          <a:latin typeface="Arial" panose="020B0604020202020204" pitchFamily="34" charset="0"/>
+                        </a:rPr>
+                        <a:t>0</a:t>
+                      </a:r>
+                    </a:p>
+                  </a:txBody>
+                  <a:tcPr marL="28575" marR="28575" marT="19050" marB="19050" anchor="b">
+                    <a:lnL w="12700" cap="flat" cmpd="sng" algn="ctr">
+                      <a:solidFill>
+                        <a:schemeClr val="tx1"/>
+                      </a:solidFill>
+                      <a:prstDash val="solid"/>
+                      <a:round/>
+                      <a:headEnd type="none" w="med" len="med"/>
+                      <a:tailEnd type="none" w="med" len="med"/>
+                    </a:lnL>
+                    <a:lnR w="12700" cap="flat" cmpd="sng" algn="ctr">
+                      <a:solidFill>
+                        <a:schemeClr val="tx1"/>
+                      </a:solidFill>
+                      <a:prstDash val="solid"/>
+                      <a:round/>
+                      <a:headEnd type="none" w="med" len="med"/>
+                      <a:tailEnd type="none" w="med" len="med"/>
+                    </a:lnR>
+                    <a:lnT w="12700" cap="flat" cmpd="sng" algn="ctr">
+                      <a:solidFill>
+                        <a:schemeClr val="tx1"/>
+                      </a:solidFill>
+                      <a:prstDash val="solid"/>
+                      <a:round/>
+                      <a:headEnd type="none" w="med" len="med"/>
+                      <a:tailEnd type="none" w="med" len="med"/>
+                    </a:lnT>
+                    <a:lnB w="12700" cap="flat" cmpd="sng" algn="ctr">
+                      <a:solidFill>
+                        <a:schemeClr val="tx1"/>
+                      </a:solidFill>
+                      <a:prstDash val="solid"/>
+                      <a:round/>
+                      <a:headEnd type="none" w="med" len="med"/>
+                      <a:tailEnd type="none" w="med" len="med"/>
+                    </a:lnB>
+                  </a:tcPr>
+                </a:tc>
+                <a:tc>
+                  <a:txBody>
+                    <a:bodyPr/>
+                    <a:lstStyle/>
+                    <a:p>
+                      <a:pPr algn="ctr" rtl="0" fontAlgn="b"/>
+                      <a:r>
+                        <a:rPr lang="en-US" altLang="zh-TW" sz="1400" b="0">
+                          <a:effectLst/>
+                          <a:latin typeface="Arial" panose="020B0604020202020204" pitchFamily="34" charset="0"/>
+                        </a:rPr>
+                        <a:t>233.8156</a:t>
+                      </a:r>
+                    </a:p>
+                  </a:txBody>
+                  <a:tcPr marL="28575" marR="28575" marT="19050" marB="19050" anchor="b">
+                    <a:lnL w="12700" cap="flat" cmpd="sng" algn="ctr">
+                      <a:solidFill>
+                        <a:schemeClr val="tx1"/>
+                      </a:solidFill>
+                      <a:prstDash val="solid"/>
+                      <a:round/>
+                      <a:headEnd type="none" w="med" len="med"/>
+                      <a:tailEnd type="none" w="med" len="med"/>
+                    </a:lnL>
+                    <a:lnR w="12700" cap="flat" cmpd="sng" algn="ctr">
+                      <a:solidFill>
+                        <a:schemeClr val="tx1"/>
+                      </a:solidFill>
+                      <a:prstDash val="solid"/>
+                      <a:round/>
+                      <a:headEnd type="none" w="med" len="med"/>
+                      <a:tailEnd type="none" w="med" len="med"/>
+                    </a:lnR>
+                    <a:lnT w="12700" cap="flat" cmpd="sng" algn="ctr">
+                      <a:solidFill>
+                        <a:schemeClr val="tx1"/>
+                      </a:solidFill>
+                      <a:prstDash val="solid"/>
+                      <a:round/>
+                      <a:headEnd type="none" w="med" len="med"/>
+                      <a:tailEnd type="none" w="med" len="med"/>
+                    </a:lnT>
+                    <a:lnB w="12700" cap="flat" cmpd="sng" algn="ctr">
+                      <a:solidFill>
+                        <a:schemeClr val="tx1"/>
+                      </a:solidFill>
+                      <a:prstDash val="solid"/>
+                      <a:round/>
+                      <a:headEnd type="none" w="med" len="med"/>
+                      <a:tailEnd type="none" w="med" len="med"/>
+                    </a:lnB>
+                    <a:solidFill>
+                      <a:srgbClr val="B7E1CD"/>
+                    </a:solidFill>
+                  </a:tcPr>
+                </a:tc>
+                <a:tc>
+                  <a:txBody>
+                    <a:bodyPr/>
+                    <a:lstStyle/>
+                    <a:p>
+                      <a:pPr algn="ctr" rtl="0" fontAlgn="b"/>
+                      <a:r>
+                        <a:rPr lang="en-US" altLang="zh-TW" sz="1400" b="0">
+                          <a:effectLst/>
+                          <a:latin typeface="Arial" panose="020B0604020202020204" pitchFamily="34" charset="0"/>
+                        </a:rPr>
+                        <a:t>0.7377</a:t>
+                      </a:r>
+                    </a:p>
+                  </a:txBody>
+                  <a:tcPr marL="28575" marR="28575" marT="19050" marB="19050" anchor="b">
+                    <a:lnL w="12700" cap="flat" cmpd="sng" algn="ctr">
+                      <a:solidFill>
+                        <a:schemeClr val="tx1"/>
+                      </a:solidFill>
+                      <a:prstDash val="solid"/>
+                      <a:round/>
+                      <a:headEnd type="none" w="med" len="med"/>
+                      <a:tailEnd type="none" w="med" len="med"/>
+                    </a:lnL>
+                    <a:lnR w="12700" cap="flat" cmpd="sng" algn="ctr">
+                      <a:solidFill>
+                        <a:schemeClr val="tx1"/>
+                      </a:solidFill>
+                      <a:prstDash val="solid"/>
+                      <a:round/>
+                      <a:headEnd type="none" w="med" len="med"/>
+                      <a:tailEnd type="none" w="med" len="med"/>
+                    </a:lnR>
+                    <a:lnT w="12700" cap="flat" cmpd="sng" algn="ctr">
+                      <a:solidFill>
+                        <a:schemeClr val="tx1"/>
+                      </a:solidFill>
+                      <a:prstDash val="solid"/>
+                      <a:round/>
+                      <a:headEnd type="none" w="med" len="med"/>
+                      <a:tailEnd type="none" w="med" len="med"/>
+                    </a:lnT>
+                    <a:lnB w="12700" cap="flat" cmpd="sng" algn="ctr">
+                      <a:solidFill>
+                        <a:schemeClr val="tx1"/>
+                      </a:solidFill>
+                      <a:prstDash val="solid"/>
+                      <a:round/>
+                      <a:headEnd type="none" w="med" len="med"/>
+                      <a:tailEnd type="none" w="med" len="med"/>
+                    </a:lnB>
+                    <a:solidFill>
+                      <a:srgbClr val="B7E1CD"/>
+                    </a:solidFill>
+                  </a:tcPr>
+                </a:tc>
+                <a:extLst>
+                  <a:ext uri="{0D108BD9-81ED-4DB2-BD59-A6C34878D82A}">
+                    <a16:rowId xmlns:a16="http://schemas.microsoft.com/office/drawing/2014/main" val="3441752426"/>
+                  </a:ext>
+                </a:extLst>
+              </a:tr>
+              <a:tr h="200025">
+                <a:tc>
+                  <a:txBody>
+                    <a:bodyPr/>
+                    <a:lstStyle/>
+                    <a:p>
+                      <a:pPr algn="ctr" rtl="0" fontAlgn="b"/>
+                      <a:r>
+                        <a:rPr lang="en-US" altLang="zh-TW" sz="1400" b="0">
+                          <a:effectLst/>
+                          <a:latin typeface="Arial" panose="020B0604020202020204" pitchFamily="34" charset="0"/>
+                        </a:rPr>
+                        <a:t>7</a:t>
+                      </a:r>
+                    </a:p>
+                  </a:txBody>
+                  <a:tcPr marL="28575" marR="28575" marT="19050" marB="19050" anchor="b">
+                    <a:lnL w="12700" cap="flat" cmpd="sng" algn="ctr">
+                      <a:solidFill>
+                        <a:schemeClr val="tx1"/>
+                      </a:solidFill>
+                      <a:prstDash val="solid"/>
+                      <a:round/>
+                      <a:headEnd type="none" w="med" len="med"/>
+                      <a:tailEnd type="none" w="med" len="med"/>
+                    </a:lnL>
+                    <a:lnR w="12700" cap="flat" cmpd="sng" algn="ctr">
+                      <a:solidFill>
+                        <a:schemeClr val="tx1"/>
+                      </a:solidFill>
+                      <a:prstDash val="solid"/>
+                      <a:round/>
+                      <a:headEnd type="none" w="med" len="med"/>
+                      <a:tailEnd type="none" w="med" len="med"/>
+                    </a:lnR>
+                    <a:lnT w="12700" cap="flat" cmpd="sng" algn="ctr">
+                      <a:solidFill>
+                        <a:schemeClr val="tx1"/>
+                      </a:solidFill>
+                      <a:prstDash val="solid"/>
+                      <a:round/>
+                      <a:headEnd type="none" w="med" len="med"/>
+                      <a:tailEnd type="none" w="med" len="med"/>
+                    </a:lnT>
+                    <a:lnB w="12700" cap="flat" cmpd="sng" algn="ctr">
+                      <a:solidFill>
+                        <a:schemeClr val="tx1"/>
+                      </a:solidFill>
+                      <a:prstDash val="solid"/>
+                      <a:round/>
+                      <a:headEnd type="none" w="med" len="med"/>
+                      <a:tailEnd type="none" w="med" len="med"/>
+                    </a:lnB>
+                  </a:tcPr>
+                </a:tc>
+                <a:tc>
+                  <a:txBody>
+                    <a:bodyPr/>
+                    <a:lstStyle/>
+                    <a:p>
+                      <a:pPr algn="ctr" rtl="0" fontAlgn="b"/>
+                      <a:r>
+                        <a:rPr lang="en-US" altLang="zh-TW" sz="1400" b="0">
+                          <a:effectLst/>
+                          <a:latin typeface="Arial" panose="020B0604020202020204" pitchFamily="34" charset="0"/>
+                        </a:rPr>
+                        <a:t>3.5689</a:t>
+                      </a:r>
+                    </a:p>
+                  </a:txBody>
+                  <a:tcPr marL="28575" marR="28575" marT="19050" marB="19050" anchor="b">
+                    <a:lnL w="12700" cap="flat" cmpd="sng" algn="ctr">
+                      <a:solidFill>
+                        <a:schemeClr val="tx1"/>
+                      </a:solidFill>
+                      <a:prstDash val="solid"/>
+                      <a:round/>
+                      <a:headEnd type="none" w="med" len="med"/>
+                      <a:tailEnd type="none" w="med" len="med"/>
+                    </a:lnL>
+                    <a:lnR w="12700" cap="flat" cmpd="sng" algn="ctr">
+                      <a:solidFill>
+                        <a:schemeClr val="tx1"/>
+                      </a:solidFill>
+                      <a:prstDash val="solid"/>
+                      <a:round/>
+                      <a:headEnd type="none" w="med" len="med"/>
+                      <a:tailEnd type="none" w="med" len="med"/>
+                    </a:lnR>
+                    <a:lnT w="12700" cap="flat" cmpd="sng" algn="ctr">
+                      <a:solidFill>
+                        <a:schemeClr val="tx1"/>
+                      </a:solidFill>
+                      <a:prstDash val="solid"/>
+                      <a:round/>
+                      <a:headEnd type="none" w="med" len="med"/>
+                      <a:tailEnd type="none" w="med" len="med"/>
+                    </a:lnT>
+                    <a:lnB w="12700" cap="flat" cmpd="sng" algn="ctr">
+                      <a:solidFill>
+                        <a:schemeClr val="tx1"/>
+                      </a:solidFill>
+                      <a:prstDash val="solid"/>
+                      <a:round/>
+                      <a:headEnd type="none" w="med" len="med"/>
+                      <a:tailEnd type="none" w="med" len="med"/>
+                    </a:lnB>
+                    <a:solidFill>
+                      <a:srgbClr val="B7E1CD"/>
+                    </a:solidFill>
+                  </a:tcPr>
+                </a:tc>
+                <a:tc>
+                  <a:txBody>
+                    <a:bodyPr/>
+                    <a:lstStyle/>
+                    <a:p>
+                      <a:pPr algn="ctr" rtl="0" fontAlgn="b"/>
+                      <a:r>
+                        <a:rPr lang="en-US" altLang="zh-TW" sz="1400" b="0">
+                          <a:effectLst/>
+                          <a:latin typeface="Arial" panose="020B0604020202020204" pitchFamily="34" charset="0"/>
+                        </a:rPr>
+                        <a:t>0</a:t>
+                      </a:r>
+                    </a:p>
+                  </a:txBody>
+                  <a:tcPr marL="28575" marR="28575" marT="19050" marB="19050" anchor="b">
+                    <a:lnL w="12700" cap="flat" cmpd="sng" algn="ctr">
+                      <a:solidFill>
+                        <a:schemeClr val="tx1"/>
+                      </a:solidFill>
+                      <a:prstDash val="solid"/>
+                      <a:round/>
+                      <a:headEnd type="none" w="med" len="med"/>
+                      <a:tailEnd type="none" w="med" len="med"/>
+                    </a:lnL>
+                    <a:lnR w="12700" cap="flat" cmpd="sng" algn="ctr">
+                      <a:solidFill>
+                        <a:schemeClr val="tx1"/>
+                      </a:solidFill>
+                      <a:prstDash val="solid"/>
+                      <a:round/>
+                      <a:headEnd type="none" w="med" len="med"/>
+                      <a:tailEnd type="none" w="med" len="med"/>
+                    </a:lnR>
+                    <a:lnT w="12700" cap="flat" cmpd="sng" algn="ctr">
+                      <a:solidFill>
+                        <a:schemeClr val="tx1"/>
+                      </a:solidFill>
+                      <a:prstDash val="solid"/>
+                      <a:round/>
+                      <a:headEnd type="none" w="med" len="med"/>
+                      <a:tailEnd type="none" w="med" len="med"/>
+                    </a:lnT>
+                    <a:lnB w="12700" cap="flat" cmpd="sng" algn="ctr">
+                      <a:solidFill>
+                        <a:schemeClr val="tx1"/>
+                      </a:solidFill>
+                      <a:prstDash val="solid"/>
+                      <a:round/>
+                      <a:headEnd type="none" w="med" len="med"/>
+                      <a:tailEnd type="none" w="med" len="med"/>
+                    </a:lnB>
+                    <a:solidFill>
+                      <a:srgbClr val="B7E1CD"/>
+                    </a:solidFill>
+                  </a:tcPr>
+                </a:tc>
+                <a:tc>
+                  <a:txBody>
+                    <a:bodyPr/>
+                    <a:lstStyle/>
+                    <a:p>
+                      <a:pPr algn="ctr" rtl="0" fontAlgn="b"/>
+                      <a:r>
+                        <a:rPr lang="en-US" altLang="zh-TW" sz="1400" b="0">
+                          <a:effectLst/>
+                          <a:latin typeface="Arial" panose="020B0604020202020204" pitchFamily="34" charset="0"/>
+                        </a:rPr>
+                        <a:t>0</a:t>
+                      </a:r>
+                    </a:p>
+                  </a:txBody>
+                  <a:tcPr marL="28575" marR="28575" marT="19050" marB="19050" anchor="b">
+                    <a:lnL w="12700" cap="flat" cmpd="sng" algn="ctr">
+                      <a:solidFill>
+                        <a:schemeClr val="tx1"/>
+                      </a:solidFill>
+                      <a:prstDash val="solid"/>
+                      <a:round/>
+                      <a:headEnd type="none" w="med" len="med"/>
+                      <a:tailEnd type="none" w="med" len="med"/>
+                    </a:lnL>
+                    <a:lnR w="12700" cap="flat" cmpd="sng" algn="ctr">
+                      <a:solidFill>
+                        <a:schemeClr val="tx1"/>
+                      </a:solidFill>
+                      <a:prstDash val="solid"/>
+                      <a:round/>
+                      <a:headEnd type="none" w="med" len="med"/>
+                      <a:tailEnd type="none" w="med" len="med"/>
+                    </a:lnR>
+                    <a:lnT w="12700" cap="flat" cmpd="sng" algn="ctr">
+                      <a:solidFill>
+                        <a:schemeClr val="tx1"/>
+                      </a:solidFill>
+                      <a:prstDash val="solid"/>
+                      <a:round/>
+                      <a:headEnd type="none" w="med" len="med"/>
+                      <a:tailEnd type="none" w="med" len="med"/>
+                    </a:lnT>
+                    <a:lnB w="12700" cap="flat" cmpd="sng" algn="ctr">
+                      <a:solidFill>
+                        <a:schemeClr val="tx1"/>
+                      </a:solidFill>
+                      <a:prstDash val="solid"/>
+                      <a:round/>
+                      <a:headEnd type="none" w="med" len="med"/>
+                      <a:tailEnd type="none" w="med" len="med"/>
+                    </a:lnB>
+                  </a:tcPr>
+                </a:tc>
+                <a:tc>
+                  <a:txBody>
+                    <a:bodyPr/>
+                    <a:lstStyle/>
+                    <a:p>
+                      <a:pPr algn="ctr" rtl="0" fontAlgn="b"/>
+                      <a:r>
+                        <a:rPr lang="en-US" altLang="zh-TW" sz="1400" b="0">
+                          <a:effectLst/>
+                          <a:latin typeface="Arial" panose="020B0604020202020204" pitchFamily="34" charset="0"/>
+                        </a:rPr>
+                        <a:t>0.0011</a:t>
+                      </a:r>
+                    </a:p>
+                  </a:txBody>
+                  <a:tcPr marL="28575" marR="28575" marT="19050" marB="19050" anchor="b">
+                    <a:lnL w="12700" cap="flat" cmpd="sng" algn="ctr">
+                      <a:solidFill>
+                        <a:schemeClr val="tx1"/>
+                      </a:solidFill>
+                      <a:prstDash val="solid"/>
+                      <a:round/>
+                      <a:headEnd type="none" w="med" len="med"/>
+                      <a:tailEnd type="none" w="med" len="med"/>
+                    </a:lnL>
+                    <a:lnR w="12700" cap="flat" cmpd="sng" algn="ctr">
+                      <a:solidFill>
+                        <a:schemeClr val="tx1"/>
+                      </a:solidFill>
+                      <a:prstDash val="solid"/>
+                      <a:round/>
+                      <a:headEnd type="none" w="med" len="med"/>
+                      <a:tailEnd type="none" w="med" len="med"/>
+                    </a:lnR>
+                    <a:lnT w="12700" cap="flat" cmpd="sng" algn="ctr">
+                      <a:solidFill>
+                        <a:schemeClr val="tx1"/>
+                      </a:solidFill>
+                      <a:prstDash val="solid"/>
+                      <a:round/>
+                      <a:headEnd type="none" w="med" len="med"/>
+                      <a:tailEnd type="none" w="med" len="med"/>
+                    </a:lnT>
+                    <a:lnB w="12700" cap="flat" cmpd="sng" algn="ctr">
+                      <a:solidFill>
+                        <a:schemeClr val="tx1"/>
+                      </a:solidFill>
+                      <a:prstDash val="solid"/>
+                      <a:round/>
+                      <a:headEnd type="none" w="med" len="med"/>
+                      <a:tailEnd type="none" w="med" len="med"/>
+                    </a:lnB>
+                    <a:solidFill>
+                      <a:srgbClr val="B7E1CD"/>
+                    </a:solidFill>
+                  </a:tcPr>
+                </a:tc>
+                <a:tc>
+                  <a:txBody>
+                    <a:bodyPr/>
+                    <a:lstStyle/>
+                    <a:p>
+                      <a:pPr algn="ctr" rtl="0" fontAlgn="b"/>
+                      <a:r>
+                        <a:rPr lang="en-US" altLang="zh-TW" sz="1400" b="0">
+                          <a:effectLst/>
+                          <a:latin typeface="Arial" panose="020B0604020202020204" pitchFamily="34" charset="0"/>
+                        </a:rPr>
+                        <a:t>0</a:t>
+                      </a:r>
+                    </a:p>
+                  </a:txBody>
+                  <a:tcPr marL="28575" marR="28575" marT="19050" marB="19050" anchor="b">
+                    <a:lnL w="12700" cap="flat" cmpd="sng" algn="ctr">
+                      <a:solidFill>
+                        <a:schemeClr val="tx1"/>
+                      </a:solidFill>
+                      <a:prstDash val="solid"/>
+                      <a:round/>
+                      <a:headEnd type="none" w="med" len="med"/>
+                      <a:tailEnd type="none" w="med" len="med"/>
+                    </a:lnL>
+                    <a:lnR w="12700" cap="flat" cmpd="sng" algn="ctr">
+                      <a:solidFill>
+                        <a:schemeClr val="tx1"/>
+                      </a:solidFill>
+                      <a:prstDash val="solid"/>
+                      <a:round/>
+                      <a:headEnd type="none" w="med" len="med"/>
+                      <a:tailEnd type="none" w="med" len="med"/>
+                    </a:lnR>
+                    <a:lnT w="12700" cap="flat" cmpd="sng" algn="ctr">
+                      <a:solidFill>
+                        <a:schemeClr val="tx1"/>
+                      </a:solidFill>
+                      <a:prstDash val="solid"/>
+                      <a:round/>
+                      <a:headEnd type="none" w="med" len="med"/>
+                      <a:tailEnd type="none" w="med" len="med"/>
+                    </a:lnT>
+                    <a:lnB w="12700" cap="flat" cmpd="sng" algn="ctr">
+                      <a:solidFill>
+                        <a:schemeClr val="tx1"/>
+                      </a:solidFill>
+                      <a:prstDash val="solid"/>
+                      <a:round/>
+                      <a:headEnd type="none" w="med" len="med"/>
+                      <a:tailEnd type="none" w="med" len="med"/>
+                    </a:lnB>
+                  </a:tcPr>
+                </a:tc>
+                <a:tc>
+                  <a:txBody>
+                    <a:bodyPr/>
+                    <a:lstStyle/>
+                    <a:p>
+                      <a:pPr algn="ctr" rtl="0" fontAlgn="b"/>
+                      <a:r>
+                        <a:rPr lang="en-US" altLang="zh-TW" sz="1400" b="0">
+                          <a:effectLst/>
+                          <a:latin typeface="Arial" panose="020B0604020202020204" pitchFamily="34" charset="0"/>
+                        </a:rPr>
+                        <a:t>186.823</a:t>
+                      </a:r>
+                    </a:p>
+                  </a:txBody>
+                  <a:tcPr marL="28575" marR="28575" marT="19050" marB="19050" anchor="b">
+                    <a:lnL w="12700" cap="flat" cmpd="sng" algn="ctr">
+                      <a:solidFill>
+                        <a:schemeClr val="tx1"/>
+                      </a:solidFill>
+                      <a:prstDash val="solid"/>
+                      <a:round/>
+                      <a:headEnd type="none" w="med" len="med"/>
+                      <a:tailEnd type="none" w="med" len="med"/>
+                    </a:lnL>
+                    <a:lnR w="12700" cap="flat" cmpd="sng" algn="ctr">
+                      <a:solidFill>
+                        <a:schemeClr val="tx1"/>
+                      </a:solidFill>
+                      <a:prstDash val="solid"/>
+                      <a:round/>
+                      <a:headEnd type="none" w="med" len="med"/>
+                      <a:tailEnd type="none" w="med" len="med"/>
+                    </a:lnR>
+                    <a:lnT w="12700" cap="flat" cmpd="sng" algn="ctr">
+                      <a:solidFill>
+                        <a:schemeClr val="tx1"/>
+                      </a:solidFill>
+                      <a:prstDash val="solid"/>
+                      <a:round/>
+                      <a:headEnd type="none" w="med" len="med"/>
+                      <a:tailEnd type="none" w="med" len="med"/>
+                    </a:lnT>
+                    <a:lnB w="12700" cap="flat" cmpd="sng" algn="ctr">
+                      <a:solidFill>
+                        <a:schemeClr val="tx1"/>
+                      </a:solidFill>
+                      <a:prstDash val="solid"/>
+                      <a:round/>
+                      <a:headEnd type="none" w="med" len="med"/>
+                      <a:tailEnd type="none" w="med" len="med"/>
+                    </a:lnB>
+                    <a:solidFill>
+                      <a:srgbClr val="F4C7C3"/>
+                    </a:solidFill>
+                  </a:tcPr>
+                </a:tc>
+                <a:tc>
+                  <a:txBody>
+                    <a:bodyPr/>
+                    <a:lstStyle/>
+                    <a:p>
+                      <a:pPr algn="ctr" rtl="0" fontAlgn="b"/>
+                      <a:r>
+                        <a:rPr lang="en-US" altLang="zh-TW" sz="1400" b="0">
+                          <a:effectLst/>
+                          <a:latin typeface="Arial" panose="020B0604020202020204" pitchFamily="34" charset="0"/>
+                        </a:rPr>
+                        <a:t>0.7167</a:t>
+                      </a:r>
+                    </a:p>
+                  </a:txBody>
+                  <a:tcPr marL="28575" marR="28575" marT="19050" marB="19050" anchor="b">
+                    <a:lnL w="12700" cap="flat" cmpd="sng" algn="ctr">
+                      <a:solidFill>
+                        <a:schemeClr val="tx1"/>
+                      </a:solidFill>
+                      <a:prstDash val="solid"/>
+                      <a:round/>
+                      <a:headEnd type="none" w="med" len="med"/>
+                      <a:tailEnd type="none" w="med" len="med"/>
+                    </a:lnL>
+                    <a:lnR w="12700" cap="flat" cmpd="sng" algn="ctr">
+                      <a:solidFill>
+                        <a:schemeClr val="tx1"/>
+                      </a:solidFill>
+                      <a:prstDash val="solid"/>
+                      <a:round/>
+                      <a:headEnd type="none" w="med" len="med"/>
+                      <a:tailEnd type="none" w="med" len="med"/>
+                    </a:lnR>
+                    <a:lnT w="12700" cap="flat" cmpd="sng" algn="ctr">
+                      <a:solidFill>
+                        <a:schemeClr val="tx1"/>
+                      </a:solidFill>
+                      <a:prstDash val="solid"/>
+                      <a:round/>
+                      <a:headEnd type="none" w="med" len="med"/>
+                      <a:tailEnd type="none" w="med" len="med"/>
+                    </a:lnT>
+                    <a:lnB w="12700" cap="flat" cmpd="sng" algn="ctr">
+                      <a:solidFill>
+                        <a:schemeClr val="tx1"/>
+                      </a:solidFill>
+                      <a:prstDash val="solid"/>
+                      <a:round/>
+                      <a:headEnd type="none" w="med" len="med"/>
+                      <a:tailEnd type="none" w="med" len="med"/>
+                    </a:lnB>
+                    <a:solidFill>
+                      <a:srgbClr val="B7E1CD"/>
+                    </a:solidFill>
+                  </a:tcPr>
+                </a:tc>
+                <a:extLst>
+                  <a:ext uri="{0D108BD9-81ED-4DB2-BD59-A6C34878D82A}">
+                    <a16:rowId xmlns:a16="http://schemas.microsoft.com/office/drawing/2014/main" val="3902019285"/>
+                  </a:ext>
+                </a:extLst>
+              </a:tr>
+              <a:tr h="200025">
+                <a:tc>
+                  <a:txBody>
+                    <a:bodyPr/>
+                    <a:lstStyle/>
+                    <a:p>
+                      <a:pPr algn="ctr" rtl="0" fontAlgn="b"/>
+                      <a:r>
+                        <a:rPr lang="en-US" altLang="zh-TW" sz="1400" b="0">
+                          <a:effectLst/>
+                          <a:latin typeface="Arial" panose="020B0604020202020204" pitchFamily="34" charset="0"/>
+                        </a:rPr>
+                        <a:t>8</a:t>
+                      </a:r>
+                    </a:p>
+                  </a:txBody>
+                  <a:tcPr marL="28575" marR="28575" marT="19050" marB="19050" anchor="b">
+                    <a:lnL w="12700" cap="flat" cmpd="sng" algn="ctr">
+                      <a:solidFill>
+                        <a:schemeClr val="tx1"/>
+                      </a:solidFill>
+                      <a:prstDash val="solid"/>
+                      <a:round/>
+                      <a:headEnd type="none" w="med" len="med"/>
+                      <a:tailEnd type="none" w="med" len="med"/>
+                    </a:lnL>
+                    <a:lnR w="12700" cap="flat" cmpd="sng" algn="ctr">
+                      <a:solidFill>
+                        <a:schemeClr val="tx1"/>
+                      </a:solidFill>
+                      <a:prstDash val="solid"/>
+                      <a:round/>
+                      <a:headEnd type="none" w="med" len="med"/>
+                      <a:tailEnd type="none" w="med" len="med"/>
+                    </a:lnR>
+                    <a:lnT w="12700" cap="flat" cmpd="sng" algn="ctr">
+                      <a:solidFill>
+                        <a:schemeClr val="tx1"/>
+                      </a:solidFill>
+                      <a:prstDash val="solid"/>
+                      <a:round/>
+                      <a:headEnd type="none" w="med" len="med"/>
+                      <a:tailEnd type="none" w="med" len="med"/>
+                    </a:lnT>
+                    <a:lnB w="12700" cap="flat" cmpd="sng" algn="ctr">
+                      <a:solidFill>
+                        <a:schemeClr val="tx1"/>
+                      </a:solidFill>
+                      <a:prstDash val="solid"/>
+                      <a:round/>
+                      <a:headEnd type="none" w="med" len="med"/>
+                      <a:tailEnd type="none" w="med" len="med"/>
+                    </a:lnB>
+                  </a:tcPr>
+                </a:tc>
+                <a:tc>
+                  <a:txBody>
+                    <a:bodyPr/>
+                    <a:lstStyle/>
+                    <a:p>
+                      <a:pPr algn="ctr" rtl="0" fontAlgn="b"/>
+                      <a:r>
+                        <a:rPr lang="en-US" altLang="zh-TW" sz="1400" b="0">
+                          <a:effectLst/>
+                          <a:latin typeface="Arial" panose="020B0604020202020204" pitchFamily="34" charset="0"/>
+                        </a:rPr>
+                        <a:t>10.1949</a:t>
+                      </a:r>
+                    </a:p>
+                  </a:txBody>
+                  <a:tcPr marL="28575" marR="28575" marT="19050" marB="19050" anchor="b">
+                    <a:lnL w="12700" cap="flat" cmpd="sng" algn="ctr">
+                      <a:solidFill>
+                        <a:schemeClr val="tx1"/>
+                      </a:solidFill>
+                      <a:prstDash val="solid"/>
+                      <a:round/>
+                      <a:headEnd type="none" w="med" len="med"/>
+                      <a:tailEnd type="none" w="med" len="med"/>
+                    </a:lnL>
+                    <a:lnR w="12700" cap="flat" cmpd="sng" algn="ctr">
+                      <a:solidFill>
+                        <a:schemeClr val="tx1"/>
+                      </a:solidFill>
+                      <a:prstDash val="solid"/>
+                      <a:round/>
+                      <a:headEnd type="none" w="med" len="med"/>
+                      <a:tailEnd type="none" w="med" len="med"/>
+                    </a:lnR>
+                    <a:lnT w="12700" cap="flat" cmpd="sng" algn="ctr">
+                      <a:solidFill>
+                        <a:schemeClr val="tx1"/>
+                      </a:solidFill>
+                      <a:prstDash val="solid"/>
+                      <a:round/>
+                      <a:headEnd type="none" w="med" len="med"/>
+                      <a:tailEnd type="none" w="med" len="med"/>
+                    </a:lnT>
+                    <a:lnB w="12700" cap="flat" cmpd="sng" algn="ctr">
+                      <a:solidFill>
+                        <a:schemeClr val="tx1"/>
+                      </a:solidFill>
+                      <a:prstDash val="solid"/>
+                      <a:round/>
+                      <a:headEnd type="none" w="med" len="med"/>
+                      <a:tailEnd type="none" w="med" len="med"/>
+                    </a:lnB>
+                    <a:solidFill>
+                      <a:srgbClr val="B7E1CD"/>
+                    </a:solidFill>
+                  </a:tcPr>
+                </a:tc>
+                <a:tc>
+                  <a:txBody>
+                    <a:bodyPr/>
+                    <a:lstStyle/>
+                    <a:p>
+                      <a:pPr algn="ctr" rtl="0" fontAlgn="b"/>
+                      <a:r>
+                        <a:rPr lang="en-US" altLang="zh-TW" sz="1400" b="0">
+                          <a:effectLst/>
+                          <a:latin typeface="Arial" panose="020B0604020202020204" pitchFamily="34" charset="0"/>
+                        </a:rPr>
+                        <a:t>1676.76</a:t>
+                      </a:r>
+                    </a:p>
+                  </a:txBody>
+                  <a:tcPr marL="28575" marR="28575" marT="19050" marB="19050" anchor="b">
+                    <a:lnL w="12700" cap="flat" cmpd="sng" algn="ctr">
+                      <a:solidFill>
+                        <a:schemeClr val="tx1"/>
+                      </a:solidFill>
+                      <a:prstDash val="solid"/>
+                      <a:round/>
+                      <a:headEnd type="none" w="med" len="med"/>
+                      <a:tailEnd type="none" w="med" len="med"/>
+                    </a:lnL>
+                    <a:lnR w="12700" cap="flat" cmpd="sng" algn="ctr">
+                      <a:solidFill>
+                        <a:schemeClr val="tx1"/>
+                      </a:solidFill>
+                      <a:prstDash val="solid"/>
+                      <a:round/>
+                      <a:headEnd type="none" w="med" len="med"/>
+                      <a:tailEnd type="none" w="med" len="med"/>
+                    </a:lnR>
+                    <a:lnT w="12700" cap="flat" cmpd="sng" algn="ctr">
+                      <a:solidFill>
+                        <a:schemeClr val="tx1"/>
+                      </a:solidFill>
+                      <a:prstDash val="solid"/>
+                      <a:round/>
+                      <a:headEnd type="none" w="med" len="med"/>
+                      <a:tailEnd type="none" w="med" len="med"/>
+                    </a:lnT>
+                    <a:lnB w="12700" cap="flat" cmpd="sng" algn="ctr">
+                      <a:solidFill>
+                        <a:schemeClr val="tx1"/>
+                      </a:solidFill>
+                      <a:prstDash val="solid"/>
+                      <a:round/>
+                      <a:headEnd type="none" w="med" len="med"/>
+                      <a:tailEnd type="none" w="med" len="med"/>
+                    </a:lnB>
+                    <a:solidFill>
+                      <a:srgbClr val="B7E1CD"/>
+                    </a:solidFill>
+                  </a:tcPr>
+                </a:tc>
+                <a:tc>
+                  <a:txBody>
+                    <a:bodyPr/>
+                    <a:lstStyle/>
+                    <a:p>
+                      <a:pPr algn="ctr" rtl="0" fontAlgn="b"/>
+                      <a:r>
+                        <a:rPr lang="en-US" altLang="zh-TW" sz="1400" b="0">
+                          <a:effectLst/>
+                          <a:latin typeface="Arial" panose="020B0604020202020204" pitchFamily="34" charset="0"/>
+                        </a:rPr>
+                        <a:t>0</a:t>
+                      </a:r>
+                    </a:p>
+                  </a:txBody>
+                  <a:tcPr marL="28575" marR="28575" marT="19050" marB="19050" anchor="b">
+                    <a:lnL w="12700" cap="flat" cmpd="sng" algn="ctr">
+                      <a:solidFill>
+                        <a:schemeClr val="tx1"/>
+                      </a:solidFill>
+                      <a:prstDash val="solid"/>
+                      <a:round/>
+                      <a:headEnd type="none" w="med" len="med"/>
+                      <a:tailEnd type="none" w="med" len="med"/>
+                    </a:lnL>
+                    <a:lnR w="12700" cap="flat" cmpd="sng" algn="ctr">
+                      <a:solidFill>
+                        <a:schemeClr val="tx1"/>
+                      </a:solidFill>
+                      <a:prstDash val="solid"/>
+                      <a:round/>
+                      <a:headEnd type="none" w="med" len="med"/>
+                      <a:tailEnd type="none" w="med" len="med"/>
+                    </a:lnR>
+                    <a:lnT w="12700" cap="flat" cmpd="sng" algn="ctr">
+                      <a:solidFill>
+                        <a:schemeClr val="tx1"/>
+                      </a:solidFill>
+                      <a:prstDash val="solid"/>
+                      <a:round/>
+                      <a:headEnd type="none" w="med" len="med"/>
+                      <a:tailEnd type="none" w="med" len="med"/>
+                    </a:lnT>
+                    <a:lnB w="12700" cap="flat" cmpd="sng" algn="ctr">
+                      <a:solidFill>
+                        <a:schemeClr val="tx1"/>
+                      </a:solidFill>
+                      <a:prstDash val="solid"/>
+                      <a:round/>
+                      <a:headEnd type="none" w="med" len="med"/>
+                      <a:tailEnd type="none" w="med" len="med"/>
+                    </a:lnB>
+                    <a:solidFill>
+                      <a:srgbClr val="B7E1CD"/>
+                    </a:solidFill>
+                  </a:tcPr>
+                </a:tc>
+                <a:tc>
+                  <a:txBody>
+                    <a:bodyPr/>
+                    <a:lstStyle/>
+                    <a:p>
+                      <a:pPr algn="ctr" rtl="0" fontAlgn="b"/>
+                      <a:r>
+                        <a:rPr lang="en-US" altLang="zh-TW" sz="1400" b="0">
+                          <a:effectLst/>
+                          <a:latin typeface="Arial" panose="020B0604020202020204" pitchFamily="34" charset="0"/>
+                        </a:rPr>
+                        <a:t>0.0006</a:t>
+                      </a:r>
+                    </a:p>
+                  </a:txBody>
+                  <a:tcPr marL="28575" marR="28575" marT="19050" marB="19050" anchor="b">
+                    <a:lnL w="12700" cap="flat" cmpd="sng" algn="ctr">
+                      <a:solidFill>
+                        <a:schemeClr val="tx1"/>
+                      </a:solidFill>
+                      <a:prstDash val="solid"/>
+                      <a:round/>
+                      <a:headEnd type="none" w="med" len="med"/>
+                      <a:tailEnd type="none" w="med" len="med"/>
+                    </a:lnL>
+                    <a:lnR w="12700" cap="flat" cmpd="sng" algn="ctr">
+                      <a:solidFill>
+                        <a:schemeClr val="tx1"/>
+                      </a:solidFill>
+                      <a:prstDash val="solid"/>
+                      <a:round/>
+                      <a:headEnd type="none" w="med" len="med"/>
+                      <a:tailEnd type="none" w="med" len="med"/>
+                    </a:lnR>
+                    <a:lnT w="12700" cap="flat" cmpd="sng" algn="ctr">
+                      <a:solidFill>
+                        <a:schemeClr val="tx1"/>
+                      </a:solidFill>
+                      <a:prstDash val="solid"/>
+                      <a:round/>
+                      <a:headEnd type="none" w="med" len="med"/>
+                      <a:tailEnd type="none" w="med" len="med"/>
+                    </a:lnT>
+                    <a:lnB w="12700" cap="flat" cmpd="sng" algn="ctr">
+                      <a:solidFill>
+                        <a:schemeClr val="tx1"/>
+                      </a:solidFill>
+                      <a:prstDash val="solid"/>
+                      <a:round/>
+                      <a:headEnd type="none" w="med" len="med"/>
+                      <a:tailEnd type="none" w="med" len="med"/>
+                    </a:lnB>
+                    <a:solidFill>
+                      <a:srgbClr val="B7E1CD"/>
+                    </a:solidFill>
+                  </a:tcPr>
+                </a:tc>
+                <a:tc>
+                  <a:txBody>
+                    <a:bodyPr/>
+                    <a:lstStyle/>
+                    <a:p>
+                      <a:pPr algn="ctr" rtl="0" fontAlgn="b"/>
+                      <a:r>
+                        <a:rPr lang="en-US" altLang="zh-TW" sz="1400" b="0">
+                          <a:effectLst/>
+                          <a:latin typeface="Arial" panose="020B0604020202020204" pitchFamily="34" charset="0"/>
+                        </a:rPr>
+                        <a:t>967.8447</a:t>
+                      </a:r>
+                    </a:p>
+                  </a:txBody>
+                  <a:tcPr marL="28575" marR="28575" marT="19050" marB="19050" anchor="b">
+                    <a:lnL w="12700" cap="flat" cmpd="sng" algn="ctr">
+                      <a:solidFill>
+                        <a:schemeClr val="tx1"/>
+                      </a:solidFill>
+                      <a:prstDash val="solid"/>
+                      <a:round/>
+                      <a:headEnd type="none" w="med" len="med"/>
+                      <a:tailEnd type="none" w="med" len="med"/>
+                    </a:lnL>
+                    <a:lnR w="12700" cap="flat" cmpd="sng" algn="ctr">
+                      <a:solidFill>
+                        <a:schemeClr val="tx1"/>
+                      </a:solidFill>
+                      <a:prstDash val="solid"/>
+                      <a:round/>
+                      <a:headEnd type="none" w="med" len="med"/>
+                      <a:tailEnd type="none" w="med" len="med"/>
+                    </a:lnR>
+                    <a:lnT w="12700" cap="flat" cmpd="sng" algn="ctr">
+                      <a:solidFill>
+                        <a:schemeClr val="tx1"/>
+                      </a:solidFill>
+                      <a:prstDash val="solid"/>
+                      <a:round/>
+                      <a:headEnd type="none" w="med" len="med"/>
+                      <a:tailEnd type="none" w="med" len="med"/>
+                    </a:lnT>
+                    <a:lnB w="12700" cap="flat" cmpd="sng" algn="ctr">
+                      <a:solidFill>
+                        <a:schemeClr val="tx1"/>
+                      </a:solidFill>
+                      <a:prstDash val="solid"/>
+                      <a:round/>
+                      <a:headEnd type="none" w="med" len="med"/>
+                      <a:tailEnd type="none" w="med" len="med"/>
+                    </a:lnB>
+                    <a:solidFill>
+                      <a:srgbClr val="F4C7C3"/>
+                    </a:solidFill>
+                  </a:tcPr>
+                </a:tc>
+                <a:tc>
+                  <a:txBody>
+                    <a:bodyPr/>
+                    <a:lstStyle/>
+                    <a:p>
+                      <a:pPr algn="ctr" rtl="0" fontAlgn="b"/>
+                      <a:r>
+                        <a:rPr lang="en-US" altLang="zh-TW" sz="1400" b="0">
+                          <a:effectLst/>
+                          <a:latin typeface="Arial" panose="020B0604020202020204" pitchFamily="34" charset="0"/>
+                        </a:rPr>
+                        <a:t>447.165</a:t>
+                      </a:r>
+                    </a:p>
+                  </a:txBody>
+                  <a:tcPr marL="28575" marR="28575" marT="19050" marB="19050" anchor="b">
+                    <a:lnL w="12700" cap="flat" cmpd="sng" algn="ctr">
+                      <a:solidFill>
+                        <a:schemeClr val="tx1"/>
+                      </a:solidFill>
+                      <a:prstDash val="solid"/>
+                      <a:round/>
+                      <a:headEnd type="none" w="med" len="med"/>
+                      <a:tailEnd type="none" w="med" len="med"/>
+                    </a:lnL>
+                    <a:lnR w="12700" cap="flat" cmpd="sng" algn="ctr">
+                      <a:solidFill>
+                        <a:schemeClr val="tx1"/>
+                      </a:solidFill>
+                      <a:prstDash val="solid"/>
+                      <a:round/>
+                      <a:headEnd type="none" w="med" len="med"/>
+                      <a:tailEnd type="none" w="med" len="med"/>
+                    </a:lnR>
+                    <a:lnT w="12700" cap="flat" cmpd="sng" algn="ctr">
+                      <a:solidFill>
+                        <a:schemeClr val="tx1"/>
+                      </a:solidFill>
+                      <a:prstDash val="solid"/>
+                      <a:round/>
+                      <a:headEnd type="none" w="med" len="med"/>
+                      <a:tailEnd type="none" w="med" len="med"/>
+                    </a:lnT>
+                    <a:lnB w="12700" cap="flat" cmpd="sng" algn="ctr">
+                      <a:solidFill>
+                        <a:schemeClr val="tx1"/>
+                      </a:solidFill>
+                      <a:prstDash val="solid"/>
+                      <a:round/>
+                      <a:headEnd type="none" w="med" len="med"/>
+                      <a:tailEnd type="none" w="med" len="med"/>
+                    </a:lnB>
+                    <a:solidFill>
+                      <a:srgbClr val="B7E1CD"/>
+                    </a:solidFill>
+                  </a:tcPr>
+                </a:tc>
+                <a:tc>
+                  <a:txBody>
+                    <a:bodyPr/>
+                    <a:lstStyle/>
+                    <a:p>
+                      <a:pPr algn="ctr" rtl="0" fontAlgn="b"/>
+                      <a:r>
+                        <a:rPr lang="en-US" altLang="zh-TW" sz="1400" b="0">
+                          <a:effectLst/>
+                          <a:latin typeface="Arial" panose="020B0604020202020204" pitchFamily="34" charset="0"/>
+                        </a:rPr>
+                        <a:t>0.671</a:t>
+                      </a:r>
+                    </a:p>
+                  </a:txBody>
+                  <a:tcPr marL="28575" marR="28575" marT="19050" marB="19050" anchor="b">
+                    <a:lnL w="12700" cap="flat" cmpd="sng" algn="ctr">
+                      <a:solidFill>
+                        <a:schemeClr val="tx1"/>
+                      </a:solidFill>
+                      <a:prstDash val="solid"/>
+                      <a:round/>
+                      <a:headEnd type="none" w="med" len="med"/>
+                      <a:tailEnd type="none" w="med" len="med"/>
+                    </a:lnL>
+                    <a:lnR w="12700" cap="flat" cmpd="sng" algn="ctr">
+                      <a:solidFill>
+                        <a:schemeClr val="tx1"/>
+                      </a:solidFill>
+                      <a:prstDash val="solid"/>
+                      <a:round/>
+                      <a:headEnd type="none" w="med" len="med"/>
+                      <a:tailEnd type="none" w="med" len="med"/>
+                    </a:lnR>
+                    <a:lnT w="12700" cap="flat" cmpd="sng" algn="ctr">
+                      <a:solidFill>
+                        <a:schemeClr val="tx1"/>
+                      </a:solidFill>
+                      <a:prstDash val="solid"/>
+                      <a:round/>
+                      <a:headEnd type="none" w="med" len="med"/>
+                      <a:tailEnd type="none" w="med" len="med"/>
+                    </a:lnT>
+                    <a:lnB w="12700" cap="flat" cmpd="sng" algn="ctr">
+                      <a:solidFill>
+                        <a:schemeClr val="tx1"/>
+                      </a:solidFill>
+                      <a:prstDash val="solid"/>
+                      <a:round/>
+                      <a:headEnd type="none" w="med" len="med"/>
+                      <a:tailEnd type="none" w="med" len="med"/>
+                    </a:lnB>
+                    <a:solidFill>
+                      <a:srgbClr val="B7E1CD"/>
+                    </a:solidFill>
+                  </a:tcPr>
+                </a:tc>
+                <a:extLst>
+                  <a:ext uri="{0D108BD9-81ED-4DB2-BD59-A6C34878D82A}">
+                    <a16:rowId xmlns:a16="http://schemas.microsoft.com/office/drawing/2014/main" val="3846012949"/>
+                  </a:ext>
+                </a:extLst>
+              </a:tr>
+              <a:tr h="200025">
+                <a:tc>
+                  <a:txBody>
+                    <a:bodyPr/>
+                    <a:lstStyle/>
+                    <a:p>
+                      <a:pPr algn="ctr" rtl="0" fontAlgn="b"/>
+                      <a:r>
+                        <a:rPr lang="en-US" altLang="zh-TW" sz="1400" b="0">
+                          <a:effectLst/>
+                          <a:latin typeface="Arial" panose="020B0604020202020204" pitchFamily="34" charset="0"/>
+                        </a:rPr>
+                        <a:t>9</a:t>
+                      </a:r>
+                    </a:p>
+                  </a:txBody>
+                  <a:tcPr marL="28575" marR="28575" marT="19050" marB="19050" anchor="b">
+                    <a:lnL w="12700" cap="flat" cmpd="sng" algn="ctr">
+                      <a:solidFill>
+                        <a:schemeClr val="tx1"/>
+                      </a:solidFill>
+                      <a:prstDash val="solid"/>
+                      <a:round/>
+                      <a:headEnd type="none" w="med" len="med"/>
+                      <a:tailEnd type="none" w="med" len="med"/>
+                    </a:lnL>
+                    <a:lnR w="12700" cap="flat" cmpd="sng" algn="ctr">
+                      <a:solidFill>
+                        <a:schemeClr val="tx1"/>
+                      </a:solidFill>
+                      <a:prstDash val="solid"/>
+                      <a:round/>
+                      <a:headEnd type="none" w="med" len="med"/>
+                      <a:tailEnd type="none" w="med" len="med"/>
+                    </a:lnR>
+                    <a:lnT w="12700" cap="flat" cmpd="sng" algn="ctr">
+                      <a:solidFill>
+                        <a:schemeClr val="tx1"/>
+                      </a:solidFill>
+                      <a:prstDash val="solid"/>
+                      <a:round/>
+                      <a:headEnd type="none" w="med" len="med"/>
+                      <a:tailEnd type="none" w="med" len="med"/>
+                    </a:lnT>
+                    <a:lnB w="12700" cap="flat" cmpd="sng" algn="ctr">
+                      <a:solidFill>
+                        <a:schemeClr val="tx1"/>
+                      </a:solidFill>
+                      <a:prstDash val="solid"/>
+                      <a:round/>
+                      <a:headEnd type="none" w="med" len="med"/>
+                      <a:tailEnd type="none" w="med" len="med"/>
+                    </a:lnB>
+                  </a:tcPr>
+                </a:tc>
+                <a:tc>
+                  <a:txBody>
+                    <a:bodyPr/>
+                    <a:lstStyle/>
+                    <a:p>
+                      <a:pPr algn="ctr" rtl="0" fontAlgn="b"/>
+                      <a:r>
+                        <a:rPr lang="en-US" altLang="zh-TW" sz="1400" b="0">
+                          <a:effectLst/>
+                          <a:latin typeface="Arial" panose="020B0604020202020204" pitchFamily="34" charset="0"/>
+                        </a:rPr>
+                        <a:t>1.4706</a:t>
+                      </a:r>
+                    </a:p>
+                  </a:txBody>
+                  <a:tcPr marL="28575" marR="28575" marT="19050" marB="19050" anchor="b">
+                    <a:lnL w="12700" cap="flat" cmpd="sng" algn="ctr">
+                      <a:solidFill>
+                        <a:schemeClr val="tx1"/>
+                      </a:solidFill>
+                      <a:prstDash val="solid"/>
+                      <a:round/>
+                      <a:headEnd type="none" w="med" len="med"/>
+                      <a:tailEnd type="none" w="med" len="med"/>
+                    </a:lnL>
+                    <a:lnR w="12700" cap="flat" cmpd="sng" algn="ctr">
+                      <a:solidFill>
+                        <a:schemeClr val="tx1"/>
+                      </a:solidFill>
+                      <a:prstDash val="solid"/>
+                      <a:round/>
+                      <a:headEnd type="none" w="med" len="med"/>
+                      <a:tailEnd type="none" w="med" len="med"/>
+                    </a:lnR>
+                    <a:lnT w="12700" cap="flat" cmpd="sng" algn="ctr">
+                      <a:solidFill>
+                        <a:schemeClr val="tx1"/>
+                      </a:solidFill>
+                      <a:prstDash val="solid"/>
+                      <a:round/>
+                      <a:headEnd type="none" w="med" len="med"/>
+                      <a:tailEnd type="none" w="med" len="med"/>
+                    </a:lnT>
+                    <a:lnB w="12700" cap="flat" cmpd="sng" algn="ctr">
+                      <a:solidFill>
+                        <a:schemeClr val="tx1"/>
+                      </a:solidFill>
+                      <a:prstDash val="solid"/>
+                      <a:round/>
+                      <a:headEnd type="none" w="med" len="med"/>
+                      <a:tailEnd type="none" w="med" len="med"/>
+                    </a:lnB>
+                    <a:solidFill>
+                      <a:srgbClr val="B7E1CD"/>
+                    </a:solidFill>
+                  </a:tcPr>
+                </a:tc>
+                <a:tc>
+                  <a:txBody>
+                    <a:bodyPr/>
+                    <a:lstStyle/>
+                    <a:p>
+                      <a:pPr algn="ctr" rtl="0" fontAlgn="b"/>
+                      <a:r>
+                        <a:rPr lang="en-US" altLang="zh-TW" sz="1400" b="0">
+                          <a:effectLst/>
+                          <a:latin typeface="Arial" panose="020B0604020202020204" pitchFamily="34" charset="0"/>
+                        </a:rPr>
+                        <a:t>0</a:t>
+                      </a:r>
+                    </a:p>
+                  </a:txBody>
+                  <a:tcPr marL="28575" marR="28575" marT="19050" marB="19050" anchor="b">
+                    <a:lnL w="12700" cap="flat" cmpd="sng" algn="ctr">
+                      <a:solidFill>
+                        <a:schemeClr val="tx1"/>
+                      </a:solidFill>
+                      <a:prstDash val="solid"/>
+                      <a:round/>
+                      <a:headEnd type="none" w="med" len="med"/>
+                      <a:tailEnd type="none" w="med" len="med"/>
+                    </a:lnL>
+                    <a:lnR w="12700" cap="flat" cmpd="sng" algn="ctr">
+                      <a:solidFill>
+                        <a:schemeClr val="tx1"/>
+                      </a:solidFill>
+                      <a:prstDash val="solid"/>
+                      <a:round/>
+                      <a:headEnd type="none" w="med" len="med"/>
+                      <a:tailEnd type="none" w="med" len="med"/>
+                    </a:lnR>
+                    <a:lnT w="12700" cap="flat" cmpd="sng" algn="ctr">
+                      <a:solidFill>
+                        <a:schemeClr val="tx1"/>
+                      </a:solidFill>
+                      <a:prstDash val="solid"/>
+                      <a:round/>
+                      <a:headEnd type="none" w="med" len="med"/>
+                      <a:tailEnd type="none" w="med" len="med"/>
+                    </a:lnT>
+                    <a:lnB w="12700" cap="flat" cmpd="sng" algn="ctr">
+                      <a:solidFill>
+                        <a:schemeClr val="tx1"/>
+                      </a:solidFill>
+                      <a:prstDash val="solid"/>
+                      <a:round/>
+                      <a:headEnd type="none" w="med" len="med"/>
+                      <a:tailEnd type="none" w="med" len="med"/>
+                    </a:lnB>
+                    <a:solidFill>
+                      <a:srgbClr val="B7E1CD"/>
+                    </a:solidFill>
+                  </a:tcPr>
+                </a:tc>
+                <a:tc>
+                  <a:txBody>
+                    <a:bodyPr/>
+                    <a:lstStyle/>
+                    <a:p>
+                      <a:pPr algn="ctr" rtl="0" fontAlgn="b"/>
+                      <a:r>
+                        <a:rPr lang="en-US" altLang="zh-TW" sz="1400" b="0">
+                          <a:effectLst/>
+                          <a:latin typeface="Arial" panose="020B0604020202020204" pitchFamily="34" charset="0"/>
+                        </a:rPr>
+                        <a:t>0</a:t>
+                      </a:r>
+                    </a:p>
+                  </a:txBody>
+                  <a:tcPr marL="28575" marR="28575" marT="19050" marB="19050" anchor="b">
+                    <a:lnL w="12700" cap="flat" cmpd="sng" algn="ctr">
+                      <a:solidFill>
+                        <a:schemeClr val="tx1"/>
+                      </a:solidFill>
+                      <a:prstDash val="solid"/>
+                      <a:round/>
+                      <a:headEnd type="none" w="med" len="med"/>
+                      <a:tailEnd type="none" w="med" len="med"/>
+                    </a:lnL>
+                    <a:lnR w="12700" cap="flat" cmpd="sng" algn="ctr">
+                      <a:solidFill>
+                        <a:schemeClr val="tx1"/>
+                      </a:solidFill>
+                      <a:prstDash val="solid"/>
+                      <a:round/>
+                      <a:headEnd type="none" w="med" len="med"/>
+                      <a:tailEnd type="none" w="med" len="med"/>
+                    </a:lnR>
+                    <a:lnT w="12700" cap="flat" cmpd="sng" algn="ctr">
+                      <a:solidFill>
+                        <a:schemeClr val="tx1"/>
+                      </a:solidFill>
+                      <a:prstDash val="solid"/>
+                      <a:round/>
+                      <a:headEnd type="none" w="med" len="med"/>
+                      <a:tailEnd type="none" w="med" len="med"/>
+                    </a:lnT>
+                    <a:lnB w="12700" cap="flat" cmpd="sng" algn="ctr">
+                      <a:solidFill>
+                        <a:schemeClr val="tx1"/>
+                      </a:solidFill>
+                      <a:prstDash val="solid"/>
+                      <a:round/>
+                      <a:headEnd type="none" w="med" len="med"/>
+                      <a:tailEnd type="none" w="med" len="med"/>
+                    </a:lnB>
+                  </a:tcPr>
+                </a:tc>
+                <a:tc>
+                  <a:txBody>
+                    <a:bodyPr/>
+                    <a:lstStyle/>
+                    <a:p>
+                      <a:pPr algn="ctr" rtl="0" fontAlgn="b"/>
+                      <a:r>
+                        <a:rPr lang="en-US" altLang="zh-TW" sz="1400" b="0">
+                          <a:effectLst/>
+                          <a:latin typeface="Arial" panose="020B0604020202020204" pitchFamily="34" charset="0"/>
+                        </a:rPr>
+                        <a:t>0.0007</a:t>
+                      </a:r>
+                    </a:p>
+                  </a:txBody>
+                  <a:tcPr marL="28575" marR="28575" marT="19050" marB="19050" anchor="b">
+                    <a:lnL w="12700" cap="flat" cmpd="sng" algn="ctr">
+                      <a:solidFill>
+                        <a:schemeClr val="tx1"/>
+                      </a:solidFill>
+                      <a:prstDash val="solid"/>
+                      <a:round/>
+                      <a:headEnd type="none" w="med" len="med"/>
+                      <a:tailEnd type="none" w="med" len="med"/>
+                    </a:lnL>
+                    <a:lnR w="12700" cap="flat" cmpd="sng" algn="ctr">
+                      <a:solidFill>
+                        <a:schemeClr val="tx1"/>
+                      </a:solidFill>
+                      <a:prstDash val="solid"/>
+                      <a:round/>
+                      <a:headEnd type="none" w="med" len="med"/>
+                      <a:tailEnd type="none" w="med" len="med"/>
+                    </a:lnR>
+                    <a:lnT w="12700" cap="flat" cmpd="sng" algn="ctr">
+                      <a:solidFill>
+                        <a:schemeClr val="tx1"/>
+                      </a:solidFill>
+                      <a:prstDash val="solid"/>
+                      <a:round/>
+                      <a:headEnd type="none" w="med" len="med"/>
+                      <a:tailEnd type="none" w="med" len="med"/>
+                    </a:lnT>
+                    <a:lnB w="12700" cap="flat" cmpd="sng" algn="ctr">
+                      <a:solidFill>
+                        <a:schemeClr val="tx1"/>
+                      </a:solidFill>
+                      <a:prstDash val="solid"/>
+                      <a:round/>
+                      <a:headEnd type="none" w="med" len="med"/>
+                      <a:tailEnd type="none" w="med" len="med"/>
+                    </a:lnB>
+                    <a:solidFill>
+                      <a:srgbClr val="B7E1CD"/>
+                    </a:solidFill>
+                  </a:tcPr>
+                </a:tc>
+                <a:tc>
+                  <a:txBody>
+                    <a:bodyPr/>
+                    <a:lstStyle/>
+                    <a:p>
+                      <a:pPr algn="ctr" rtl="0" fontAlgn="b"/>
+                      <a:r>
+                        <a:rPr lang="en-US" altLang="zh-TW" sz="1400" b="0">
+                          <a:effectLst/>
+                          <a:latin typeface="Arial" panose="020B0604020202020204" pitchFamily="34" charset="0"/>
+                        </a:rPr>
+                        <a:t>0</a:t>
+                      </a:r>
+                    </a:p>
+                  </a:txBody>
+                  <a:tcPr marL="28575" marR="28575" marT="19050" marB="19050" anchor="b">
+                    <a:lnL w="12700" cap="flat" cmpd="sng" algn="ctr">
+                      <a:solidFill>
+                        <a:schemeClr val="tx1"/>
+                      </a:solidFill>
+                      <a:prstDash val="solid"/>
+                      <a:round/>
+                      <a:headEnd type="none" w="med" len="med"/>
+                      <a:tailEnd type="none" w="med" len="med"/>
+                    </a:lnL>
+                    <a:lnR w="12700" cap="flat" cmpd="sng" algn="ctr">
+                      <a:solidFill>
+                        <a:schemeClr val="tx1"/>
+                      </a:solidFill>
+                      <a:prstDash val="solid"/>
+                      <a:round/>
+                      <a:headEnd type="none" w="med" len="med"/>
+                      <a:tailEnd type="none" w="med" len="med"/>
+                    </a:lnR>
+                    <a:lnT w="12700" cap="flat" cmpd="sng" algn="ctr">
+                      <a:solidFill>
+                        <a:schemeClr val="tx1"/>
+                      </a:solidFill>
+                      <a:prstDash val="solid"/>
+                      <a:round/>
+                      <a:headEnd type="none" w="med" len="med"/>
+                      <a:tailEnd type="none" w="med" len="med"/>
+                    </a:lnT>
+                    <a:lnB w="12700" cap="flat" cmpd="sng" algn="ctr">
+                      <a:solidFill>
+                        <a:schemeClr val="tx1"/>
+                      </a:solidFill>
+                      <a:prstDash val="solid"/>
+                      <a:round/>
+                      <a:headEnd type="none" w="med" len="med"/>
+                      <a:tailEnd type="none" w="med" len="med"/>
+                    </a:lnB>
+                  </a:tcPr>
+                </a:tc>
+                <a:tc>
+                  <a:txBody>
+                    <a:bodyPr/>
+                    <a:lstStyle/>
+                    <a:p>
+                      <a:pPr algn="ctr" rtl="0" fontAlgn="b"/>
+                      <a:r>
+                        <a:rPr lang="en-US" altLang="zh-TW" sz="1400" b="0">
+                          <a:effectLst/>
+                          <a:latin typeface="Arial" panose="020B0604020202020204" pitchFamily="34" charset="0"/>
+                        </a:rPr>
+                        <a:t>66.1595</a:t>
+                      </a:r>
+                    </a:p>
+                  </a:txBody>
+                  <a:tcPr marL="28575" marR="28575" marT="19050" marB="19050" anchor="b">
+                    <a:lnL w="12700" cap="flat" cmpd="sng" algn="ctr">
+                      <a:solidFill>
+                        <a:schemeClr val="tx1"/>
+                      </a:solidFill>
+                      <a:prstDash val="solid"/>
+                      <a:round/>
+                      <a:headEnd type="none" w="med" len="med"/>
+                      <a:tailEnd type="none" w="med" len="med"/>
+                    </a:lnL>
+                    <a:lnR w="12700" cap="flat" cmpd="sng" algn="ctr">
+                      <a:solidFill>
+                        <a:schemeClr val="tx1"/>
+                      </a:solidFill>
+                      <a:prstDash val="solid"/>
+                      <a:round/>
+                      <a:headEnd type="none" w="med" len="med"/>
+                      <a:tailEnd type="none" w="med" len="med"/>
+                    </a:lnR>
+                    <a:lnT w="12700" cap="flat" cmpd="sng" algn="ctr">
+                      <a:solidFill>
+                        <a:schemeClr val="tx1"/>
+                      </a:solidFill>
+                      <a:prstDash val="solid"/>
+                      <a:round/>
+                      <a:headEnd type="none" w="med" len="med"/>
+                      <a:tailEnd type="none" w="med" len="med"/>
+                    </a:lnT>
+                    <a:lnB w="12700" cap="flat" cmpd="sng" algn="ctr">
+                      <a:solidFill>
+                        <a:schemeClr val="tx1"/>
+                      </a:solidFill>
+                      <a:prstDash val="solid"/>
+                      <a:round/>
+                      <a:headEnd type="none" w="med" len="med"/>
+                      <a:tailEnd type="none" w="med" len="med"/>
+                    </a:lnB>
+                    <a:solidFill>
+                      <a:srgbClr val="F4C7C3"/>
+                    </a:solidFill>
+                  </a:tcPr>
+                </a:tc>
+                <a:tc>
+                  <a:txBody>
+                    <a:bodyPr/>
+                    <a:lstStyle/>
+                    <a:p>
+                      <a:pPr algn="ctr" rtl="0" fontAlgn="b"/>
+                      <a:r>
+                        <a:rPr lang="en-US" altLang="zh-TW" sz="1400" b="0">
+                          <a:effectLst/>
+                          <a:latin typeface="Arial" panose="020B0604020202020204" pitchFamily="34" charset="0"/>
+                        </a:rPr>
+                        <a:t>0.6815</a:t>
+                      </a:r>
+                    </a:p>
+                  </a:txBody>
+                  <a:tcPr marL="28575" marR="28575" marT="19050" marB="19050" anchor="b">
+                    <a:lnL w="12700" cap="flat" cmpd="sng" algn="ctr">
+                      <a:solidFill>
+                        <a:schemeClr val="tx1"/>
+                      </a:solidFill>
+                      <a:prstDash val="solid"/>
+                      <a:round/>
+                      <a:headEnd type="none" w="med" len="med"/>
+                      <a:tailEnd type="none" w="med" len="med"/>
+                    </a:lnL>
+                    <a:lnR w="12700" cap="flat" cmpd="sng" algn="ctr">
+                      <a:solidFill>
+                        <a:schemeClr val="tx1"/>
+                      </a:solidFill>
+                      <a:prstDash val="solid"/>
+                      <a:round/>
+                      <a:headEnd type="none" w="med" len="med"/>
+                      <a:tailEnd type="none" w="med" len="med"/>
+                    </a:lnR>
+                    <a:lnT w="12700" cap="flat" cmpd="sng" algn="ctr">
+                      <a:solidFill>
+                        <a:schemeClr val="tx1"/>
+                      </a:solidFill>
+                      <a:prstDash val="solid"/>
+                      <a:round/>
+                      <a:headEnd type="none" w="med" len="med"/>
+                      <a:tailEnd type="none" w="med" len="med"/>
+                    </a:lnT>
+                    <a:lnB w="12700" cap="flat" cmpd="sng" algn="ctr">
+                      <a:solidFill>
+                        <a:schemeClr val="tx1"/>
+                      </a:solidFill>
+                      <a:prstDash val="solid"/>
+                      <a:round/>
+                      <a:headEnd type="none" w="med" len="med"/>
+                      <a:tailEnd type="none" w="med" len="med"/>
+                    </a:lnB>
+                    <a:solidFill>
+                      <a:srgbClr val="B7E1CD"/>
+                    </a:solidFill>
+                  </a:tcPr>
+                </a:tc>
+                <a:extLst>
+                  <a:ext uri="{0D108BD9-81ED-4DB2-BD59-A6C34878D82A}">
+                    <a16:rowId xmlns:a16="http://schemas.microsoft.com/office/drawing/2014/main" val="4083068709"/>
+                  </a:ext>
+                </a:extLst>
+              </a:tr>
+              <a:tr h="200025">
+                <a:tc>
+                  <a:txBody>
+                    <a:bodyPr/>
+                    <a:lstStyle/>
+                    <a:p>
+                      <a:pPr algn="ctr" rtl="0" fontAlgn="b"/>
+                      <a:r>
+                        <a:rPr lang="en-US" altLang="zh-TW" sz="1400" b="0" dirty="0">
+                          <a:effectLst/>
+                          <a:latin typeface="Arial" panose="020B0604020202020204" pitchFamily="34" charset="0"/>
+                        </a:rPr>
+                        <a:t>10</a:t>
+                      </a:r>
+                    </a:p>
+                  </a:txBody>
+                  <a:tcPr marL="28575" marR="28575" marT="19050" marB="19050" anchor="b">
+                    <a:lnL w="12700" cap="flat" cmpd="sng" algn="ctr">
+                      <a:solidFill>
+                        <a:schemeClr val="tx1"/>
+                      </a:solidFill>
+                      <a:prstDash val="solid"/>
+                      <a:round/>
+                      <a:headEnd type="none" w="med" len="med"/>
+                      <a:tailEnd type="none" w="med" len="med"/>
+                    </a:lnL>
+                    <a:lnR w="12700" cap="flat" cmpd="sng" algn="ctr">
+                      <a:solidFill>
+                        <a:schemeClr val="tx1"/>
+                      </a:solidFill>
+                      <a:prstDash val="solid"/>
+                      <a:round/>
+                      <a:headEnd type="none" w="med" len="med"/>
+                      <a:tailEnd type="none" w="med" len="med"/>
+                    </a:lnR>
+                    <a:lnT w="12700" cap="flat" cmpd="sng" algn="ctr">
+                      <a:solidFill>
+                        <a:schemeClr val="tx1"/>
+                      </a:solidFill>
+                      <a:prstDash val="solid"/>
+                      <a:round/>
+                      <a:headEnd type="none" w="med" len="med"/>
+                      <a:tailEnd type="none" w="med" len="med"/>
+                    </a:lnT>
+                    <a:lnB w="12700" cap="flat" cmpd="sng" algn="ctr">
+                      <a:solidFill>
+                        <a:schemeClr val="tx1"/>
+                      </a:solidFill>
+                      <a:prstDash val="solid"/>
+                      <a:round/>
+                      <a:headEnd type="none" w="med" len="med"/>
+                      <a:tailEnd type="none" w="med" len="med"/>
+                    </a:lnB>
+                  </a:tcPr>
+                </a:tc>
+                <a:tc>
+                  <a:txBody>
+                    <a:bodyPr/>
+                    <a:lstStyle/>
+                    <a:p>
+                      <a:pPr algn="ctr" rtl="0" fontAlgn="b"/>
+                      <a:r>
+                        <a:rPr lang="en-US" altLang="zh-TW" sz="1400" b="0">
+                          <a:effectLst/>
+                          <a:latin typeface="Arial" panose="020B0604020202020204" pitchFamily="34" charset="0"/>
+                        </a:rPr>
+                        <a:t>10.7609</a:t>
+                      </a:r>
+                    </a:p>
+                  </a:txBody>
+                  <a:tcPr marL="28575" marR="28575" marT="19050" marB="19050" anchor="b">
+                    <a:lnL w="12700" cap="flat" cmpd="sng" algn="ctr">
+                      <a:solidFill>
+                        <a:schemeClr val="tx1"/>
+                      </a:solidFill>
+                      <a:prstDash val="solid"/>
+                      <a:round/>
+                      <a:headEnd type="none" w="med" len="med"/>
+                      <a:tailEnd type="none" w="med" len="med"/>
+                    </a:lnL>
+                    <a:lnR w="12700" cap="flat" cmpd="sng" algn="ctr">
+                      <a:solidFill>
+                        <a:schemeClr val="tx1"/>
+                      </a:solidFill>
+                      <a:prstDash val="solid"/>
+                      <a:round/>
+                      <a:headEnd type="none" w="med" len="med"/>
+                      <a:tailEnd type="none" w="med" len="med"/>
+                    </a:lnR>
+                    <a:lnT w="12700" cap="flat" cmpd="sng" algn="ctr">
+                      <a:solidFill>
+                        <a:schemeClr val="tx1"/>
+                      </a:solidFill>
+                      <a:prstDash val="solid"/>
+                      <a:round/>
+                      <a:headEnd type="none" w="med" len="med"/>
+                      <a:tailEnd type="none" w="med" len="med"/>
+                    </a:lnT>
+                    <a:lnB w="12700" cap="flat" cmpd="sng" algn="ctr">
+                      <a:solidFill>
+                        <a:schemeClr val="tx1"/>
+                      </a:solidFill>
+                      <a:prstDash val="solid"/>
+                      <a:round/>
+                      <a:headEnd type="none" w="med" len="med"/>
+                      <a:tailEnd type="none" w="med" len="med"/>
+                    </a:lnB>
+                    <a:solidFill>
+                      <a:srgbClr val="B7E1CD"/>
+                    </a:solidFill>
+                  </a:tcPr>
+                </a:tc>
+                <a:tc>
+                  <a:txBody>
+                    <a:bodyPr/>
+                    <a:lstStyle/>
+                    <a:p>
+                      <a:pPr algn="ctr" rtl="0" fontAlgn="b"/>
+                      <a:r>
+                        <a:rPr lang="en-US" altLang="zh-TW" sz="1400" b="0">
+                          <a:effectLst/>
+                          <a:latin typeface="Arial" panose="020B0604020202020204" pitchFamily="34" charset="0"/>
+                        </a:rPr>
+                        <a:t>1190.94</a:t>
+                      </a:r>
+                    </a:p>
+                  </a:txBody>
+                  <a:tcPr marL="28575" marR="28575" marT="19050" marB="19050" anchor="b">
+                    <a:lnL w="12700" cap="flat" cmpd="sng" algn="ctr">
+                      <a:solidFill>
+                        <a:schemeClr val="tx1"/>
+                      </a:solidFill>
+                      <a:prstDash val="solid"/>
+                      <a:round/>
+                      <a:headEnd type="none" w="med" len="med"/>
+                      <a:tailEnd type="none" w="med" len="med"/>
+                    </a:lnL>
+                    <a:lnR w="12700" cap="flat" cmpd="sng" algn="ctr">
+                      <a:solidFill>
+                        <a:schemeClr val="tx1"/>
+                      </a:solidFill>
+                      <a:prstDash val="solid"/>
+                      <a:round/>
+                      <a:headEnd type="none" w="med" len="med"/>
+                      <a:tailEnd type="none" w="med" len="med"/>
+                    </a:lnR>
+                    <a:lnT w="12700" cap="flat" cmpd="sng" algn="ctr">
+                      <a:solidFill>
+                        <a:schemeClr val="tx1"/>
+                      </a:solidFill>
+                      <a:prstDash val="solid"/>
+                      <a:round/>
+                      <a:headEnd type="none" w="med" len="med"/>
+                      <a:tailEnd type="none" w="med" len="med"/>
+                    </a:lnT>
+                    <a:lnB w="12700" cap="flat" cmpd="sng" algn="ctr">
+                      <a:solidFill>
+                        <a:schemeClr val="tx1"/>
+                      </a:solidFill>
+                      <a:prstDash val="solid"/>
+                      <a:round/>
+                      <a:headEnd type="none" w="med" len="med"/>
+                      <a:tailEnd type="none" w="med" len="med"/>
+                    </a:lnB>
+                    <a:solidFill>
+                      <a:srgbClr val="B7E1CD"/>
+                    </a:solidFill>
+                  </a:tcPr>
+                </a:tc>
+                <a:tc>
+                  <a:txBody>
+                    <a:bodyPr/>
+                    <a:lstStyle/>
+                    <a:p>
+                      <a:pPr algn="ctr" rtl="0" fontAlgn="b"/>
+                      <a:r>
+                        <a:rPr lang="en-US" altLang="zh-TW" sz="1400" b="0">
+                          <a:effectLst/>
+                          <a:latin typeface="Arial" panose="020B0604020202020204" pitchFamily="34" charset="0"/>
+                        </a:rPr>
+                        <a:t>3.3007</a:t>
+                      </a:r>
+                    </a:p>
+                  </a:txBody>
+                  <a:tcPr marL="28575" marR="28575" marT="19050" marB="19050" anchor="b">
+                    <a:lnL w="12700" cap="flat" cmpd="sng" algn="ctr">
+                      <a:solidFill>
+                        <a:schemeClr val="tx1"/>
+                      </a:solidFill>
+                      <a:prstDash val="solid"/>
+                      <a:round/>
+                      <a:headEnd type="none" w="med" len="med"/>
+                      <a:tailEnd type="none" w="med" len="med"/>
+                    </a:lnL>
+                    <a:lnR w="12700" cap="flat" cmpd="sng" algn="ctr">
+                      <a:solidFill>
+                        <a:schemeClr val="tx1"/>
+                      </a:solidFill>
+                      <a:prstDash val="solid"/>
+                      <a:round/>
+                      <a:headEnd type="none" w="med" len="med"/>
+                      <a:tailEnd type="none" w="med" len="med"/>
+                    </a:lnR>
+                    <a:lnT w="12700" cap="flat" cmpd="sng" algn="ctr">
+                      <a:solidFill>
+                        <a:schemeClr val="tx1"/>
+                      </a:solidFill>
+                      <a:prstDash val="solid"/>
+                      <a:round/>
+                      <a:headEnd type="none" w="med" len="med"/>
+                      <a:tailEnd type="none" w="med" len="med"/>
+                    </a:lnT>
+                    <a:lnB w="12700" cap="flat" cmpd="sng" algn="ctr">
+                      <a:solidFill>
+                        <a:schemeClr val="tx1"/>
+                      </a:solidFill>
+                      <a:prstDash val="solid"/>
+                      <a:round/>
+                      <a:headEnd type="none" w="med" len="med"/>
+                      <a:tailEnd type="none" w="med" len="med"/>
+                    </a:lnB>
+                    <a:solidFill>
+                      <a:srgbClr val="B7E1CD"/>
+                    </a:solidFill>
+                  </a:tcPr>
+                </a:tc>
+                <a:tc>
+                  <a:txBody>
+                    <a:bodyPr/>
+                    <a:lstStyle/>
+                    <a:p>
+                      <a:pPr algn="ctr" rtl="0" fontAlgn="b"/>
+                      <a:r>
+                        <a:rPr lang="en-US" altLang="zh-TW" sz="1400" b="0">
+                          <a:effectLst/>
+                          <a:latin typeface="Arial" panose="020B0604020202020204" pitchFamily="34" charset="0"/>
+                        </a:rPr>
+                        <a:t>0.0009</a:t>
+                      </a:r>
+                    </a:p>
+                  </a:txBody>
+                  <a:tcPr marL="28575" marR="28575" marT="19050" marB="19050" anchor="b">
+                    <a:lnL w="12700" cap="flat" cmpd="sng" algn="ctr">
+                      <a:solidFill>
+                        <a:schemeClr val="tx1"/>
+                      </a:solidFill>
+                      <a:prstDash val="solid"/>
+                      <a:round/>
+                      <a:headEnd type="none" w="med" len="med"/>
+                      <a:tailEnd type="none" w="med" len="med"/>
+                    </a:lnL>
+                    <a:lnR w="12700" cap="flat" cmpd="sng" algn="ctr">
+                      <a:solidFill>
+                        <a:schemeClr val="tx1"/>
+                      </a:solidFill>
+                      <a:prstDash val="solid"/>
+                      <a:round/>
+                      <a:headEnd type="none" w="med" len="med"/>
+                      <a:tailEnd type="none" w="med" len="med"/>
+                    </a:lnR>
+                    <a:lnT w="12700" cap="flat" cmpd="sng" algn="ctr">
+                      <a:solidFill>
+                        <a:schemeClr val="tx1"/>
+                      </a:solidFill>
+                      <a:prstDash val="solid"/>
+                      <a:round/>
+                      <a:headEnd type="none" w="med" len="med"/>
+                      <a:tailEnd type="none" w="med" len="med"/>
+                    </a:lnT>
+                    <a:lnB w="12700" cap="flat" cmpd="sng" algn="ctr">
+                      <a:solidFill>
+                        <a:schemeClr val="tx1"/>
+                      </a:solidFill>
+                      <a:prstDash val="solid"/>
+                      <a:round/>
+                      <a:headEnd type="none" w="med" len="med"/>
+                      <a:tailEnd type="none" w="med" len="med"/>
+                    </a:lnB>
+                    <a:solidFill>
+                      <a:srgbClr val="B7E1CD"/>
+                    </a:solidFill>
+                  </a:tcPr>
+                </a:tc>
+                <a:tc>
+                  <a:txBody>
+                    <a:bodyPr/>
+                    <a:lstStyle/>
+                    <a:p>
+                      <a:pPr algn="ctr" rtl="0" fontAlgn="b"/>
+                      <a:r>
+                        <a:rPr lang="en-US" altLang="zh-TW" sz="1400" b="0">
+                          <a:effectLst/>
+                          <a:latin typeface="Arial" panose="020B0604020202020204" pitchFamily="34" charset="0"/>
+                        </a:rPr>
+                        <a:t>567.0538</a:t>
+                      </a:r>
+                    </a:p>
+                  </a:txBody>
+                  <a:tcPr marL="28575" marR="28575" marT="19050" marB="19050" anchor="b">
+                    <a:lnL w="12700" cap="flat" cmpd="sng" algn="ctr">
+                      <a:solidFill>
+                        <a:schemeClr val="tx1"/>
+                      </a:solidFill>
+                      <a:prstDash val="solid"/>
+                      <a:round/>
+                      <a:headEnd type="none" w="med" len="med"/>
+                      <a:tailEnd type="none" w="med" len="med"/>
+                    </a:lnL>
+                    <a:lnR w="12700" cap="flat" cmpd="sng" algn="ctr">
+                      <a:solidFill>
+                        <a:schemeClr val="tx1"/>
+                      </a:solidFill>
+                      <a:prstDash val="solid"/>
+                      <a:round/>
+                      <a:headEnd type="none" w="med" len="med"/>
+                      <a:tailEnd type="none" w="med" len="med"/>
+                    </a:lnR>
+                    <a:lnT w="12700" cap="flat" cmpd="sng" algn="ctr">
+                      <a:solidFill>
+                        <a:schemeClr val="tx1"/>
+                      </a:solidFill>
+                      <a:prstDash val="solid"/>
+                      <a:round/>
+                      <a:headEnd type="none" w="med" len="med"/>
+                      <a:tailEnd type="none" w="med" len="med"/>
+                    </a:lnT>
+                    <a:lnB w="12700" cap="flat" cmpd="sng" algn="ctr">
+                      <a:solidFill>
+                        <a:schemeClr val="tx1"/>
+                      </a:solidFill>
+                      <a:prstDash val="solid"/>
+                      <a:round/>
+                      <a:headEnd type="none" w="med" len="med"/>
+                      <a:tailEnd type="none" w="med" len="med"/>
+                    </a:lnB>
+                    <a:solidFill>
+                      <a:srgbClr val="F4C7C3"/>
+                    </a:solidFill>
+                  </a:tcPr>
+                </a:tc>
+                <a:tc>
+                  <a:txBody>
+                    <a:bodyPr/>
+                    <a:lstStyle/>
+                    <a:p>
+                      <a:pPr algn="ctr" rtl="0" fontAlgn="b"/>
+                      <a:r>
+                        <a:rPr lang="en-US" altLang="zh-TW" sz="1400" b="0">
+                          <a:effectLst/>
+                          <a:latin typeface="Arial" panose="020B0604020202020204" pitchFamily="34" charset="0"/>
+                        </a:rPr>
+                        <a:t>573.3547</a:t>
+                      </a:r>
+                    </a:p>
+                  </a:txBody>
+                  <a:tcPr marL="28575" marR="28575" marT="19050" marB="19050" anchor="b">
+                    <a:lnL w="12700" cap="flat" cmpd="sng" algn="ctr">
+                      <a:solidFill>
+                        <a:schemeClr val="tx1"/>
+                      </a:solidFill>
+                      <a:prstDash val="solid"/>
+                      <a:round/>
+                      <a:headEnd type="none" w="med" len="med"/>
+                      <a:tailEnd type="none" w="med" len="med"/>
+                    </a:lnL>
+                    <a:lnR w="12700" cap="flat" cmpd="sng" algn="ctr">
+                      <a:solidFill>
+                        <a:schemeClr val="tx1"/>
+                      </a:solidFill>
+                      <a:prstDash val="solid"/>
+                      <a:round/>
+                      <a:headEnd type="none" w="med" len="med"/>
+                      <a:tailEnd type="none" w="med" len="med"/>
+                    </a:lnR>
+                    <a:lnT w="12700" cap="flat" cmpd="sng" algn="ctr">
+                      <a:solidFill>
+                        <a:schemeClr val="tx1"/>
+                      </a:solidFill>
+                      <a:prstDash val="solid"/>
+                      <a:round/>
+                      <a:headEnd type="none" w="med" len="med"/>
+                      <a:tailEnd type="none" w="med" len="med"/>
+                    </a:lnT>
+                    <a:lnB w="12700" cap="flat" cmpd="sng" algn="ctr">
+                      <a:solidFill>
+                        <a:schemeClr val="tx1"/>
+                      </a:solidFill>
+                      <a:prstDash val="solid"/>
+                      <a:round/>
+                      <a:headEnd type="none" w="med" len="med"/>
+                      <a:tailEnd type="none" w="med" len="med"/>
+                    </a:lnB>
+                    <a:solidFill>
+                      <a:srgbClr val="B7E1CD"/>
+                    </a:solidFill>
+                  </a:tcPr>
+                </a:tc>
+                <a:tc>
+                  <a:txBody>
+                    <a:bodyPr/>
+                    <a:lstStyle/>
+                    <a:p>
+                      <a:pPr algn="ctr" rtl="0" fontAlgn="b"/>
+                      <a:r>
+                        <a:rPr lang="en-US" altLang="zh-TW" sz="1400" b="0" dirty="0">
+                          <a:effectLst/>
+                          <a:latin typeface="Arial" panose="020B0604020202020204" pitchFamily="34" charset="0"/>
+                        </a:rPr>
+                        <a:t>0.7592</a:t>
+                      </a:r>
+                    </a:p>
+                  </a:txBody>
+                  <a:tcPr marL="28575" marR="28575" marT="19050" marB="19050" anchor="b">
+                    <a:lnL w="12700" cap="flat" cmpd="sng" algn="ctr">
+                      <a:solidFill>
+                        <a:schemeClr val="tx1"/>
+                      </a:solidFill>
+                      <a:prstDash val="solid"/>
+                      <a:round/>
+                      <a:headEnd type="none" w="med" len="med"/>
+                      <a:tailEnd type="none" w="med" len="med"/>
+                    </a:lnL>
+                    <a:lnR w="12700" cap="flat" cmpd="sng" algn="ctr">
+                      <a:solidFill>
+                        <a:schemeClr val="tx1"/>
+                      </a:solidFill>
+                      <a:prstDash val="solid"/>
+                      <a:round/>
+                      <a:headEnd type="none" w="med" len="med"/>
+                      <a:tailEnd type="none" w="med" len="med"/>
+                    </a:lnR>
+                    <a:lnT w="12700" cap="flat" cmpd="sng" algn="ctr">
+                      <a:solidFill>
+                        <a:schemeClr val="tx1"/>
+                      </a:solidFill>
+                      <a:prstDash val="solid"/>
+                      <a:round/>
+                      <a:headEnd type="none" w="med" len="med"/>
+                      <a:tailEnd type="none" w="med" len="med"/>
+                    </a:lnT>
+                    <a:lnB w="12700" cap="flat" cmpd="sng" algn="ctr">
+                      <a:solidFill>
+                        <a:schemeClr val="tx1"/>
+                      </a:solidFill>
+                      <a:prstDash val="solid"/>
+                      <a:round/>
+                      <a:headEnd type="none" w="med" len="med"/>
+                      <a:tailEnd type="none" w="med" len="med"/>
+                    </a:lnB>
+                    <a:solidFill>
+                      <a:srgbClr val="B7E1CD"/>
+                    </a:solidFill>
+                  </a:tcPr>
+                </a:tc>
+                <a:extLst>
+                  <a:ext uri="{0D108BD9-81ED-4DB2-BD59-A6C34878D82A}">
+                    <a16:rowId xmlns:a16="http://schemas.microsoft.com/office/drawing/2014/main" val="3949637403"/>
+                  </a:ext>
+                </a:extLst>
+              </a:tr>
+            </a:tbl>
+          </a:graphicData>
+        </a:graphic>
+      </p:graphicFrame>
+      <p:graphicFrame>
+        <p:nvGraphicFramePr>
+          <p:cNvPr id="11" name="表格 10">
+            <a:extLst>
+              <a:ext uri="{FF2B5EF4-FFF2-40B4-BE49-F238E27FC236}">
+                <a16:creationId xmlns:a16="http://schemas.microsoft.com/office/drawing/2014/main" id="{179A8F04-8964-4652-B72A-DDC807F702CB}"/>
+              </a:ext>
+            </a:extLst>
+          </p:cNvPr>
+          <p:cNvGraphicFramePr>
+            <a:graphicFrameLocks noGrp="1"/>
+          </p:cNvGraphicFramePr>
+          <p:nvPr>
+            <p:extLst>
+              <p:ext uri="{D42A27DB-BD31-4B8C-83A1-F6EECF244321}">
+                <p14:modId xmlns:p14="http://schemas.microsoft.com/office/powerpoint/2010/main" val="605030195"/>
+              </p:ext>
+            </p:extLst>
+          </p:nvPr>
+        </p:nvGraphicFramePr>
+        <p:xfrm>
+          <a:off x="7429500" y="3405537"/>
+          <a:ext cx="952500" cy="441960"/>
+        </p:xfrm>
+        <a:graphic>
+          <a:graphicData uri="http://schemas.openxmlformats.org/drawingml/2006/table">
+            <a:tbl>
+              <a:tblPr/>
+              <a:tblGrid>
+                <a:gridCol w="952500">
+                  <a:extLst>
+                    <a:ext uri="{9D8B030D-6E8A-4147-A177-3AD203B41FA5}">
+                      <a16:colId xmlns:a16="http://schemas.microsoft.com/office/drawing/2014/main" val="182146696"/>
+                    </a:ext>
+                  </a:extLst>
+                </a:gridCol>
+              </a:tblGrid>
+              <a:tr h="210630">
+                <a:tc>
+                  <a:txBody>
+                    <a:bodyPr/>
+                    <a:lstStyle/>
+                    <a:p>
+                      <a:pPr algn="ctr" rtl="0" fontAlgn="b"/>
+                      <a:r>
+                        <a:rPr lang="en-US" sz="1200">
+                          <a:effectLst/>
+                        </a:rPr>
+                        <a:t>Better</a:t>
+                      </a:r>
+                    </a:p>
+                  </a:txBody>
+                  <a:tcPr marL="28575" marR="28575" marT="19050" marB="19050" anchor="b">
+                    <a:lnL w="9525" cap="flat" cmpd="sng" algn="ctr">
+                      <a:solidFill>
+                        <a:srgbClr val="000000"/>
+                      </a:solidFill>
+                      <a:prstDash val="solid"/>
+                      <a:round/>
+                      <a:headEnd type="none" w="med" len="med"/>
+                      <a:tailEnd type="none" w="med" len="med"/>
+                    </a:lnL>
+                    <a:lnR w="9525" cap="flat" cmpd="sng" algn="ctr">
+                      <a:solidFill>
+                        <a:srgbClr val="CCCCCC"/>
+                      </a:solidFill>
+                      <a:prstDash val="solid"/>
+                      <a:round/>
+                      <a:headEnd type="none" w="med" len="med"/>
+                      <a:tailEnd type="none" w="med" len="med"/>
+                    </a:lnR>
+                    <a:lnT w="9525" cap="flat" cmpd="sng" algn="ctr">
+                      <a:solidFill>
+                        <a:srgbClr val="CCCCCC"/>
+                      </a:solidFill>
+                      <a:prstDash val="solid"/>
+                      <a:round/>
+                      <a:headEnd type="none" w="med" len="med"/>
+                      <a:tailEnd type="none" w="med" len="med"/>
+                    </a:lnT>
+                    <a:lnB w="9525" cap="flat" cmpd="sng" algn="ctr">
+                      <a:solidFill>
+                        <a:srgbClr val="CCCCCC"/>
+                      </a:solidFill>
+                      <a:prstDash val="solid"/>
+                      <a:round/>
+                      <a:headEnd type="none" w="med" len="med"/>
+                      <a:tailEnd type="none" w="med" len="med"/>
+                    </a:lnB>
+                    <a:solidFill>
+                      <a:srgbClr val="B7E1CD"/>
+                    </a:solidFill>
+                  </a:tcPr>
+                </a:tc>
+                <a:extLst>
+                  <a:ext uri="{0D108BD9-81ED-4DB2-BD59-A6C34878D82A}">
+                    <a16:rowId xmlns:a16="http://schemas.microsoft.com/office/drawing/2014/main" val="83092851"/>
+                  </a:ext>
+                </a:extLst>
+              </a:tr>
+              <a:tr h="200025">
+                <a:tc>
+                  <a:txBody>
+                    <a:bodyPr/>
+                    <a:lstStyle/>
+                    <a:p>
+                      <a:pPr algn="ctr" rtl="0" fontAlgn="b"/>
+                      <a:r>
+                        <a:rPr lang="en-US" sz="1200" dirty="0">
+                          <a:effectLst/>
+                        </a:rPr>
+                        <a:t>Worse</a:t>
+                      </a:r>
+                    </a:p>
+                  </a:txBody>
+                  <a:tcPr marL="28575" marR="28575" marT="19050" marB="19050" anchor="b">
+                    <a:lnL w="9525" cap="flat" cmpd="sng" algn="ctr">
+                      <a:solidFill>
+                        <a:srgbClr val="000000"/>
+                      </a:solidFill>
+                      <a:prstDash val="solid"/>
+                      <a:round/>
+                      <a:headEnd type="none" w="med" len="med"/>
+                      <a:tailEnd type="none" w="med" len="med"/>
+                    </a:lnL>
+                    <a:lnR w="9525" cap="flat" cmpd="sng" algn="ctr">
+                      <a:solidFill>
+                        <a:srgbClr val="CCCCCC"/>
+                      </a:solidFill>
+                      <a:prstDash val="solid"/>
+                      <a:round/>
+                      <a:headEnd type="none" w="med" len="med"/>
+                      <a:tailEnd type="none" w="med" len="med"/>
+                    </a:lnR>
+                    <a:lnT w="9525" cap="flat" cmpd="sng" algn="ctr">
+                      <a:solidFill>
+                        <a:srgbClr val="CCCCCC"/>
+                      </a:solidFill>
+                      <a:prstDash val="solid"/>
+                      <a:round/>
+                      <a:headEnd type="none" w="med" len="med"/>
+                      <a:tailEnd type="none" w="med" len="med"/>
+                    </a:lnT>
+                    <a:lnB w="9525" cap="flat" cmpd="sng" algn="ctr">
+                      <a:solidFill>
+                        <a:srgbClr val="CCCCCC"/>
+                      </a:solidFill>
+                      <a:prstDash val="solid"/>
+                      <a:round/>
+                      <a:headEnd type="none" w="med" len="med"/>
+                      <a:tailEnd type="none" w="med" len="med"/>
+                    </a:lnB>
+                    <a:solidFill>
+                      <a:srgbClr val="F4C7C3"/>
+                    </a:solidFill>
+                  </a:tcPr>
+                </a:tc>
+                <a:extLst>
+                  <a:ext uri="{0D108BD9-81ED-4DB2-BD59-A6C34878D82A}">
+                    <a16:rowId xmlns:a16="http://schemas.microsoft.com/office/drawing/2014/main" val="115253514"/>
+                  </a:ext>
+                </a:extLst>
+              </a:tr>
+            </a:tbl>
+          </a:graphicData>
+        </a:graphic>
+      </p:graphicFrame>
+    </p:spTree>
+    <p:extLst>
+      <p:ext uri="{BB962C8B-B14F-4D97-AF65-F5344CB8AC3E}">
+        <p14:creationId xmlns:p14="http://schemas.microsoft.com/office/powerpoint/2010/main" val="3108031480"/>
+      </p:ext>
+    </p:extLst>
+  </p:cSld>
+  <p:clrMapOvr>
+    <a:masterClrMapping/>
+  </p:clrMapOvr>
+</p:sld>
+</file>
+
+<file path=ppt/slides/slide25.xml><?xml version="1.0" encoding="utf-8"?>
 <p:sld xmlns:a="http://schemas.openxmlformats.org/drawingml/2006/main" xmlns:r="http://schemas.openxmlformats.org/officeDocument/2006/relationships" xmlns:p="http://schemas.openxmlformats.org/presentationml/2006/main">
   <p:cSld>
     <p:spTree>
@@ -26239,7 +32886,7 @@
             <a:fld id="{60B72D1D-C7D5-46AB-88C6-AAE1BD29C5E7}" type="slidenum">
               <a:rPr lang="zh-TW" altLang="en-US" smtClean="0"/>
               <a:pPr/>
-              <a:t>22</a:t>
+              <a:t>25</a:t>
             </a:fld>
             <a:endParaRPr lang="zh-TW" altLang="en-US" dirty="0"/>
           </a:p>
@@ -26258,7 +32905,7 @@
 </p:sld>
 </file>
 
-<file path=ppt/slides/slide23.xml><?xml version="1.0" encoding="utf-8"?>
+<file path=ppt/slides/slide26.xml><?xml version="1.0" encoding="utf-8"?>
 <p:sld xmlns:a="http://schemas.openxmlformats.org/drawingml/2006/main" xmlns:r="http://schemas.openxmlformats.org/officeDocument/2006/relationships" xmlns:p="http://schemas.openxmlformats.org/presentationml/2006/main">
   <p:cSld>
     <p:spTree>
@@ -26332,9 +32979,16 @@
           </a:p>
           <a:p>
             <a:r>
-              <a:rPr lang="en-US" altLang="zh-TW" dirty="0"/>
-              <a:t>The power distribution for hybrid energy storage is being worked on.</a:t>
+              <a:rPr lang="en-US" altLang="zh-TW" dirty="0">
+                <a:solidFill>
+                  <a:srgbClr val="FF0000"/>
+                </a:solidFill>
+              </a:rPr>
+              <a:t>The first version of power distribution for hybrid energy storage is done, and the results are better than the baseline.</a:t>
             </a:r>
+          </a:p>
+          <a:p>
+            <a:endParaRPr lang="en-US" altLang="zh-TW" dirty="0"/>
           </a:p>
         </p:txBody>
       </p:sp>
@@ -26366,7 +33020,7 @@
             <a:fld id="{60B72D1D-C7D5-46AB-88C6-AAE1BD29C5E7}" type="slidenum">
               <a:rPr lang="zh-TW" altLang="en-US" smtClean="0"/>
               <a:pPr/>
-              <a:t>23</a:t>
+              <a:t>26</a:t>
             </a:fld>
             <a:endParaRPr lang="zh-TW" altLang="en-US" dirty="0"/>
           </a:p>

--- a/MVC2023_EMA.pptx
+++ b/MVC2023_EMA.pptx
@@ -20624,7 +20624,7 @@
             <p:ph idx="1"/>
             <p:extLst>
               <p:ext uri="{D42A27DB-BD31-4B8C-83A1-F6EECF244321}">
-                <p14:modId xmlns:p14="http://schemas.microsoft.com/office/powerpoint/2010/main" val="3234560800"/>
+                <p14:modId xmlns:p14="http://schemas.microsoft.com/office/powerpoint/2010/main" val="3193605478"/>
               </p:ext>
             </p:extLst>
           </p:nvPr>
@@ -20718,7 +20718,7 @@
                     <a:bodyPr/>
                     <a:lstStyle/>
                     <a:p>
-                      <a:pPr algn="ctr"/>
+                      <a:pPr algn="l"/>
                       <a:r>
                         <a:rPr lang="en-US" altLang="zh-TW" dirty="0"/>
                         <a:t>Initialization MPC model</a:t>
@@ -20754,7 +20754,7 @@
                     <a:bodyPr/>
                     <a:lstStyle/>
                     <a:p>
-                      <a:pPr algn="ctr"/>
+                      <a:pPr algn="l"/>
                       <a:r>
                         <a:rPr lang="en-US" altLang="zh-TW" sz="1350" b="0" i="0" kern="1200" dirty="0">
                           <a:solidFill>
@@ -20833,7 +20833,7 @@
                     <a:bodyPr/>
                     <a:lstStyle/>
                     <a:p>
-                      <a:pPr algn="ctr"/>
+                      <a:pPr algn="l"/>
                       <a:r>
                         <a:rPr lang="en-US" altLang="zh-TW" dirty="0"/>
                         <a:t>Pmax is modified to be based on the product of </a:t>
@@ -20906,7 +20906,7 @@
                     <a:bodyPr/>
                     <a:lstStyle/>
                     <a:p>
-                      <a:pPr algn="ctr"/>
+                      <a:pPr algn="l"/>
                       <a:r>
                         <a:rPr lang="en-US" altLang="zh-TW" dirty="0"/>
                         <a:t>Added the low-efficiency zone strategy</a:t>
@@ -20980,7 +20980,7 @@
                     <a:bodyPr/>
                     <a:lstStyle/>
                     <a:p>
-                      <a:pPr algn="ctr"/>
+                      <a:pPr algn="l"/>
                       <a:r>
                         <a:rPr lang="en-US" altLang="zh-TW" dirty="0"/>
                         <a:t>Changed </a:t>
@@ -21065,7 +21065,7 @@
                     <a:bodyPr/>
                     <a:lstStyle/>
                     <a:p>
-                      <a:pPr algn="ctr"/>
+                      <a:pPr algn="l"/>
                       <a:r>
                         <a:rPr lang="en-US" altLang="zh-TW" dirty="0"/>
                         <a:t>Added variable weight strategy</a:t>
@@ -23663,8 +23663,8 @@
           </a:p>
         </p:txBody>
       </p:sp>
-      <mc:AlternateContent xmlns:mc="http://schemas.openxmlformats.org/markup-compatibility/2006">
-        <mc:Choice xmlns:a14="http://schemas.microsoft.com/office/drawing/2010/main" Requires="a14">
+      <mc:AlternateContent xmlns:mc="http://schemas.openxmlformats.org/markup-compatibility/2006" xmlns:a14="http://schemas.microsoft.com/office/drawing/2010/main">
+        <mc:Choice Requires="a14">
           <p:sp>
             <p:nvSpPr>
               <p:cNvPr id="3" name="Content Placeholder 2">
@@ -24068,7 +24068,7 @@
             </p:txBody>
           </p:sp>
         </mc:Choice>
-        <mc:Fallback>
+        <mc:Fallback xmlns="">
           <p:sp>
             <p:nvSpPr>
               <p:cNvPr id="3" name="Content Placeholder 2">
@@ -24388,8 +24388,8 @@
           </p:sp>
         </mc:Fallback>
       </mc:AlternateContent>
-      <mc:AlternateContent xmlns:mc="http://schemas.openxmlformats.org/markup-compatibility/2006">
-        <mc:Choice xmlns:a14="http://schemas.microsoft.com/office/drawing/2010/main" Requires="a14">
+      <mc:AlternateContent xmlns:mc="http://schemas.openxmlformats.org/markup-compatibility/2006" xmlns:a14="http://schemas.microsoft.com/office/drawing/2010/main">
+        <mc:Choice Requires="a14">
           <p:sp>
             <p:nvSpPr>
               <p:cNvPr id="9" name="TextBox 8">
@@ -24650,7 +24650,7 @@
             </p:txBody>
           </p:sp>
         </mc:Choice>
-        <mc:Fallback>
+        <mc:Fallback xmlns="">
           <p:sp>
             <p:nvSpPr>
               <p:cNvPr id="9" name="TextBox 8">
@@ -25980,8 +25980,8 @@
           </p:sp>
         </mc:Fallback>
       </mc:AlternateContent>
-      <mc:AlternateContent xmlns:mc="http://schemas.openxmlformats.org/markup-compatibility/2006">
-        <mc:Choice xmlns:a14="http://schemas.microsoft.com/office/drawing/2010/main" Requires="a14">
+      <mc:AlternateContent xmlns:mc="http://schemas.openxmlformats.org/markup-compatibility/2006" xmlns:a14="http://schemas.microsoft.com/office/drawing/2010/main">
+        <mc:Choice Requires="a14">
           <p:sp>
             <p:nvSpPr>
               <p:cNvPr id="19" name="TextBox 18">
@@ -26540,7 +26540,7 @@
             </p:txBody>
           </p:sp>
         </mc:Choice>
-        <mc:Fallback>
+        <mc:Fallback xmlns="">
           <p:sp>
             <p:nvSpPr>
               <p:cNvPr id="19" name="TextBox 18">
